--- a/doc/APP模板与柔派适配说明.pptx
+++ b/doc/APP模板与柔派适配说明.pptx
@@ -596,45 +596,41 @@
           <a:lstStyle/>
           <a:p>
             <a:r>
-              <a:rPr lang="en-US" altLang="zh-CN" dirty="0" err="1" smtClean="0"/>
+              <a:rPr lang="en-US" altLang="zh-CN" dirty="0" err="1"/>
               <a:t>LiveData</a:t>
             </a:r>
             <a:r>
-              <a:rPr lang="zh-CN" altLang="en-US" dirty="0" smtClean="0"/>
+              <a:rPr lang="zh-CN" altLang="en-US" dirty="0"/>
               <a:t>不是只能在生命周期组件中使用。如果在其他地方使用，当不需要监听数据对象变化时，需要调用</a:t>
             </a:r>
             <a:r>
-              <a:rPr lang="en-US" altLang="zh-CN" dirty="0" err="1" smtClean="0"/>
+              <a:rPr lang="en-US" altLang="zh-CN" dirty="0" err="1"/>
               <a:t>LiveData</a:t>
             </a:r>
             <a:r>
-              <a:rPr lang="zh-CN" altLang="en-US" dirty="0" smtClean="0"/>
+              <a:rPr lang="zh-CN" altLang="en-US" dirty="0"/>
               <a:t>的</a:t>
             </a:r>
             <a:r>
-              <a:rPr lang="en-US" altLang="zh-CN" dirty="0" err="1" smtClean="0"/>
+              <a:rPr lang="en-US" altLang="zh-CN" dirty="0" err="1"/>
               <a:t>removeObserver</a:t>
             </a:r>
             <a:r>
-              <a:rPr lang="en-US" altLang="zh-CN" dirty="0" smtClean="0"/>
+              <a:rPr lang="en-US" altLang="zh-CN" dirty="0"/>
               <a:t>()</a:t>
             </a:r>
             <a:r>
-              <a:rPr lang="zh-CN" altLang="en-US" dirty="0" smtClean="0"/>
-              <a:t>方法，否则可能会导致内存泄漏</a:t>
-            </a:r>
-            <a:r>
-              <a:rPr lang="zh-CN" altLang="en-US" dirty="0" smtClean="0"/>
-              <a:t>。</a:t>
-            </a:r>
-            <a:endParaRPr lang="en-US" altLang="zh-CN" dirty="0" smtClean="0"/>
-          </a:p>
-          <a:p>
-            <a:endParaRPr lang="en-US" altLang="zh-CN" dirty="0" smtClean="0"/>
-          </a:p>
-          <a:p>
-            <a:r>
-              <a:rPr lang="en-US" altLang="zh-CN" b="1" i="0" u="none" strike="noStrike" dirty="0" err="1" smtClean="0">
+              <a:rPr lang="zh-CN" altLang="en-US" dirty="0"/>
+              <a:t>方法，否则可能会导致内存泄漏。</a:t>
+            </a:r>
+            <a:endParaRPr lang="en-US" altLang="zh-CN" dirty="0"/>
+          </a:p>
+          <a:p>
+            <a:endParaRPr lang="en-US" altLang="zh-CN" dirty="0"/>
+          </a:p>
+          <a:p>
+            <a:r>
+              <a:rPr lang="en-US" altLang="zh-CN" b="1" i="0" u="none" strike="noStrike" dirty="0" err="1">
                 <a:effectLst/>
                 <a:latin typeface="+mj-lt"/>
                 <a:ea typeface="+mj-ea"/>
@@ -645,7 +641,7 @@
               <a:t>Transformations.map</a:t>
             </a:r>
             <a:r>
-              <a:rPr lang="en-US" altLang="zh-CN" b="1" i="0" u="none" strike="noStrike" dirty="0" smtClean="0">
+              <a:rPr lang="en-US" altLang="zh-CN" b="1" i="0" u="none" strike="noStrike" dirty="0">
                 <a:effectLst/>
                 <a:latin typeface="+mj-lt"/>
                 <a:ea typeface="+mj-ea"/>
@@ -788,266 +784,266 @@
           <a:lstStyle/>
           <a:p>
             <a:r>
-              <a:rPr lang="en-US" altLang="zh-CN" dirty="0" smtClean="0"/>
+              <a:rPr lang="en-US" altLang="zh-CN" dirty="0"/>
               <a:t>support-v4</a:t>
             </a:r>
             <a:r>
-              <a:rPr lang="zh-CN" altLang="en-US" dirty="0" smtClean="0"/>
+              <a:rPr lang="zh-CN" altLang="en-US" dirty="0"/>
               <a:t>最低支持</a:t>
             </a:r>
             <a:r>
-              <a:rPr lang="en-US" altLang="zh-CN" dirty="0" smtClean="0"/>
+              <a:rPr lang="en-US" altLang="zh-CN" dirty="0"/>
               <a:t>android1.6</a:t>
             </a:r>
             <a:r>
-              <a:rPr lang="zh-CN" altLang="en-US" dirty="0" smtClean="0"/>
+              <a:rPr lang="zh-CN" altLang="en-US" dirty="0"/>
               <a:t>，</a:t>
             </a:r>
             <a:r>
-              <a:rPr lang="en-US" altLang="zh-CN" dirty="0" smtClean="0"/>
+              <a:rPr lang="en-US" altLang="zh-CN" dirty="0"/>
               <a:t>2011</a:t>
             </a:r>
             <a:r>
-              <a:rPr lang="zh-CN" altLang="en-US" dirty="0" smtClean="0"/>
+              <a:rPr lang="zh-CN" altLang="en-US" dirty="0"/>
               <a:t>年推出。包含了</a:t>
             </a:r>
             <a:r>
-              <a:rPr lang="en-US" altLang="zh-CN" dirty="0" smtClean="0"/>
+              <a:rPr lang="en-US" altLang="zh-CN" dirty="0"/>
               <a:t>Fragment</a:t>
             </a:r>
             <a:r>
-              <a:rPr lang="zh-CN" altLang="en-US" dirty="0" smtClean="0"/>
+              <a:rPr lang="zh-CN" altLang="en-US" dirty="0"/>
               <a:t>、</a:t>
             </a:r>
             <a:r>
-              <a:rPr lang="en-US" altLang="zh-CN" dirty="0" err="1" smtClean="0"/>
+              <a:rPr lang="en-US" altLang="zh-CN" dirty="0" err="1"/>
               <a:t>ViewPager</a:t>
             </a:r>
             <a:r>
-              <a:rPr lang="zh-CN" altLang="en-US" dirty="0" smtClean="0"/>
+              <a:rPr lang="zh-CN" altLang="en-US" dirty="0"/>
               <a:t>等</a:t>
             </a:r>
-            <a:endParaRPr lang="en-US" altLang="zh-CN" dirty="0" smtClean="0"/>
-          </a:p>
-          <a:p>
-            <a:r>
-              <a:rPr lang="en-US" altLang="zh-CN" dirty="0" smtClean="0"/>
+            <a:endParaRPr lang="en-US" altLang="zh-CN" dirty="0"/>
+          </a:p>
+          <a:p>
+            <a:r>
+              <a:rPr lang="en-US" altLang="zh-CN" dirty="0"/>
               <a:t>support-v7</a:t>
             </a:r>
             <a:r>
-              <a:rPr lang="zh-CN" altLang="en-US" dirty="0" smtClean="0"/>
+              <a:rPr lang="zh-CN" altLang="en-US" dirty="0"/>
               <a:t>最低支持</a:t>
             </a:r>
             <a:r>
-              <a:rPr lang="en-US" altLang="zh-CN" dirty="0" smtClean="0"/>
+              <a:rPr lang="en-US" altLang="zh-CN" dirty="0"/>
               <a:t>android2.1</a:t>
             </a:r>
             <a:r>
-              <a:rPr lang="zh-CN" altLang="en-US" dirty="0" smtClean="0"/>
+              <a:rPr lang="zh-CN" altLang="en-US" dirty="0"/>
               <a:t>，</a:t>
             </a:r>
             <a:r>
-              <a:rPr lang="en-US" altLang="zh-CN" dirty="0" smtClean="0"/>
+              <a:rPr lang="en-US" altLang="zh-CN" dirty="0"/>
               <a:t>v7</a:t>
             </a:r>
             <a:r>
-              <a:rPr lang="zh-CN" altLang="en-US" dirty="0" smtClean="0"/>
+              <a:rPr lang="zh-CN" altLang="en-US" dirty="0"/>
               <a:t>依赖于</a:t>
             </a:r>
             <a:r>
-              <a:rPr lang="en-US" altLang="zh-CN" dirty="0" smtClean="0"/>
+              <a:rPr lang="en-US" altLang="zh-CN" dirty="0"/>
               <a:t>v4</a:t>
             </a:r>
             <a:r>
-              <a:rPr lang="zh-CN" altLang="en-US" dirty="0" smtClean="0"/>
+              <a:rPr lang="zh-CN" altLang="en-US" dirty="0"/>
               <a:t>包，</a:t>
             </a:r>
             <a:r>
-              <a:rPr lang="en-US" altLang="zh-CN" dirty="0" smtClean="0"/>
+              <a:rPr lang="en-US" altLang="zh-CN" dirty="0"/>
               <a:t>2014</a:t>
             </a:r>
             <a:r>
-              <a:rPr lang="zh-CN" altLang="en-US" dirty="0" smtClean="0"/>
+              <a:rPr lang="zh-CN" altLang="en-US" dirty="0"/>
               <a:t>年推出。增加了</a:t>
             </a:r>
             <a:r>
-              <a:rPr lang="en-US" altLang="zh-CN" dirty="0" smtClean="0"/>
+              <a:rPr lang="en-US" altLang="zh-CN" dirty="0"/>
               <a:t>material design</a:t>
             </a:r>
             <a:r>
-              <a:rPr lang="zh-CN" altLang="en-US" dirty="0" smtClean="0"/>
+              <a:rPr lang="zh-CN" altLang="en-US" dirty="0"/>
               <a:t>兼容类、</a:t>
             </a:r>
             <a:r>
-              <a:rPr lang="en-US" altLang="zh-CN" dirty="0" err="1" smtClean="0"/>
+              <a:rPr lang="en-US" altLang="zh-CN" dirty="0" err="1"/>
               <a:t>recyclerview</a:t>
             </a:r>
             <a:r>
-              <a:rPr lang="zh-CN" altLang="en-US" dirty="0" smtClean="0"/>
+              <a:rPr lang="zh-CN" altLang="en-US" dirty="0"/>
               <a:t>等。</a:t>
             </a:r>
-            <a:endParaRPr lang="en-US" altLang="zh-CN" dirty="0" smtClean="0"/>
-          </a:p>
-          <a:p>
-            <a:r>
-              <a:rPr lang="zh-CN" altLang="en-US" dirty="0" smtClean="0"/>
+            <a:endParaRPr lang="en-US" altLang="zh-CN" dirty="0"/>
+          </a:p>
+          <a:p>
+            <a:r>
+              <a:rPr lang="zh-CN" altLang="en-US" dirty="0"/>
               <a:t>从</a:t>
             </a:r>
             <a:r>
-              <a:rPr lang="en-US" altLang="zh-CN" dirty="0" smtClean="0"/>
+              <a:rPr lang="en-US" altLang="zh-CN" dirty="0"/>
               <a:t>26.0.0</a:t>
             </a:r>
             <a:r>
-              <a:rPr lang="zh-CN" altLang="en-US" dirty="0" smtClean="0"/>
+              <a:rPr lang="zh-CN" altLang="en-US" dirty="0"/>
               <a:t>开始的</a:t>
             </a:r>
             <a:r>
-              <a:rPr lang="en-US" altLang="zh-CN" dirty="0" smtClean="0"/>
+              <a:rPr lang="en-US" altLang="zh-CN" dirty="0"/>
               <a:t>v4</a:t>
             </a:r>
             <a:r>
-              <a:rPr lang="zh-CN" altLang="en-US" dirty="0" smtClean="0"/>
+              <a:rPr lang="zh-CN" altLang="en-US" dirty="0"/>
               <a:t>、</a:t>
             </a:r>
             <a:r>
-              <a:rPr lang="en-US" altLang="zh-CN" dirty="0" smtClean="0"/>
+              <a:rPr lang="en-US" altLang="zh-CN" dirty="0"/>
               <a:t>v7</a:t>
             </a:r>
             <a:r>
-              <a:rPr lang="zh-CN" altLang="en-US" dirty="0" smtClean="0"/>
+              <a:rPr lang="zh-CN" altLang="en-US" dirty="0"/>
               <a:t>包最低支持</a:t>
             </a:r>
             <a:r>
-              <a:rPr lang="en-US" altLang="zh-CN" dirty="0" smtClean="0"/>
+              <a:rPr lang="en-US" altLang="zh-CN" dirty="0"/>
               <a:t>android4.0</a:t>
             </a:r>
             <a:r>
-              <a:rPr lang="zh-CN" altLang="en-US" dirty="0" smtClean="0"/>
+              <a:rPr lang="zh-CN" altLang="en-US" dirty="0"/>
               <a:t>（</a:t>
             </a:r>
             <a:r>
-              <a:rPr lang="en-US" altLang="zh-CN" dirty="0" smtClean="0"/>
+              <a:rPr lang="en-US" altLang="zh-CN" dirty="0"/>
               <a:t>14</a:t>
             </a:r>
             <a:r>
-              <a:rPr lang="zh-CN" altLang="en-US" dirty="0" smtClean="0"/>
+              <a:rPr lang="zh-CN" altLang="en-US" dirty="0"/>
               <a:t>）及以上版本</a:t>
             </a:r>
-            <a:endParaRPr lang="en-US" altLang="zh-CN" dirty="0" smtClean="0"/>
-          </a:p>
-          <a:p>
-            <a:r>
-              <a:rPr lang="en-US" altLang="zh-CN" dirty="0" smtClean="0"/>
+            <a:endParaRPr lang="en-US" altLang="zh-CN" dirty="0"/>
+          </a:p>
+          <a:p>
+            <a:r>
+              <a:rPr lang="en-US" altLang="zh-CN" dirty="0"/>
               <a:t>support-v13</a:t>
             </a:r>
             <a:r>
-              <a:rPr lang="zh-CN" altLang="en-US" dirty="0" smtClean="0"/>
+              <a:rPr lang="zh-CN" altLang="en-US" dirty="0"/>
               <a:t>最低支持</a:t>
             </a:r>
             <a:r>
-              <a:rPr lang="en-US" altLang="zh-CN" dirty="0" smtClean="0"/>
+              <a:rPr lang="en-US" altLang="zh-CN" dirty="0"/>
               <a:t>android3.2</a:t>
             </a:r>
             <a:r>
-              <a:rPr lang="zh-CN" altLang="en-US" dirty="0" smtClean="0"/>
+              <a:rPr lang="zh-CN" altLang="en-US" dirty="0"/>
               <a:t>，为平板开发推出的版本兼容包。</a:t>
             </a:r>
-            <a:endParaRPr lang="en-US" altLang="zh-CN" dirty="0" smtClean="0"/>
-          </a:p>
-          <a:p>
-            <a:endParaRPr lang="en-US" altLang="zh-CN" dirty="0" smtClean="0"/>
-          </a:p>
-          <a:p>
-            <a:r>
-              <a:rPr lang="en-US" altLang="zh-CN" dirty="0" smtClean="0">
+            <a:endParaRPr lang="en-US" altLang="zh-CN" dirty="0"/>
+          </a:p>
+          <a:p>
+            <a:endParaRPr lang="en-US" altLang="zh-CN" dirty="0"/>
+          </a:p>
+          <a:p>
+            <a:r>
+              <a:rPr lang="en-US" altLang="zh-CN" dirty="0">
                 <a:hlinkClick r:id="rId3"/>
               </a:rPr>
               <a:t>http://martiancraft.com/blog/2015/06/android-support-library/</a:t>
             </a:r>
-            <a:endParaRPr lang="en-US" altLang="zh-CN" dirty="0" smtClean="0"/>
-          </a:p>
-          <a:p>
-            <a:endParaRPr lang="en-US" altLang="zh-CN" dirty="0" smtClean="0"/>
-          </a:p>
-          <a:p>
-            <a:r>
-              <a:rPr lang="zh-CN" altLang="en-US" dirty="0" smtClean="0"/>
+            <a:endParaRPr lang="en-US" altLang="zh-CN" dirty="0"/>
+          </a:p>
+          <a:p>
+            <a:endParaRPr lang="en-US" altLang="zh-CN" dirty="0"/>
+          </a:p>
+          <a:p>
+            <a:r>
+              <a:rPr lang="zh-CN" altLang="en-US" dirty="0"/>
               <a:t>新项目必须使用</a:t>
             </a:r>
             <a:r>
-              <a:rPr lang="en-US" altLang="zh-CN" dirty="0" err="1" smtClean="0"/>
+              <a:rPr lang="en-US" altLang="zh-CN" dirty="0" err="1"/>
               <a:t>AndroidX</a:t>
             </a:r>
             <a:r>
-              <a:rPr lang="zh-CN" altLang="en-US" dirty="0" smtClean="0"/>
+              <a:rPr lang="zh-CN" altLang="en-US" dirty="0"/>
               <a:t>，老项目建议迁移到</a:t>
             </a:r>
             <a:r>
-              <a:rPr lang="en-US" altLang="zh-CN" dirty="0" err="1" smtClean="0"/>
+              <a:rPr lang="en-US" altLang="zh-CN" dirty="0" err="1"/>
               <a:t>AndroidX</a:t>
             </a:r>
             <a:r>
-              <a:rPr lang="zh-CN" altLang="en-US" dirty="0" smtClean="0"/>
+              <a:rPr lang="zh-CN" altLang="en-US" dirty="0"/>
               <a:t>，迁移过程中可能会存在问题</a:t>
             </a:r>
-            <a:endParaRPr lang="en-US" altLang="zh-CN" dirty="0" smtClean="0"/>
-          </a:p>
-          <a:p>
-            <a:r>
-              <a:rPr lang="zh-CN" altLang="en-US" dirty="0" smtClean="0"/>
+            <a:endParaRPr lang="en-US" altLang="zh-CN" dirty="0"/>
+          </a:p>
+          <a:p>
+            <a:r>
+              <a:rPr lang="zh-CN" altLang="en-US" dirty="0"/>
               <a:t>迁移到</a:t>
             </a:r>
             <a:r>
-              <a:rPr lang="en-US" altLang="zh-CN" dirty="0" err="1" smtClean="0"/>
+              <a:rPr lang="en-US" altLang="zh-CN" dirty="0" err="1"/>
               <a:t>AndroidX</a:t>
             </a:r>
             <a:r>
-              <a:rPr lang="en-US" altLang="zh-CN" dirty="0" smtClean="0"/>
+              <a:rPr lang="en-US" altLang="zh-CN" dirty="0"/>
               <a:t>:</a:t>
             </a:r>
             <a:r>
-              <a:rPr lang="en-US" altLang="zh-CN" baseline="0" dirty="0" smtClean="0"/>
+              <a:rPr lang="en-US" altLang="zh-CN" baseline="0" dirty="0"/>
               <a:t> Refactor -&gt; Migrate to </a:t>
             </a:r>
             <a:r>
-              <a:rPr lang="en-US" altLang="zh-CN" baseline="0" dirty="0" err="1" smtClean="0"/>
+              <a:rPr lang="en-US" altLang="zh-CN" baseline="0" dirty="0" err="1"/>
               <a:t>AndroidX</a:t>
             </a:r>
             <a:r>
-              <a:rPr lang="en-US" altLang="zh-CN" baseline="0" dirty="0" smtClean="0"/>
+              <a:rPr lang="en-US" altLang="zh-CN" baseline="0" dirty="0"/>
               <a:t>…</a:t>
             </a:r>
           </a:p>
           <a:p>
-            <a:endParaRPr lang="en-US" altLang="zh-CN" baseline="0" dirty="0" smtClean="0"/>
-          </a:p>
-          <a:p>
-            <a:r>
-              <a:rPr lang="zh-CN" altLang="en-US" baseline="0" dirty="0" smtClean="0"/>
+            <a:endParaRPr lang="en-US" altLang="zh-CN" baseline="0" dirty="0"/>
+          </a:p>
+          <a:p>
+            <a:r>
+              <a:rPr lang="zh-CN" altLang="en-US" baseline="0" dirty="0"/>
               <a:t>包括了</a:t>
             </a:r>
             <a:r>
-              <a:rPr lang="en-US" altLang="zh-CN" baseline="0" dirty="0" err="1" smtClean="0"/>
+              <a:rPr lang="en-US" altLang="zh-CN" baseline="0" dirty="0" err="1"/>
               <a:t>ViewModel</a:t>
             </a:r>
             <a:r>
-              <a:rPr lang="zh-CN" altLang="en-US" baseline="0" dirty="0" smtClean="0"/>
+              <a:rPr lang="zh-CN" altLang="en-US" baseline="0" dirty="0"/>
               <a:t>、</a:t>
             </a:r>
             <a:r>
-              <a:rPr lang="en-US" altLang="zh-CN" baseline="0" dirty="0" err="1" smtClean="0"/>
+              <a:rPr lang="en-US" altLang="zh-CN" baseline="0" dirty="0" err="1"/>
               <a:t>LiveData</a:t>
             </a:r>
             <a:r>
-              <a:rPr lang="zh-CN" altLang="en-US" baseline="0" dirty="0" smtClean="0"/>
+              <a:rPr lang="zh-CN" altLang="en-US" baseline="0" dirty="0"/>
               <a:t>、</a:t>
             </a:r>
             <a:r>
-              <a:rPr lang="en-US" altLang="zh-CN" baseline="0" dirty="0" smtClean="0"/>
+              <a:rPr lang="en-US" altLang="zh-CN" baseline="0" dirty="0"/>
               <a:t>Room</a:t>
             </a:r>
             <a:r>
-              <a:rPr lang="zh-CN" altLang="en-US" baseline="0" dirty="0" smtClean="0"/>
+              <a:rPr lang="zh-CN" altLang="en-US" baseline="0" dirty="0"/>
               <a:t>等。</a:t>
             </a:r>
             <a:endParaRPr lang="zh-CN" altLang="en-US" dirty="0"/>
@@ -1117,42 +1113,41 @@
           <a:lstStyle/>
           <a:p>
             <a:r>
-              <a:rPr lang="zh-CN" altLang="en-US" dirty="0" smtClean="0"/>
+              <a:rPr lang="zh-CN" altLang="en-US" dirty="0"/>
               <a:t>还有三方库，</a:t>
             </a:r>
             <a:r>
-              <a:rPr lang="en-US" altLang="zh-CN" dirty="0" err="1" smtClean="0"/>
+              <a:rPr lang="en-US" altLang="zh-CN" dirty="0" err="1"/>
               <a:t>RxJava</a:t>
             </a:r>
             <a:r>
-              <a:rPr lang="zh-CN" altLang="en-US" dirty="0" smtClean="0"/>
+              <a:rPr lang="zh-CN" altLang="en-US" dirty="0"/>
               <a:t>、</a:t>
             </a:r>
             <a:r>
-              <a:rPr lang="en-US" altLang="zh-CN" dirty="0" err="1" smtClean="0"/>
+              <a:rPr lang="en-US" altLang="zh-CN" dirty="0" err="1"/>
               <a:t>okHttp</a:t>
             </a:r>
             <a:r>
-              <a:rPr lang="zh-CN" altLang="en-US" dirty="0" smtClean="0"/>
+              <a:rPr lang="zh-CN" altLang="en-US" dirty="0"/>
               <a:t>、</a:t>
             </a:r>
             <a:r>
-              <a:rPr lang="en-US" altLang="zh-CN" dirty="0" smtClean="0"/>
+              <a:rPr lang="en-US" altLang="zh-CN" dirty="0"/>
               <a:t>Retrofit</a:t>
             </a:r>
             <a:r>
-              <a:rPr lang="zh-CN" altLang="en-US" dirty="0" smtClean="0"/>
+              <a:rPr lang="zh-CN" altLang="en-US" dirty="0"/>
               <a:t>、</a:t>
             </a:r>
             <a:r>
-              <a:rPr lang="en-US" altLang="zh-CN" dirty="0" err="1" smtClean="0"/>
+              <a:rPr lang="en-US" altLang="zh-CN" dirty="0" err="1"/>
               <a:t>AndroidAutoSize</a:t>
             </a:r>
             <a:r>
-              <a:rPr lang="zh-CN" altLang="en-US" dirty="0" smtClean="0"/>
+              <a:rPr lang="zh-CN" altLang="en-US" dirty="0"/>
               <a:t>，根据项目需要自行使用。</a:t>
             </a:r>
-            <a:endParaRPr lang="zh-CN" altLang="en-US" dirty="0"/>
           </a:p>
         </p:txBody>
       </p:sp>
@@ -1285,129 +1280,125 @@
           <a:lstStyle/>
           <a:p>
             <a:r>
-              <a:rPr lang="zh-CN" altLang="en-US" dirty="0" smtClean="0"/>
+              <a:rPr lang="zh-CN" altLang="en-US" dirty="0"/>
               <a:t>布局加载流程：</a:t>
             </a:r>
-            <a:endParaRPr lang="en-US" altLang="zh-CN" dirty="0" smtClean="0"/>
-          </a:p>
-          <a:p>
-            <a:r>
-              <a:rPr lang="en-US" altLang="zh-CN" dirty="0" err="1" smtClean="0"/>
+            <a:endParaRPr lang="en-US" altLang="zh-CN" dirty="0"/>
+          </a:p>
+          <a:p>
+            <a:r>
+              <a:rPr lang="en-US" altLang="zh-CN" dirty="0" err="1"/>
               <a:t>Activity#onCreate</a:t>
             </a:r>
             <a:r>
-              <a:rPr lang="en-US" altLang="zh-CN" dirty="0" smtClean="0"/>
+              <a:rPr lang="en-US" altLang="zh-CN" dirty="0"/>
               <a:t>()</a:t>
             </a:r>
             <a:r>
-              <a:rPr lang="en-US" altLang="zh-CN" baseline="0" dirty="0" smtClean="0"/>
+              <a:rPr lang="en-US" altLang="zh-CN" baseline="0" dirty="0"/>
               <a:t> -&gt; </a:t>
             </a:r>
             <a:r>
-              <a:rPr lang="en-US" altLang="zh-CN" baseline="0" dirty="0" err="1" smtClean="0"/>
+              <a:rPr lang="en-US" altLang="zh-CN" baseline="0" dirty="0" err="1"/>
               <a:t>PhoneWindow#setContentView</a:t>
             </a:r>
             <a:r>
-              <a:rPr lang="en-US" altLang="zh-CN" baseline="0" dirty="0" smtClean="0"/>
+              <a:rPr lang="en-US" altLang="zh-CN" baseline="0" dirty="0"/>
               <a:t>() -&gt; </a:t>
             </a:r>
             <a:r>
-              <a:rPr lang="en-US" altLang="zh-CN" baseline="0" dirty="0" err="1" smtClean="0"/>
+              <a:rPr lang="en-US" altLang="zh-CN" baseline="0" dirty="0" err="1"/>
               <a:t>LayoutInflater#inflate</a:t>
             </a:r>
             <a:r>
-              <a:rPr lang="en-US" altLang="zh-CN" baseline="0" dirty="0" smtClean="0"/>
+              <a:rPr lang="en-US" altLang="zh-CN" baseline="0" dirty="0"/>
               <a:t>() -&gt; </a:t>
             </a:r>
             <a:r>
-              <a:rPr lang="en-US" altLang="zh-CN" baseline="0" dirty="0" err="1" smtClean="0"/>
+              <a:rPr lang="en-US" altLang="zh-CN" baseline="0" dirty="0" err="1"/>
               <a:t>LayoutInflater#createViewFromTag</a:t>
             </a:r>
             <a:r>
-              <a:rPr lang="en-US" altLang="zh-CN" baseline="0" dirty="0" smtClean="0"/>
+              <a:rPr lang="en-US" altLang="zh-CN" baseline="0" dirty="0"/>
               <a:t>;</a:t>
             </a:r>
           </a:p>
           <a:p>
             <a:r>
-              <a:rPr lang="en-US" altLang="zh-CN" baseline="0" dirty="0" err="1" smtClean="0"/>
+              <a:rPr lang="en-US" altLang="zh-CN" baseline="0" dirty="0" err="1"/>
               <a:t>LayoutInflater#inflate</a:t>
             </a:r>
             <a:r>
-              <a:rPr lang="en-US" altLang="zh-CN" baseline="0" dirty="0" smtClean="0"/>
+              <a:rPr lang="en-US" altLang="zh-CN" baseline="0" dirty="0"/>
               <a:t>()</a:t>
             </a:r>
             <a:r>
-              <a:rPr lang="zh-CN" altLang="en-US" baseline="0" dirty="0" smtClean="0"/>
+              <a:rPr lang="zh-CN" altLang="en-US" baseline="0" dirty="0"/>
               <a:t>中加载布局文件，对</a:t>
             </a:r>
             <a:r>
-              <a:rPr lang="en-US" altLang="zh-CN" baseline="0" dirty="0" smtClean="0"/>
+              <a:rPr lang="en-US" altLang="zh-CN" baseline="0" dirty="0"/>
               <a:t>Xml</a:t>
             </a:r>
             <a:r>
-              <a:rPr lang="zh-CN" altLang="en-US" baseline="0" dirty="0" smtClean="0"/>
+              <a:rPr lang="zh-CN" altLang="en-US" baseline="0" dirty="0"/>
               <a:t>中的</a:t>
             </a:r>
             <a:r>
-              <a:rPr lang="en-US" altLang="zh-CN" baseline="0" dirty="0" smtClean="0"/>
+              <a:rPr lang="en-US" altLang="zh-CN" baseline="0" dirty="0"/>
               <a:t>UI</a:t>
             </a:r>
             <a:r>
-              <a:rPr lang="zh-CN" altLang="en-US" baseline="0" dirty="0" smtClean="0"/>
+              <a:rPr lang="zh-CN" altLang="en-US" baseline="0" dirty="0"/>
               <a:t>元素由外层到内存逐个解析，加载到视图树中。</a:t>
             </a:r>
-            <a:endParaRPr lang="en-US" altLang="zh-CN" baseline="0" dirty="0" smtClean="0"/>
-          </a:p>
-          <a:p>
-            <a:endParaRPr lang="en-US" altLang="zh-CN" baseline="0" dirty="0" smtClean="0"/>
-          </a:p>
-          <a:p>
-            <a:r>
-              <a:rPr lang="en-US" altLang="zh-CN" baseline="0" dirty="0" smtClean="0"/>
+            <a:endParaRPr lang="en-US" altLang="zh-CN" baseline="0" dirty="0"/>
+          </a:p>
+          <a:p>
+            <a:endParaRPr lang="en-US" altLang="zh-CN" baseline="0" dirty="0"/>
+          </a:p>
+          <a:p>
+            <a:r>
+              <a:rPr lang="en-US" altLang="zh-CN" baseline="0" dirty="0"/>
               <a:t>View</a:t>
             </a:r>
             <a:r>
-              <a:rPr lang="zh-CN" altLang="en-US" baseline="0" dirty="0" smtClean="0"/>
+              <a:rPr lang="zh-CN" altLang="en-US" baseline="0" dirty="0"/>
               <a:t>的解析包括创建</a:t>
             </a:r>
             <a:r>
-              <a:rPr lang="en-US" altLang="zh-CN" baseline="0" dirty="0" smtClean="0"/>
+              <a:rPr lang="en-US" altLang="zh-CN" baseline="0" dirty="0"/>
               <a:t>View</a:t>
             </a:r>
             <a:r>
-              <a:rPr lang="zh-CN" altLang="en-US" baseline="0" dirty="0" smtClean="0"/>
+              <a:rPr lang="zh-CN" altLang="en-US" baseline="0" dirty="0"/>
               <a:t>对象，解析</a:t>
             </a:r>
             <a:r>
-              <a:rPr lang="en-US" altLang="zh-CN" baseline="0" dirty="0" smtClean="0"/>
+              <a:rPr lang="en-US" altLang="zh-CN" baseline="0" dirty="0"/>
               <a:t>View</a:t>
             </a:r>
             <a:r>
-              <a:rPr lang="zh-CN" altLang="en-US" baseline="0" dirty="0" smtClean="0"/>
+              <a:rPr lang="zh-CN" altLang="en-US" baseline="0" dirty="0"/>
               <a:t>属性参数</a:t>
             </a:r>
-            <a:endParaRPr lang="en-US" altLang="zh-CN" baseline="0" dirty="0" smtClean="0"/>
-          </a:p>
-          <a:p>
-            <a:endParaRPr lang="en-US" altLang="zh-CN" baseline="0" dirty="0" smtClean="0"/>
-          </a:p>
-          <a:p>
-            <a:r>
-              <a:rPr lang="en-US" altLang="zh-CN" baseline="0" dirty="0" smtClean="0"/>
-              <a:t>Measure -&gt; layout -&gt; </a:t>
-            </a:r>
-            <a:r>
-              <a:rPr lang="en-US" altLang="zh-CN" baseline="0" dirty="0" smtClean="0"/>
-              <a:t>draw</a:t>
-            </a:r>
-          </a:p>
-          <a:p>
-            <a:endParaRPr lang="en-US" altLang="zh-CN" baseline="0" dirty="0" smtClean="0"/>
-          </a:p>
-          <a:p>
-            <a:r>
-              <a:rPr lang="en-US" altLang="zh-CN" b="1" i="0" dirty="0" err="1" smtClean="0">
+            <a:endParaRPr lang="en-US" altLang="zh-CN" baseline="0" dirty="0"/>
+          </a:p>
+          <a:p>
+            <a:endParaRPr lang="en-US" altLang="zh-CN" baseline="0" dirty="0"/>
+          </a:p>
+          <a:p>
+            <a:r>
+              <a:rPr lang="en-US" altLang="zh-CN" baseline="0" dirty="0"/>
+              <a:t>Measure -&gt; layout -&gt; draw</a:t>
+            </a:r>
+          </a:p>
+          <a:p>
+            <a:endParaRPr lang="en-US" altLang="zh-CN" baseline="0" dirty="0"/>
+          </a:p>
+          <a:p>
+            <a:r>
+              <a:rPr lang="en-US" altLang="zh-CN" b="1" i="0" dirty="0" err="1">
                 <a:effectLst/>
                 <a:latin typeface="+mj-lt"/>
                 <a:ea typeface="+mj-ea"/>
@@ -1417,7 +1408,7 @@
               <a:t>layout_width</a:t>
             </a:r>
             <a:r>
-              <a:rPr lang="en-US" altLang="zh-CN" b="0" i="0" dirty="0" smtClean="0">
+              <a:rPr lang="en-US" altLang="zh-CN" b="0" i="0" dirty="0">
                 <a:effectLst/>
                 <a:latin typeface="+mj-lt"/>
                 <a:ea typeface="+mj-ea"/>
@@ -1427,7 +1418,7 @@
               <a:t> </a:t>
             </a:r>
             <a:r>
-              <a:rPr lang="zh-CN" altLang="en-US" b="0" i="0" dirty="0" smtClean="0">
+              <a:rPr lang="zh-CN" altLang="en-US" b="0" i="0" dirty="0">
                 <a:effectLst/>
                 <a:latin typeface="+mj-lt"/>
                 <a:ea typeface="+mj-ea"/>
@@ -1436,7 +1427,7 @@
               </a:rPr>
               <a:t>属性的解析过程</a:t>
             </a:r>
-            <a:endParaRPr lang="en-US" altLang="zh-CN" b="0" i="0" dirty="0" smtClean="0">
+            <a:endParaRPr lang="en-US" altLang="zh-CN" b="0" i="0" dirty="0">
               <a:effectLst/>
               <a:latin typeface="+mj-lt"/>
               <a:ea typeface="+mj-ea"/>
@@ -1446,16 +1437,16 @@
           </a:p>
           <a:p>
             <a:r>
-              <a:rPr lang="en-US" altLang="zh-CN" dirty="0" smtClean="0">
+              <a:rPr lang="en-US" altLang="zh-CN" dirty="0">
                 <a:hlinkClick r:id="rId3"/>
               </a:rPr>
               <a:t>https://blog.csdn.net/lfx090703/article/details/77487532</a:t>
             </a:r>
-            <a:endParaRPr lang="en-US" altLang="zh-CN" baseline="0" dirty="0" smtClean="0"/>
-          </a:p>
-          <a:p>
-            <a:r>
-              <a:rPr lang="en-US" altLang="zh-CN" b="0" i="0" dirty="0" smtClean="0">
+            <a:endParaRPr lang="en-US" altLang="zh-CN" baseline="0" dirty="0"/>
+          </a:p>
+          <a:p>
+            <a:r>
+              <a:rPr lang="en-US" altLang="zh-CN" b="0" i="0" dirty="0">
                 <a:effectLst/>
                 <a:latin typeface="+mj-lt"/>
                 <a:ea typeface="+mj-ea"/>
@@ -1465,7 +1456,7 @@
               <a:t>1. </a:t>
             </a:r>
             <a:r>
-              <a:rPr lang="zh-CN" altLang="en-US" b="0" i="0" dirty="0" smtClean="0">
+              <a:rPr lang="zh-CN" altLang="en-US" b="0" i="0" dirty="0">
                 <a:effectLst/>
                 <a:latin typeface="+mj-lt"/>
                 <a:ea typeface="+mj-ea"/>
@@ -1475,7 +1466,7 @@
               <a:t>将布局文件的属性解析到 </a:t>
             </a:r>
             <a:r>
-              <a:rPr lang="en-US" altLang="zh-CN" b="0" i="0" dirty="0" err="1" smtClean="0">
+              <a:rPr lang="en-US" altLang="zh-CN" b="0" i="0" dirty="0" err="1">
                 <a:effectLst/>
                 <a:latin typeface="+mj-lt"/>
                 <a:ea typeface="+mj-ea"/>
@@ -1485,7 +1476,7 @@
               <a:t>AttributeSet</a:t>
             </a:r>
             <a:r>
-              <a:rPr lang="en-US" altLang="zh-CN" b="0" i="0" dirty="0" smtClean="0">
+              <a:rPr lang="en-US" altLang="zh-CN" b="0" i="0" dirty="0">
                 <a:effectLst/>
                 <a:latin typeface="+mj-lt"/>
                 <a:ea typeface="+mj-ea"/>
@@ -1495,7 +1486,7 @@
               <a:t> </a:t>
             </a:r>
             <a:r>
-              <a:rPr lang="zh-CN" altLang="en-US" b="0" i="0" dirty="0" smtClean="0">
+              <a:rPr lang="zh-CN" altLang="en-US" b="0" i="0" dirty="0">
                 <a:effectLst/>
                 <a:latin typeface="+mj-lt"/>
                 <a:ea typeface="+mj-ea"/>
@@ -1504,15 +1495,11 @@
               </a:rPr>
               <a:t>中 </a:t>
             </a:r>
-            <a:r>
-              <a:rPr lang="zh-CN" altLang="en-US" dirty="0" smtClean="0"/>
-              <a:t/>
-            </a:r>
             <a:br>
-              <a:rPr lang="zh-CN" altLang="en-US" dirty="0" smtClean="0"/>
+              <a:rPr lang="zh-CN" altLang="en-US" dirty="0"/>
             </a:br>
             <a:r>
-              <a:rPr lang="en-US" altLang="zh-CN" b="0" i="0" dirty="0" smtClean="0">
+              <a:rPr lang="en-US" altLang="zh-CN" b="0" i="0" dirty="0">
                 <a:effectLst/>
                 <a:latin typeface="+mj-lt"/>
                 <a:ea typeface="+mj-ea"/>
@@ -1522,7 +1509,7 @@
               <a:t>2. </a:t>
             </a:r>
             <a:r>
-              <a:rPr lang="zh-CN" altLang="en-US" b="0" i="0" dirty="0" smtClean="0">
+              <a:rPr lang="zh-CN" altLang="en-US" b="0" i="0" dirty="0">
                 <a:effectLst/>
                 <a:latin typeface="+mj-lt"/>
                 <a:ea typeface="+mj-ea"/>
@@ -1532,7 +1519,7 @@
               <a:t>将 </a:t>
             </a:r>
             <a:r>
-              <a:rPr lang="en-US" altLang="zh-CN" b="0" i="0" dirty="0" err="1" smtClean="0">
+              <a:rPr lang="en-US" altLang="zh-CN" b="0" i="0" dirty="0" err="1">
                 <a:effectLst/>
                 <a:latin typeface="+mj-lt"/>
                 <a:ea typeface="+mj-ea"/>
@@ -1542,7 +1529,7 @@
               <a:t>AttributeSet</a:t>
             </a:r>
             <a:r>
-              <a:rPr lang="en-US" altLang="zh-CN" b="0" i="0" dirty="0" smtClean="0">
+              <a:rPr lang="en-US" altLang="zh-CN" b="0" i="0" dirty="0">
                 <a:effectLst/>
                 <a:latin typeface="+mj-lt"/>
                 <a:ea typeface="+mj-ea"/>
@@ -1552,7 +1539,7 @@
               <a:t> </a:t>
             </a:r>
             <a:r>
-              <a:rPr lang="zh-CN" altLang="en-US" b="0" i="0" dirty="0" smtClean="0">
+              <a:rPr lang="zh-CN" altLang="en-US" b="0" i="0" dirty="0">
                 <a:effectLst/>
                 <a:latin typeface="+mj-lt"/>
                 <a:ea typeface="+mj-ea"/>
@@ -1562,7 +1549,7 @@
               <a:t>中 </a:t>
             </a:r>
             <a:r>
-              <a:rPr lang="en-US" altLang="zh-CN" b="0" i="0" dirty="0" err="1" smtClean="0">
+              <a:rPr lang="en-US" altLang="zh-CN" b="0" i="0" dirty="0" err="1">
                 <a:effectLst/>
                 <a:latin typeface="+mj-lt"/>
                 <a:ea typeface="+mj-ea"/>
@@ -1572,7 +1559,7 @@
               <a:t>layout_width</a:t>
             </a:r>
             <a:r>
-              <a:rPr lang="zh-CN" altLang="en-US" b="0" i="0" dirty="0" smtClean="0">
+              <a:rPr lang="zh-CN" altLang="en-US" b="0" i="0" dirty="0">
                 <a:effectLst/>
                 <a:latin typeface="+mj-lt"/>
                 <a:ea typeface="+mj-ea"/>
@@ -1582,7 +1569,7 @@
               <a:t>属性解析到 </a:t>
             </a:r>
             <a:r>
-              <a:rPr lang="en-US" altLang="zh-CN" b="0" i="0" dirty="0" err="1" smtClean="0">
+              <a:rPr lang="en-US" altLang="zh-CN" b="0" i="0" dirty="0" err="1">
                 <a:effectLst/>
                 <a:latin typeface="+mj-lt"/>
                 <a:ea typeface="+mj-ea"/>
@@ -1592,7 +1579,7 @@
               <a:t>LayoutParams</a:t>
             </a:r>
             <a:r>
-              <a:rPr lang="en-US" altLang="zh-CN" b="0" i="0" dirty="0" smtClean="0">
+              <a:rPr lang="en-US" altLang="zh-CN" b="0" i="0" dirty="0">
                 <a:effectLst/>
                 <a:latin typeface="+mj-lt"/>
                 <a:ea typeface="+mj-ea"/>
@@ -1602,7 +1589,7 @@
               <a:t> </a:t>
             </a:r>
             <a:r>
-              <a:rPr lang="zh-CN" altLang="en-US" b="0" i="0" dirty="0" smtClean="0">
+              <a:rPr lang="zh-CN" altLang="en-US" b="0" i="0" dirty="0">
                 <a:effectLst/>
                 <a:latin typeface="+mj-lt"/>
                 <a:ea typeface="+mj-ea"/>
@@ -1612,7 +1599,7 @@
               <a:t>的 </a:t>
             </a:r>
             <a:r>
-              <a:rPr lang="en-US" altLang="zh-CN" b="0" i="0" dirty="0" smtClean="0">
+              <a:rPr lang="en-US" altLang="zh-CN" b="0" i="0" dirty="0">
                 <a:effectLst/>
                 <a:latin typeface="+mj-lt"/>
                 <a:ea typeface="+mj-ea"/>
@@ -1622,7 +1609,7 @@
               <a:t>width</a:t>
             </a:r>
             <a:r>
-              <a:rPr lang="zh-CN" altLang="en-US" b="0" i="0" dirty="0" smtClean="0">
+              <a:rPr lang="zh-CN" altLang="en-US" b="0" i="0" dirty="0">
                 <a:effectLst/>
                 <a:latin typeface="+mj-lt"/>
                 <a:ea typeface="+mj-ea"/>
@@ -1631,54 +1618,54 @@
               </a:rPr>
               <a:t>域中。</a:t>
             </a:r>
-            <a:endParaRPr lang="zh-CN" altLang="en-US" dirty="0" smtClean="0"/>
-          </a:p>
-          <a:p>
-            <a:endParaRPr lang="en-US" altLang="zh-CN" dirty="0" smtClean="0"/>
-          </a:p>
-          <a:p>
-            <a:r>
-              <a:rPr lang="zh-CN" altLang="en-US" dirty="0" smtClean="0"/>
+            <a:endParaRPr lang="zh-CN" altLang="en-US" dirty="0"/>
+          </a:p>
+          <a:p>
+            <a:endParaRPr lang="en-US" altLang="zh-CN" dirty="0"/>
+          </a:p>
+          <a:p>
+            <a:r>
+              <a:rPr lang="zh-CN" altLang="en-US" dirty="0"/>
               <a:t>不管是什么单位的尺寸值，通过解析布局和</a:t>
             </a:r>
             <a:r>
-              <a:rPr lang="en-US" altLang="zh-CN" dirty="0" err="1" smtClean="0"/>
+              <a:rPr lang="en-US" altLang="zh-CN" dirty="0" err="1"/>
               <a:t>Resources#getDimensionXXX</a:t>
             </a:r>
             <a:r>
-              <a:rPr lang="zh-CN" altLang="en-US" dirty="0" smtClean="0"/>
+              <a:rPr lang="zh-CN" altLang="en-US" dirty="0"/>
               <a:t>方法获取，最终都通过</a:t>
             </a:r>
             <a:r>
-              <a:rPr lang="en-US" altLang="zh-CN" dirty="0" err="1" smtClean="0"/>
+              <a:rPr lang="en-US" altLang="zh-CN" dirty="0" err="1"/>
               <a:t>TypedValue#applyDimension</a:t>
             </a:r>
             <a:r>
-              <a:rPr lang="zh-CN" altLang="en-US" dirty="0" smtClean="0"/>
+              <a:rPr lang="zh-CN" altLang="en-US" dirty="0"/>
               <a:t>方法转换成</a:t>
             </a:r>
             <a:r>
-              <a:rPr lang="en-US" altLang="zh-CN" dirty="0" err="1" smtClean="0"/>
+              <a:rPr lang="en-US" altLang="zh-CN" dirty="0" err="1"/>
               <a:t>px</a:t>
             </a:r>
             <a:r>
-              <a:rPr lang="zh-CN" altLang="en-US" dirty="0" smtClean="0"/>
+              <a:rPr lang="zh-CN" altLang="en-US" dirty="0"/>
               <a:t>。</a:t>
             </a:r>
-            <a:endParaRPr lang="en-US" altLang="zh-CN" dirty="0" smtClean="0"/>
-          </a:p>
-          <a:p>
-            <a:endParaRPr lang="en-US" altLang="zh-CN" dirty="0" smtClean="0"/>
-          </a:p>
-          <a:p>
-            <a:r>
-              <a:rPr lang="zh-CN" altLang="en-US" dirty="0" smtClean="0"/>
+            <a:endParaRPr lang="en-US" altLang="zh-CN" dirty="0"/>
+          </a:p>
+          <a:p>
+            <a:endParaRPr lang="en-US" altLang="zh-CN" dirty="0"/>
+          </a:p>
+          <a:p>
+            <a:r>
+              <a:rPr lang="zh-CN" altLang="en-US" dirty="0"/>
               <a:t>修改系统字体</a:t>
             </a:r>
-            <a:endParaRPr lang="en-US" altLang="zh-CN" dirty="0" smtClean="0"/>
-          </a:p>
-          <a:p>
-            <a:endParaRPr lang="en-US" altLang="zh-CN" dirty="0" smtClean="0"/>
+            <a:endParaRPr lang="en-US" altLang="zh-CN" dirty="0"/>
+          </a:p>
+          <a:p>
+            <a:endParaRPr lang="en-US" altLang="zh-CN" dirty="0"/>
           </a:p>
         </p:txBody>
       </p:sp>
@@ -1745,7 +1732,7 @@
           <a:lstStyle/>
           <a:p>
             <a:r>
-              <a:rPr lang="zh-CN" altLang="en-US" b="0" i="0" dirty="0" smtClean="0">
+              <a:rPr lang="zh-CN" altLang="en-US" b="0" i="0" dirty="0">
                 <a:effectLst/>
                 <a:latin typeface="+mj-lt"/>
                 <a:ea typeface="+mj-ea"/>
@@ -1755,7 +1742,7 @@
               <a:t>假设</a:t>
             </a:r>
             <a:r>
-              <a:rPr lang="en-US" altLang="zh-CN" b="0" i="0" dirty="0" smtClean="0">
+              <a:rPr lang="en-US" altLang="zh-CN" b="0" i="0" dirty="0">
                 <a:effectLst/>
                 <a:latin typeface="+mj-lt"/>
                 <a:ea typeface="+mj-ea"/>
@@ -1765,7 +1752,7 @@
               <a:t>UI</a:t>
             </a:r>
             <a:r>
-              <a:rPr lang="zh-CN" altLang="en-US" b="0" i="0" dirty="0" smtClean="0">
+              <a:rPr lang="zh-CN" altLang="en-US" b="0" i="0" dirty="0">
                 <a:effectLst/>
                 <a:latin typeface="+mj-lt"/>
                 <a:ea typeface="+mj-ea"/>
@@ -1775,7 +1762,7 @@
               <a:t>设计稿为</a:t>
             </a:r>
             <a:r>
-              <a:rPr lang="en-US" altLang="zh-CN" b="0" i="0" dirty="0" smtClean="0">
+              <a:rPr lang="en-US" altLang="zh-CN" b="0" i="0" dirty="0">
                 <a:effectLst/>
                 <a:latin typeface="+mj-lt"/>
                 <a:ea typeface="+mj-ea"/>
@@ -1787,7 +1774,7 @@
           </a:p>
           <a:p>
             <a:r>
-              <a:rPr lang="zh-CN" altLang="en-US" b="0" i="0" dirty="0" smtClean="0">
+              <a:rPr lang="zh-CN" altLang="en-US" b="0" i="0" dirty="0">
                 <a:effectLst/>
                 <a:latin typeface="+mj-lt"/>
                 <a:ea typeface="+mj-ea"/>
@@ -1797,7 +1784,7 @@
               <a:t>在</a:t>
             </a:r>
             <a:r>
-              <a:rPr lang="en-US" altLang="zh-CN" b="0" i="0" dirty="0" smtClean="0">
+              <a:rPr lang="en-US" altLang="zh-CN" b="0" i="0" dirty="0">
                 <a:effectLst/>
                 <a:latin typeface="+mj-lt"/>
                 <a:ea typeface="+mj-ea"/>
@@ -1807,7 +1794,7 @@
               <a:t>1024×768</a:t>
             </a:r>
             <a:r>
-              <a:rPr lang="zh-CN" altLang="en-US" b="0" i="0" dirty="0" smtClean="0">
+              <a:rPr lang="zh-CN" altLang="en-US" b="0" i="0" dirty="0">
                 <a:effectLst/>
                 <a:latin typeface="+mj-lt"/>
                 <a:ea typeface="+mj-ea"/>
@@ -1817,7 +1804,7 @@
               <a:t>的设备上，</a:t>
             </a:r>
             <a:r>
-              <a:rPr lang="en-US" altLang="zh-CN" b="0" i="0" dirty="0" smtClean="0">
+              <a:rPr lang="en-US" altLang="zh-CN" b="0" i="0" dirty="0">
                 <a:effectLst/>
                 <a:latin typeface="+mj-lt"/>
                 <a:ea typeface="+mj-ea"/>
@@ -1827,7 +1814,7 @@
               <a:t>x2</a:t>
             </a:r>
             <a:r>
-              <a:rPr lang="zh-CN" altLang="en-US" b="0" i="0" dirty="0" smtClean="0">
+              <a:rPr lang="zh-CN" altLang="en-US" b="0" i="0" dirty="0">
                 <a:effectLst/>
                 <a:latin typeface="+mj-lt"/>
                 <a:ea typeface="+mj-ea"/>
@@ -1837,7 +1824,7 @@
               <a:t>就代表</a:t>
             </a:r>
             <a:r>
-              <a:rPr lang="en-US" altLang="zh-CN" b="0" i="0" dirty="0" smtClean="0">
+              <a:rPr lang="en-US" altLang="zh-CN" b="0" i="0" dirty="0">
                 <a:effectLst/>
                 <a:latin typeface="+mj-lt"/>
                 <a:ea typeface="+mj-ea"/>
@@ -1847,7 +1834,7 @@
               <a:t>2.0px</a:t>
             </a:r>
             <a:r>
-              <a:rPr lang="zh-CN" altLang="en-US" b="0" i="0" dirty="0" smtClean="0">
+              <a:rPr lang="zh-CN" altLang="en-US" b="0" i="0" dirty="0">
                 <a:effectLst/>
                 <a:latin typeface="+mj-lt"/>
                 <a:ea typeface="+mj-ea"/>
@@ -1857,7 +1844,7 @@
               <a:t>，</a:t>
             </a:r>
             <a:r>
-              <a:rPr lang="en-US" altLang="zh-CN" b="0" i="0" dirty="0" smtClean="0">
+              <a:rPr lang="en-US" altLang="zh-CN" b="0" i="0" dirty="0">
                 <a:effectLst/>
                 <a:latin typeface="+mj-lt"/>
                 <a:ea typeface="+mj-ea"/>
@@ -1867,7 +1854,7 @@
               <a:t>y2</a:t>
             </a:r>
             <a:r>
-              <a:rPr lang="zh-CN" altLang="en-US" b="0" i="0" dirty="0" smtClean="0">
+              <a:rPr lang="zh-CN" altLang="en-US" b="0" i="0" dirty="0">
                 <a:effectLst/>
                 <a:latin typeface="+mj-lt"/>
                 <a:ea typeface="+mj-ea"/>
@@ -1877,7 +1864,7 @@
               <a:t>就代表</a:t>
             </a:r>
             <a:r>
-              <a:rPr lang="en-US" altLang="zh-CN" b="0" i="0" dirty="0" smtClean="0">
+              <a:rPr lang="en-US" altLang="zh-CN" b="0" i="0" dirty="0">
                 <a:effectLst/>
                 <a:latin typeface="+mj-lt"/>
                 <a:ea typeface="+mj-ea"/>
@@ -1887,7 +1874,7 @@
               <a:t>2.0px</a:t>
             </a:r>
             <a:r>
-              <a:rPr lang="zh-CN" altLang="en-US" b="0" i="0" dirty="0" smtClean="0">
+              <a:rPr lang="zh-CN" altLang="en-US" b="0" i="0" dirty="0">
                 <a:effectLst/>
                 <a:latin typeface="+mj-lt"/>
                 <a:ea typeface="+mj-ea"/>
@@ -1896,15 +1883,11 @@
               </a:rPr>
               <a:t>。</a:t>
             </a:r>
-            <a:r>
-              <a:rPr lang="zh-CN" altLang="en-US" dirty="0" smtClean="0"/>
-              <a:t/>
-            </a:r>
             <a:br>
-              <a:rPr lang="zh-CN" altLang="en-US" dirty="0" smtClean="0"/>
+              <a:rPr lang="zh-CN" altLang="en-US" dirty="0"/>
             </a:br>
             <a:r>
-              <a:rPr lang="zh-CN" altLang="en-US" b="0" i="0" dirty="0" smtClean="0">
+              <a:rPr lang="zh-CN" altLang="en-US" b="0" i="0" dirty="0">
                 <a:effectLst/>
                 <a:latin typeface="+mj-lt"/>
                 <a:ea typeface="+mj-ea"/>
@@ -1914,7 +1897,7 @@
               <a:t>在</a:t>
             </a:r>
             <a:r>
-              <a:rPr lang="en-US" altLang="zh-CN" b="0" i="0" dirty="0" smtClean="0">
+              <a:rPr lang="en-US" altLang="zh-CN" b="0" i="0" dirty="0">
                 <a:effectLst/>
                 <a:latin typeface="+mj-lt"/>
                 <a:ea typeface="+mj-ea"/>
@@ -1924,7 +1907,7 @@
               <a:t>1920×1080</a:t>
             </a:r>
             <a:r>
-              <a:rPr lang="zh-CN" altLang="en-US" b="0" i="0" dirty="0" smtClean="0">
+              <a:rPr lang="zh-CN" altLang="en-US" b="0" i="0" dirty="0">
                 <a:effectLst/>
                 <a:latin typeface="+mj-lt"/>
                 <a:ea typeface="+mj-ea"/>
@@ -1934,7 +1917,7 @@
               <a:t>的设备上，</a:t>
             </a:r>
             <a:r>
-              <a:rPr lang="en-US" altLang="zh-CN" b="0" i="0" dirty="0" smtClean="0">
+              <a:rPr lang="en-US" altLang="zh-CN" b="0" i="0" dirty="0">
                 <a:effectLst/>
                 <a:latin typeface="+mj-lt"/>
                 <a:ea typeface="+mj-ea"/>
@@ -1944,7 +1927,7 @@
               <a:t>x2</a:t>
             </a:r>
             <a:r>
-              <a:rPr lang="zh-CN" altLang="en-US" b="0" i="0" dirty="0" smtClean="0">
+              <a:rPr lang="zh-CN" altLang="en-US" b="0" i="0" dirty="0">
                 <a:effectLst/>
                 <a:latin typeface="+mj-lt"/>
                 <a:ea typeface="+mj-ea"/>
@@ -1954,7 +1937,7 @@
               <a:t>就代表</a:t>
             </a:r>
             <a:r>
-              <a:rPr lang="en-US" altLang="zh-CN" b="0" i="0" dirty="0" smtClean="0">
+              <a:rPr lang="en-US" altLang="zh-CN" b="0" i="0" dirty="0">
                 <a:effectLst/>
                 <a:latin typeface="+mj-lt"/>
                 <a:ea typeface="+mj-ea"/>
@@ -1964,7 +1947,7 @@
               <a:t>3.7px</a:t>
             </a:r>
             <a:r>
-              <a:rPr lang="zh-CN" altLang="en-US" b="0" i="0" dirty="0" smtClean="0">
+              <a:rPr lang="zh-CN" altLang="en-US" b="0" i="0" dirty="0">
                 <a:effectLst/>
                 <a:latin typeface="+mj-lt"/>
                 <a:ea typeface="+mj-ea"/>
@@ -1974,7 +1957,7 @@
               <a:t>，</a:t>
             </a:r>
             <a:r>
-              <a:rPr lang="en-US" altLang="zh-CN" b="0" i="0" dirty="0" smtClean="0">
+              <a:rPr lang="en-US" altLang="zh-CN" b="0" i="0" dirty="0">
                 <a:effectLst/>
                 <a:latin typeface="+mj-lt"/>
                 <a:ea typeface="+mj-ea"/>
@@ -1984,7 +1967,7 @@
               <a:t>y2</a:t>
             </a:r>
             <a:r>
-              <a:rPr lang="zh-CN" altLang="en-US" b="0" i="0" dirty="0" smtClean="0">
+              <a:rPr lang="zh-CN" altLang="en-US" b="0" i="0" dirty="0">
                 <a:effectLst/>
                 <a:latin typeface="+mj-lt"/>
                 <a:ea typeface="+mj-ea"/>
@@ -1994,7 +1977,7 @@
               <a:t>就代表</a:t>
             </a:r>
             <a:r>
-              <a:rPr lang="en-US" altLang="zh-CN" b="0" i="0" dirty="0" smtClean="0">
+              <a:rPr lang="en-US" altLang="zh-CN" b="0" i="0" dirty="0">
                 <a:effectLst/>
                 <a:latin typeface="+mj-lt"/>
                 <a:ea typeface="+mj-ea"/>
@@ -2004,7 +1987,7 @@
               <a:t>2.8px</a:t>
             </a:r>
             <a:r>
-              <a:rPr lang="zh-CN" altLang="en-US" b="0" i="0" dirty="0" smtClean="0">
+              <a:rPr lang="zh-CN" altLang="en-US" b="0" i="0" dirty="0">
                 <a:effectLst/>
                 <a:latin typeface="+mj-lt"/>
                 <a:ea typeface="+mj-ea"/>
@@ -2013,7 +1996,7 @@
               </a:rPr>
               <a:t>。</a:t>
             </a:r>
-            <a:endParaRPr lang="en-US" altLang="zh-CN" b="0" i="0" dirty="0" smtClean="0">
+            <a:endParaRPr lang="en-US" altLang="zh-CN" b="0" i="0" dirty="0">
               <a:effectLst/>
               <a:latin typeface="+mj-lt"/>
               <a:ea typeface="+mj-ea"/>
@@ -2022,7 +2005,7 @@
             </a:endParaRPr>
           </a:p>
           <a:p>
-            <a:endParaRPr lang="en-US" altLang="zh-CN" b="0" i="0" dirty="0" smtClean="0">
+            <a:endParaRPr lang="en-US" altLang="zh-CN" b="0" i="0" dirty="0">
               <a:effectLst/>
               <a:latin typeface="+mj-lt"/>
               <a:ea typeface="+mj-ea"/>
@@ -2095,62 +2078,62 @@
           <a:lstStyle/>
           <a:p>
             <a:r>
-              <a:rPr lang="zh-CN" altLang="en-US" dirty="0" smtClean="0"/>
+              <a:rPr lang="zh-CN" altLang="en-US" dirty="0"/>
               <a:t>柔记项目的思路是以上两种方案的结合，生成的</a:t>
             </a:r>
             <a:r>
-              <a:rPr lang="en-US" altLang="zh-CN" dirty="0" smtClean="0"/>
+              <a:rPr lang="en-US" altLang="zh-CN" dirty="0"/>
               <a:t>lay_x.xml</a:t>
             </a:r>
             <a:r>
-              <a:rPr lang="zh-CN" altLang="en-US" dirty="0" smtClean="0"/>
+              <a:rPr lang="zh-CN" altLang="en-US" dirty="0"/>
               <a:t>是</a:t>
             </a:r>
             <a:r>
-              <a:rPr lang="en-US" altLang="zh-CN" dirty="0" err="1" smtClean="0"/>
+              <a:rPr lang="en-US" altLang="zh-CN" dirty="0" err="1"/>
               <a:t>pt</a:t>
             </a:r>
             <a:r>
-              <a:rPr lang="zh-CN" altLang="en-US" dirty="0" smtClean="0"/>
+              <a:rPr lang="zh-CN" altLang="en-US" dirty="0"/>
               <a:t>为单位，然后重写</a:t>
             </a:r>
             <a:r>
-              <a:rPr lang="en-US" altLang="zh-CN" dirty="0" smtClean="0"/>
+              <a:rPr lang="en-US" altLang="zh-CN" dirty="0"/>
               <a:t>Activity</a:t>
             </a:r>
             <a:r>
-              <a:rPr lang="zh-CN" altLang="en-US" dirty="0" smtClean="0"/>
+              <a:rPr lang="zh-CN" altLang="en-US" dirty="0"/>
               <a:t>的</a:t>
             </a:r>
             <a:r>
-              <a:rPr lang="en-US" altLang="zh-CN" dirty="0" err="1" smtClean="0"/>
+              <a:rPr lang="en-US" altLang="zh-CN" dirty="0" err="1"/>
               <a:t>getResources</a:t>
             </a:r>
             <a:r>
-              <a:rPr lang="zh-CN" altLang="en-US" dirty="0" smtClean="0"/>
+              <a:rPr lang="zh-CN" altLang="en-US" dirty="0"/>
               <a:t>方法，对</a:t>
             </a:r>
             <a:r>
-              <a:rPr lang="en-US" altLang="zh-CN" dirty="0" err="1" smtClean="0"/>
+              <a:rPr lang="en-US" altLang="zh-CN" dirty="0" err="1"/>
               <a:t>DisplayMetrics</a:t>
             </a:r>
             <a:r>
-              <a:rPr lang="zh-CN" altLang="en-US" dirty="0" smtClean="0"/>
+              <a:rPr lang="zh-CN" altLang="en-US" dirty="0"/>
               <a:t>的</a:t>
             </a:r>
             <a:r>
-              <a:rPr lang="en-US" altLang="zh-CN" dirty="0" err="1" smtClean="0"/>
+              <a:rPr lang="en-US" altLang="zh-CN" dirty="0" err="1"/>
               <a:t>xdpi</a:t>
             </a:r>
             <a:r>
-              <a:rPr lang="zh-CN" altLang="en-US" dirty="0" smtClean="0"/>
+              <a:rPr lang="zh-CN" altLang="en-US" dirty="0"/>
               <a:t>进行修改</a:t>
             </a:r>
-            <a:endParaRPr lang="en-US" altLang="zh-CN" dirty="0" smtClean="0"/>
-          </a:p>
-          <a:p>
-            <a:r>
-              <a:rPr lang="en-US" altLang="zh-CN" dirty="0" err="1" smtClean="0">
+            <a:endParaRPr lang="en-US" altLang="zh-CN" dirty="0"/>
+          </a:p>
+          <a:p>
+            <a:r>
+              <a:rPr lang="en-US" altLang="zh-CN" dirty="0" err="1">
                 <a:effectLst/>
                 <a:latin typeface="+mj-lt"/>
                 <a:ea typeface="+mj-ea"/>
@@ -2160,7 +2143,7 @@
               <a:t>xdpi</a:t>
             </a:r>
             <a:r>
-              <a:rPr lang="en-US" altLang="zh-CN" baseline="0" dirty="0" smtClean="0">
+              <a:rPr lang="en-US" altLang="zh-CN" baseline="0" dirty="0">
                 <a:effectLst/>
                 <a:latin typeface="+mj-lt"/>
                 <a:ea typeface="+mj-ea"/>
@@ -2170,7 +2153,7 @@
               <a:t> = </a:t>
             </a:r>
             <a:r>
-              <a:rPr lang="en-US" altLang="zh-CN" dirty="0" smtClean="0">
+              <a:rPr lang="en-US" altLang="zh-CN" dirty="0">
                 <a:effectLst/>
                 <a:latin typeface="+mj-lt"/>
                 <a:ea typeface="+mj-ea"/>
@@ -2180,15 +2163,15 @@
               <a:t>72 </a:t>
             </a:r>
             <a:r>
-              <a:rPr lang="en-US" altLang="zh-CN" dirty="0" smtClean="0"/>
+              <a:rPr lang="en-US" altLang="zh-CN" dirty="0"/>
               <a:t>* </a:t>
             </a:r>
             <a:r>
-              <a:rPr lang="zh-CN" altLang="en-US" dirty="0" smtClean="0"/>
+              <a:rPr lang="zh-CN" altLang="en-US" dirty="0"/>
               <a:t>屏幕宽度</a:t>
             </a:r>
             <a:r>
-              <a:rPr lang="en-US" altLang="zh-CN" b="1" dirty="0" smtClean="0">
+              <a:rPr lang="en-US" altLang="zh-CN" b="1" dirty="0">
                 <a:effectLst/>
                 <a:latin typeface="+mj-lt"/>
                 <a:ea typeface="+mj-ea"/>
@@ -2198,14 +2181,14 @@
               <a:t> </a:t>
             </a:r>
             <a:r>
-              <a:rPr lang="en-US" altLang="zh-CN" dirty="0" smtClean="0"/>
+              <a:rPr lang="en-US" altLang="zh-CN" dirty="0"/>
               <a:t>/ </a:t>
             </a:r>
             <a:r>
-              <a:rPr lang="zh-CN" altLang="en-US" dirty="0" smtClean="0"/>
+              <a:rPr lang="zh-CN" altLang="en-US" dirty="0"/>
               <a:t>设计稿宽度</a:t>
             </a:r>
-            <a:endParaRPr lang="en-US" altLang="zh-CN" dirty="0" smtClean="0"/>
+            <a:endParaRPr lang="en-US" altLang="zh-CN" dirty="0"/>
           </a:p>
         </p:txBody>
       </p:sp>
@@ -2272,10 +2255,9 @@
           <a:lstStyle/>
           <a:p>
             <a:r>
-              <a:rPr lang="zh-CN" altLang="en-US" dirty="0" smtClean="0"/>
+              <a:rPr lang="zh-CN" altLang="en-US" dirty="0"/>
               <a:t>在开发过程中应该注意数据状态的保存与恢复。</a:t>
             </a:r>
-            <a:endParaRPr lang="zh-CN" altLang="en-US" dirty="0"/>
           </a:p>
         </p:txBody>
       </p:sp>
@@ -2342,123 +2324,123 @@
           <a:lstStyle/>
           <a:p>
             <a:r>
-              <a:rPr lang="en-US" altLang="zh-CN" dirty="0" smtClean="0"/>
+              <a:rPr lang="en-US" altLang="zh-CN" dirty="0"/>
               <a:t>1.</a:t>
             </a:r>
             <a:r>
-              <a:rPr lang="zh-CN" altLang="en-US" dirty="0" smtClean="0"/>
+              <a:rPr lang="zh-CN" altLang="en-US" dirty="0"/>
               <a:t>做好静态适配，新项目推荐使用三方库</a:t>
             </a:r>
             <a:r>
-              <a:rPr lang="en-US" altLang="zh-CN" dirty="0" err="1" smtClean="0"/>
+              <a:rPr lang="en-US" altLang="zh-CN" dirty="0" err="1"/>
               <a:t>AndroidAutoSize</a:t>
             </a:r>
-            <a:endParaRPr lang="en-US" altLang="zh-CN" dirty="0" smtClean="0"/>
-          </a:p>
-          <a:p>
-            <a:r>
-              <a:rPr lang="en-US" altLang="zh-CN" dirty="0" smtClean="0"/>
+            <a:endParaRPr lang="en-US" altLang="zh-CN" dirty="0"/>
+          </a:p>
+          <a:p>
+            <a:r>
+              <a:rPr lang="en-US" altLang="zh-CN" dirty="0"/>
               <a:t>2.</a:t>
             </a:r>
             <a:r>
-              <a:rPr lang="zh-CN" altLang="en-US" dirty="0" smtClean="0"/>
+              <a:rPr lang="zh-CN" altLang="en-US" dirty="0"/>
               <a:t>动态适配：</a:t>
             </a:r>
-            <a:endParaRPr lang="en-US" altLang="zh-CN" dirty="0" smtClean="0"/>
-          </a:p>
-          <a:p>
-            <a:r>
-              <a:rPr lang="en-US" altLang="zh-CN" dirty="0" smtClean="0"/>
+            <a:endParaRPr lang="en-US" altLang="zh-CN" dirty="0"/>
+          </a:p>
+          <a:p>
+            <a:r>
+              <a:rPr lang="en-US" altLang="zh-CN" dirty="0"/>
               <a:t>1</a:t>
             </a:r>
             <a:r>
-              <a:rPr lang="zh-CN" altLang="en-US" dirty="0" smtClean="0"/>
+              <a:rPr lang="zh-CN" altLang="en-US" dirty="0"/>
               <a:t>）对于简单可打断的界面，</a:t>
             </a:r>
             <a:r>
-              <a:rPr lang="en-US" altLang="zh-CN" dirty="0" smtClean="0"/>
+              <a:rPr lang="en-US" altLang="zh-CN" dirty="0"/>
               <a:t>Activity</a:t>
             </a:r>
             <a:r>
-              <a:rPr lang="zh-CN" altLang="en-US" dirty="0" smtClean="0"/>
+              <a:rPr lang="zh-CN" altLang="en-US" dirty="0"/>
               <a:t>走销毁重建方式，注意数据的保存与恢复。配合</a:t>
             </a:r>
             <a:r>
-              <a:rPr lang="en-US" altLang="zh-CN" dirty="0" smtClean="0"/>
+              <a:rPr lang="en-US" altLang="zh-CN" dirty="0"/>
               <a:t>MVP</a:t>
             </a:r>
             <a:r>
-              <a:rPr lang="zh-CN" altLang="en-US" dirty="0" smtClean="0"/>
+              <a:rPr lang="zh-CN" altLang="en-US" dirty="0"/>
               <a:t>架构，将组件的数据与状态放到</a:t>
             </a:r>
             <a:r>
-              <a:rPr lang="en-US" altLang="zh-CN" dirty="0" smtClean="0"/>
+              <a:rPr lang="en-US" altLang="zh-CN" dirty="0"/>
               <a:t>Presenter</a:t>
             </a:r>
             <a:r>
-              <a:rPr lang="zh-CN" altLang="en-US" dirty="0" smtClean="0"/>
+              <a:rPr lang="zh-CN" altLang="en-US" dirty="0"/>
               <a:t>中，数据不会跟着</a:t>
             </a:r>
             <a:r>
-              <a:rPr lang="en-US" altLang="zh-CN" dirty="0" smtClean="0"/>
+              <a:rPr lang="en-US" altLang="zh-CN" dirty="0"/>
               <a:t>Activity</a:t>
             </a:r>
             <a:r>
-              <a:rPr lang="zh-CN" altLang="en-US" dirty="0" smtClean="0"/>
+              <a:rPr lang="zh-CN" altLang="en-US" dirty="0"/>
               <a:t>的销毁重建而丢失。</a:t>
             </a:r>
-            <a:endParaRPr lang="en-US" altLang="zh-CN" dirty="0" smtClean="0"/>
-          </a:p>
-          <a:p>
-            <a:r>
-              <a:rPr lang="en-US" altLang="zh-CN" dirty="0" smtClean="0"/>
+            <a:endParaRPr lang="en-US" altLang="zh-CN" dirty="0"/>
+          </a:p>
+          <a:p>
+            <a:r>
+              <a:rPr lang="en-US" altLang="zh-CN" dirty="0"/>
               <a:t>2</a:t>
             </a:r>
             <a:r>
-              <a:rPr lang="zh-CN" altLang="en-US" dirty="0" smtClean="0"/>
+              <a:rPr lang="zh-CN" altLang="en-US" dirty="0"/>
               <a:t>）对于复杂的界面，</a:t>
             </a:r>
             <a:r>
-              <a:rPr lang="en-US" altLang="zh-CN" dirty="0" smtClean="0"/>
+              <a:rPr lang="en-US" altLang="zh-CN" dirty="0"/>
               <a:t>Activity</a:t>
             </a:r>
             <a:r>
-              <a:rPr lang="zh-CN" altLang="en-US" dirty="0" smtClean="0"/>
+              <a:rPr lang="zh-CN" altLang="en-US" dirty="0"/>
               <a:t>不销毁重建，在</a:t>
             </a:r>
             <a:r>
-              <a:rPr lang="en-US" altLang="zh-CN" dirty="0" err="1" smtClean="0"/>
+              <a:rPr lang="en-US" altLang="zh-CN" dirty="0" err="1"/>
               <a:t>onConfigurationChanged</a:t>
             </a:r>
             <a:r>
-              <a:rPr lang="zh-CN" altLang="en-US" dirty="0" smtClean="0"/>
+              <a:rPr lang="zh-CN" altLang="en-US" dirty="0"/>
               <a:t>回调中，重新设置布局参数。对于第三方适配</a:t>
             </a:r>
             <a:r>
-              <a:rPr lang="en-US" altLang="zh-CN" dirty="0" err="1" smtClean="0"/>
+              <a:rPr lang="en-US" altLang="zh-CN" dirty="0" err="1"/>
               <a:t>AndroidAutoSize</a:t>
             </a:r>
             <a:r>
-              <a:rPr lang="zh-CN" altLang="en-US" dirty="0" smtClean="0"/>
+              <a:rPr lang="zh-CN" altLang="en-US" dirty="0"/>
               <a:t>库，需要在</a:t>
             </a:r>
             <a:r>
-              <a:rPr lang="en-US" altLang="zh-CN" dirty="0" smtClean="0"/>
+              <a:rPr lang="en-US" altLang="zh-CN" dirty="0"/>
               <a:t>Application</a:t>
             </a:r>
             <a:r>
-              <a:rPr lang="zh-CN" altLang="en-US" dirty="0" smtClean="0"/>
+              <a:rPr lang="zh-CN" altLang="en-US" dirty="0"/>
               <a:t>的</a:t>
             </a:r>
             <a:r>
-              <a:rPr lang="en-US" altLang="zh-CN" dirty="0" err="1" smtClean="0"/>
+              <a:rPr lang="en-US" altLang="zh-CN" dirty="0" err="1"/>
               <a:t>onConfigurationChanged</a:t>
             </a:r>
             <a:r>
-              <a:rPr lang="zh-CN" altLang="en-US" dirty="0" smtClean="0"/>
+              <a:rPr lang="zh-CN" altLang="en-US" dirty="0"/>
               <a:t>中重新配置屏幕分辨率等配置信息。</a:t>
             </a:r>
-            <a:endParaRPr lang="en-US" altLang="zh-CN" dirty="0" smtClean="0"/>
+            <a:endParaRPr lang="en-US" altLang="zh-CN" dirty="0"/>
           </a:p>
         </p:txBody>
       </p:sp>
@@ -2542,11 +2524,11 @@
               <a:defRPr/>
             </a:pPr>
             <a:r>
-              <a:rPr lang="zh-CN" altLang="en-US" dirty="0" smtClean="0"/>
+              <a:rPr lang="zh-CN" altLang="en-US" dirty="0"/>
               <a:t>应用</a:t>
             </a:r>
             <a:r>
-              <a:rPr kumimoji="0" lang="zh-CN" altLang="en-US" sz="1800" b="0" i="0" u="none" strike="noStrike" cap="none" spc="0" normalizeH="0" baseline="0" dirty="0" smtClean="0">
+              <a:rPr kumimoji="0" lang="zh-CN" altLang="en-US" sz="1800" b="0" i="0" u="none" strike="noStrike" cap="none" spc="0" normalizeH="0" baseline="0" dirty="0">
                 <a:ln>
                   <a:noFill/>
                 </a:ln>
@@ -2562,7 +2544,7 @@
               </a:rPr>
               <a:t>架构介绍：</a:t>
             </a:r>
-            <a:endParaRPr kumimoji="0" lang="en-US" altLang="zh-CN" sz="1800" b="0" i="0" u="none" strike="noStrike" cap="none" spc="0" normalizeH="0" baseline="0" dirty="0" smtClean="0">
+            <a:endParaRPr kumimoji="0" lang="en-US" altLang="zh-CN" sz="1800" b="0" i="0" u="none" strike="noStrike" cap="none" spc="0" normalizeH="0" baseline="0" dirty="0">
               <a:ln>
                 <a:noFill/>
               </a:ln>
@@ -2596,7 +2578,7 @@
               <a:defRPr/>
             </a:pPr>
             <a:r>
-              <a:rPr kumimoji="0" lang="zh-CN" altLang="en-US" sz="1800" b="0" i="0" u="none" strike="noStrike" cap="none" spc="0" normalizeH="0" baseline="0" dirty="0" smtClean="0">
+              <a:rPr kumimoji="0" lang="zh-CN" altLang="en-US" sz="1800" b="0" i="0" u="none" strike="noStrike" cap="none" spc="0" normalizeH="0" baseline="0" dirty="0">
                 <a:ln>
                   <a:noFill/>
                 </a:ln>
@@ -2632,7 +2614,7 @@
               <a:defRPr/>
             </a:pPr>
             <a:r>
-              <a:rPr kumimoji="0" lang="en-US" altLang="zh-CN" sz="1800" b="0" i="0" u="none" strike="noStrike" cap="none" spc="0" normalizeH="0" baseline="0" dirty="0" smtClean="0">
+              <a:rPr kumimoji="0" lang="en-US" altLang="zh-CN" sz="1800" b="0" i="0" u="none" strike="noStrike" cap="none" spc="0" normalizeH="0" baseline="0" dirty="0">
                 <a:ln>
                   <a:noFill/>
                 </a:ln>
@@ -2649,7 +2631,7 @@
               <a:t>MVP</a:t>
             </a:r>
             <a:r>
-              <a:rPr kumimoji="0" lang="zh-CN" altLang="en-US" sz="1800" b="0" i="0" u="none" strike="noStrike" cap="none" spc="0" normalizeH="0" baseline="0" dirty="0" smtClean="0">
+              <a:rPr kumimoji="0" lang="zh-CN" altLang="en-US" sz="1800" b="0" i="0" u="none" strike="noStrike" cap="none" spc="0" normalizeH="0" baseline="0" dirty="0">
                 <a:ln>
                   <a:noFill/>
                 </a:ln>
@@ -2683,7 +2665,7 @@
               <a:buNone/>
             </a:pPr>
             <a:r>
-              <a:rPr kumimoji="0" lang="zh-CN" altLang="en-US" sz="1800" b="0" i="0" u="none" strike="noStrike" cap="none" spc="0" normalizeH="0" baseline="0" dirty="0" smtClean="0">
+              <a:rPr kumimoji="0" lang="zh-CN" altLang="en-US" sz="1800" b="0" i="0" u="none" strike="noStrike" cap="none" spc="0" normalizeH="0" baseline="0" dirty="0">
                 <a:ln>
                   <a:noFill/>
                 </a:ln>
@@ -2700,7 +2682,7 @@
               <a:t>模版</a:t>
             </a:r>
             <a:r>
-              <a:rPr kumimoji="0" lang="en-US" altLang="zh-CN" sz="1800" b="0" i="0" u="none" strike="noStrike" cap="none" spc="0" normalizeH="0" baseline="0" dirty="0" smtClean="0">
+              <a:rPr kumimoji="0" lang="en-US" altLang="zh-CN" sz="1800" b="0" i="0" u="none" strike="noStrike" cap="none" spc="0" normalizeH="0" baseline="0" dirty="0">
                 <a:ln>
                   <a:noFill/>
                 </a:ln>
@@ -2717,7 +2699,7 @@
               <a:t>MVP</a:t>
             </a:r>
             <a:r>
-              <a:rPr kumimoji="0" lang="zh-CN" altLang="en-US" sz="1800" b="0" i="0" u="none" strike="noStrike" cap="none" spc="0" normalizeH="0" baseline="0" dirty="0" smtClean="0">
+              <a:rPr kumimoji="0" lang="zh-CN" altLang="en-US" sz="1800" b="0" i="0" u="none" strike="noStrike" cap="none" spc="0" normalizeH="0" baseline="0" dirty="0">
                 <a:ln>
                   <a:noFill/>
                 </a:ln>
@@ -2733,7 +2715,7 @@
               </a:rPr>
               <a:t>框架代码说明</a:t>
             </a:r>
-            <a:endParaRPr kumimoji="0" lang="en-US" altLang="zh-CN" sz="1800" b="0" i="0" u="none" strike="noStrike" cap="none" spc="0" normalizeH="0" baseline="0" dirty="0" smtClean="0">
+            <a:endParaRPr kumimoji="0" lang="en-US" altLang="zh-CN" sz="1800" b="0" i="0" u="none" strike="noStrike" cap="none" spc="0" normalizeH="0" baseline="0" dirty="0">
               <a:ln>
                 <a:noFill/>
               </a:ln>
@@ -2766,7 +2748,7 @@
               <a:tabLst/>
               <a:defRPr/>
             </a:pPr>
-            <a:endParaRPr lang="en-US" altLang="zh-CN" dirty="0" smtClean="0"/>
+            <a:endParaRPr lang="en-US" altLang="zh-CN" dirty="0"/>
           </a:p>
           <a:p>
             <a:pPr marL="0" marR="0" lvl="0" indent="0" algn="l" defTabSz="914400" rtl="0" eaLnBrk="1" fontAlgn="auto" latinLnBrk="0" hangingPunct="0">
@@ -2787,11 +2769,11 @@
               <a:defRPr/>
             </a:pPr>
             <a:r>
-              <a:rPr lang="zh-CN" altLang="en-US" dirty="0" smtClean="0"/>
+              <a:rPr lang="zh-CN" altLang="en-US" dirty="0"/>
               <a:t>应用</a:t>
             </a:r>
             <a:r>
-              <a:rPr kumimoji="0" lang="zh-CN" altLang="en-US" sz="1800" b="0" i="0" u="none" strike="noStrike" cap="none" spc="0" normalizeH="0" baseline="0" dirty="0" smtClean="0">
+              <a:rPr kumimoji="0" lang="zh-CN" altLang="en-US" sz="1800" b="0" i="0" u="none" strike="noStrike" cap="none" spc="0" normalizeH="0" baseline="0" dirty="0">
                 <a:ln>
                   <a:noFill/>
                 </a:ln>
@@ -2825,7 +2807,7 @@
               <a:buNone/>
             </a:pPr>
             <a:r>
-              <a:rPr kumimoji="0" lang="zh-CN" altLang="en-US" sz="1800" b="0" i="0" u="none" strike="noStrike" cap="none" spc="0" normalizeH="0" baseline="0" dirty="0" smtClean="0">
+              <a:rPr kumimoji="0" lang="zh-CN" altLang="en-US" sz="1800" b="0" i="0" u="none" strike="noStrike" cap="none" spc="0" normalizeH="0" baseline="0" dirty="0">
                 <a:ln>
                   <a:noFill/>
                 </a:ln>
@@ -2910,25 +2892,25 @@
           <a:lstStyle/>
           <a:p>
             <a:r>
-              <a:rPr lang="en-US" altLang="zh-CN" dirty="0" smtClean="0"/>
+              <a:rPr lang="en-US" altLang="zh-CN" dirty="0"/>
               <a:t>Android</a:t>
             </a:r>
             <a:r>
-              <a:rPr lang="zh-CN" altLang="en-US" dirty="0" smtClean="0"/>
+              <a:rPr lang="zh-CN" altLang="en-US" dirty="0"/>
               <a:t>应用与</a:t>
             </a:r>
             <a:r>
-              <a:rPr lang="en-US" altLang="zh-CN" dirty="0" smtClean="0"/>
+              <a:rPr lang="en-US" altLang="zh-CN" dirty="0"/>
               <a:t>PC</a:t>
             </a:r>
             <a:r>
-              <a:rPr lang="zh-CN" altLang="en-US" dirty="0" smtClean="0"/>
+              <a:rPr lang="zh-CN" altLang="en-US" dirty="0"/>
               <a:t>应用的不同。</a:t>
             </a:r>
-            <a:endParaRPr lang="en-US" altLang="zh-CN" dirty="0" smtClean="0"/>
-          </a:p>
-          <a:p>
-            <a:endParaRPr lang="en-US" altLang="zh-CN" dirty="0" smtClean="0"/>
+            <a:endParaRPr lang="en-US" altLang="zh-CN" dirty="0"/>
+          </a:p>
+          <a:p>
+            <a:endParaRPr lang="en-US" altLang="zh-CN" dirty="0"/>
           </a:p>
           <a:p>
             <a:pPr marL="0" marR="0" lvl="0" indent="0" algn="l" defTabSz="914400" rtl="0" eaLnBrk="1" fontAlgn="auto" latinLnBrk="0" hangingPunct="1">
@@ -2949,7 +2931,7 @@
               <a:defRPr/>
             </a:pPr>
             <a:r>
-              <a:rPr kumimoji="0" lang="zh-CN" altLang="en-US" sz="1800" b="1" i="0" u="none" strike="noStrike" cap="none" spc="0" normalizeH="0" baseline="0" dirty="0" smtClean="0">
+              <a:rPr kumimoji="0" lang="zh-CN" altLang="en-US" sz="1800" b="1" i="0" u="none" strike="noStrike" cap="none" spc="0" normalizeH="0" baseline="0" dirty="0">
                 <a:ln>
                   <a:noFill/>
                 </a:ln>
@@ -2966,7 +2948,7 @@
               <a:t>编写</a:t>
             </a:r>
             <a:r>
-              <a:rPr kumimoji="0" lang="en-US" altLang="zh-CN" sz="1800" b="1" i="0" u="none" strike="noStrike" cap="none" spc="0" normalizeH="0" baseline="0" dirty="0" smtClean="0">
+              <a:rPr kumimoji="0" lang="en-US" altLang="zh-CN" sz="1800" b="1" i="0" u="none" strike="noStrike" cap="none" spc="0" normalizeH="0" baseline="0" dirty="0">
                 <a:ln>
                   <a:noFill/>
                 </a:ln>
@@ -2983,7 +2965,7 @@
               <a:t>Android</a:t>
             </a:r>
             <a:r>
-              <a:rPr kumimoji="0" lang="zh-CN" altLang="en-US" sz="1800" b="1" i="0" u="none" strike="noStrike" cap="none" spc="0" normalizeH="0" baseline="0" dirty="0" smtClean="0">
+              <a:rPr kumimoji="0" lang="zh-CN" altLang="en-US" sz="1800" b="1" i="0" u="none" strike="noStrike" cap="none" spc="0" normalizeH="0" baseline="0" dirty="0">
                 <a:ln>
                   <a:noFill/>
                 </a:ln>
@@ -2999,7 +2981,7 @@
               </a:rPr>
               <a:t>应用应该注意什么</a:t>
             </a:r>
-            <a:endParaRPr lang="en-US" altLang="zh-CN" dirty="0" smtClean="0"/>
+            <a:endParaRPr lang="en-US" altLang="zh-CN" dirty="0"/>
           </a:p>
           <a:p>
             <a:pPr marL="285750" marR="0" indent="-285750" algn="l" defTabSz="914400" rtl="0" fontAlgn="auto" latinLnBrk="0" hangingPunct="0">
@@ -3018,7 +3000,7 @@
               <a:buChar char="•"/>
             </a:pPr>
             <a:r>
-              <a:rPr kumimoji="0" lang="zh-CN" altLang="en-US" sz="1800" b="0" i="0" u="none" strike="noStrike" cap="none" spc="0" normalizeH="0" baseline="0" dirty="0" smtClean="0">
+              <a:rPr kumimoji="0" lang="zh-CN" altLang="en-US" sz="1800" b="0" i="0" u="none" strike="noStrike" cap="none" spc="0" normalizeH="0" baseline="0" dirty="0">
                 <a:ln>
                   <a:noFill/>
                 </a:ln>
@@ -3034,7 +3016,7 @@
               </a:rPr>
               <a:t>组件之间不可以相互依赖</a:t>
             </a:r>
-            <a:endParaRPr kumimoji="0" lang="en-US" altLang="zh-CN" sz="1800" b="0" i="0" u="none" strike="noStrike" cap="none" spc="0" normalizeH="0" baseline="0" dirty="0" smtClean="0">
+            <a:endParaRPr kumimoji="0" lang="en-US" altLang="zh-CN" sz="1800" b="0" i="0" u="none" strike="noStrike" cap="none" spc="0" normalizeH="0" baseline="0" dirty="0">
               <a:ln>
                 <a:noFill/>
               </a:ln>
@@ -3066,10 +3048,10 @@
               <a:buChar char="•"/>
             </a:pPr>
             <a:r>
-              <a:rPr lang="zh-CN" altLang="en-US" dirty="0" smtClean="0"/>
+              <a:rPr lang="zh-CN" altLang="en-US" dirty="0"/>
               <a:t>不可以在应用组件存储应用的数据和状态</a:t>
             </a:r>
-            <a:endParaRPr kumimoji="0" lang="zh-CN" altLang="en-US" sz="1800" b="0" i="0" u="none" strike="noStrike" cap="none" spc="0" normalizeH="0" baseline="0" dirty="0" smtClean="0">
+            <a:endParaRPr kumimoji="0" lang="zh-CN" altLang="en-US" sz="1800" b="0" i="0" u="none" strike="noStrike" cap="none" spc="0" normalizeH="0" baseline="0" dirty="0">
               <a:ln>
                 <a:noFill/>
               </a:ln>
@@ -3085,10 +3067,10 @@
             </a:endParaRPr>
           </a:p>
           <a:p>
-            <a:endParaRPr lang="en-US" altLang="zh-CN" dirty="0" smtClean="0"/>
-          </a:p>
-          <a:p>
-            <a:endParaRPr lang="en-US" altLang="zh-CN" dirty="0" smtClean="0"/>
+            <a:endParaRPr lang="en-US" altLang="zh-CN" dirty="0"/>
+          </a:p>
+          <a:p>
+            <a:endParaRPr lang="en-US" altLang="zh-CN" dirty="0"/>
           </a:p>
           <a:p>
             <a:pPr marL="0" marR="0" lvl="0" indent="0" algn="l" defTabSz="914400" rtl="0" eaLnBrk="1" fontAlgn="auto" latinLnBrk="0" hangingPunct="1">
@@ -3109,7 +3091,7 @@
               <a:defRPr/>
             </a:pPr>
             <a:r>
-              <a:rPr kumimoji="0" lang="en-US" altLang="zh-CN" sz="1800" i="0" u="none" strike="noStrike" cap="none" spc="0" normalizeH="0" baseline="0" dirty="0" smtClean="0">
+              <a:rPr kumimoji="0" lang="en-US" altLang="zh-CN" sz="1800" i="0" u="none" strike="noStrike" cap="none" spc="0" normalizeH="0" baseline="0" dirty="0">
                 <a:ln>
                   <a:noFill/>
                 </a:ln>
@@ -3126,7 +3108,7 @@
               <a:t>1.</a:t>
             </a:r>
             <a:r>
-              <a:rPr kumimoji="0" lang="zh-CN" altLang="en-US" sz="1800" i="0" u="none" strike="noStrike" cap="none" spc="0" normalizeH="0" baseline="0" dirty="0" smtClean="0">
+              <a:rPr kumimoji="0" lang="zh-CN" altLang="en-US" sz="1800" i="0" u="none" strike="noStrike" cap="none" spc="0" normalizeH="0" baseline="0" dirty="0">
                 <a:ln>
                   <a:noFill/>
                 </a:ln>
@@ -3142,26 +3124,26 @@
               </a:rPr>
               <a:t>分离关注点</a:t>
             </a:r>
-            <a:endParaRPr lang="en-US" altLang="zh-CN" dirty="0" smtClean="0"/>
-          </a:p>
-          <a:p>
-            <a:r>
-              <a:rPr lang="en-US" altLang="zh-CN" dirty="0" smtClean="0"/>
+            <a:endParaRPr lang="en-US" altLang="zh-CN" dirty="0"/>
+          </a:p>
+          <a:p>
+            <a:r>
+              <a:rPr lang="en-US" altLang="zh-CN" dirty="0"/>
               <a:t>TCP/IP</a:t>
             </a:r>
             <a:r>
-              <a:rPr lang="zh-CN" altLang="en-US" dirty="0" smtClean="0"/>
+              <a:rPr lang="zh-CN" altLang="en-US" dirty="0"/>
               <a:t>协议将计算机网络分为链路层、网络层、传输层、应用层，每一层关注</a:t>
             </a:r>
             <a:r>
-              <a:rPr lang="en-US" altLang="zh-CN" dirty="0" smtClean="0"/>
+              <a:rPr lang="en-US" altLang="zh-CN" dirty="0"/>
               <a:t>/</a:t>
             </a:r>
             <a:r>
-              <a:rPr lang="zh-CN" altLang="en-US" dirty="0" smtClean="0"/>
+              <a:rPr lang="zh-CN" altLang="en-US" dirty="0"/>
               <a:t>处理不同的问题，将复杂的网络问题拆分成若干易于解决的问题。</a:t>
             </a:r>
-            <a:endParaRPr lang="en-US" altLang="zh-CN" dirty="0" smtClean="0"/>
+            <a:endParaRPr lang="en-US" altLang="zh-CN" dirty="0"/>
           </a:p>
           <a:p>
             <a:pPr marL="0" marR="0" lvl="0" indent="0" defTabSz="914400" eaLnBrk="1" fontAlgn="auto" latinLnBrk="0" hangingPunct="1">
@@ -3181,7 +3163,7 @@
               <a:tabLst/>
               <a:defRPr/>
             </a:pPr>
-            <a:endParaRPr lang="en-US" altLang="zh-CN" dirty="0" smtClean="0"/>
+            <a:endParaRPr lang="en-US" altLang="zh-CN" dirty="0"/>
           </a:p>
           <a:p>
             <a:pPr marL="0" marR="0" lvl="0" indent="0" algn="l" defTabSz="914400" rtl="0" eaLnBrk="1" fontAlgn="auto" latinLnBrk="0" hangingPunct="1">
@@ -3202,7 +3184,7 @@
               <a:defRPr/>
             </a:pPr>
             <a:r>
-              <a:rPr kumimoji="0" lang="en-US" altLang="zh-CN" sz="1800" i="0" u="none" strike="noStrike" cap="none" spc="0" normalizeH="0" baseline="0" dirty="0" smtClean="0">
+              <a:rPr kumimoji="0" lang="en-US" altLang="zh-CN" sz="1800" i="0" u="none" strike="noStrike" cap="none" spc="0" normalizeH="0" baseline="0" dirty="0">
                 <a:ln>
                   <a:noFill/>
                 </a:ln>
@@ -3219,7 +3201,7 @@
               <a:t>2.</a:t>
             </a:r>
             <a:r>
-              <a:rPr kumimoji="0" lang="zh-CN" altLang="en-US" sz="1800" i="0" u="none" strike="noStrike" cap="none" spc="0" normalizeH="0" baseline="0" dirty="0" smtClean="0">
+              <a:rPr kumimoji="0" lang="zh-CN" altLang="en-US" sz="1800" i="0" u="none" strike="noStrike" cap="none" spc="0" normalizeH="0" baseline="0" dirty="0">
                 <a:ln>
                   <a:noFill/>
                 </a:ln>
@@ -3235,7 +3217,7 @@
               </a:rPr>
               <a:t>模型驱动界面</a:t>
             </a:r>
-            <a:endParaRPr lang="en-US" altLang="zh-CN" dirty="0" smtClean="0"/>
+            <a:endParaRPr lang="en-US" altLang="zh-CN" dirty="0"/>
           </a:p>
           <a:p>
             <a:pPr marL="0" marR="0" lvl="0" indent="0" defTabSz="914400" eaLnBrk="1" fontAlgn="auto" latinLnBrk="0" hangingPunct="1">
@@ -3256,26 +3238,26 @@
               <a:defRPr/>
             </a:pPr>
             <a:r>
-              <a:rPr lang="zh-CN" altLang="en-US" dirty="0" smtClean="0"/>
+              <a:rPr lang="zh-CN" altLang="en-US" dirty="0"/>
               <a:t>由于</a:t>
             </a:r>
             <a:r>
-              <a:rPr lang="en-US" altLang="zh-CN" dirty="0" smtClean="0"/>
+              <a:rPr lang="en-US" altLang="zh-CN" dirty="0"/>
               <a:t>Activity/Fragment</a:t>
             </a:r>
             <a:r>
-              <a:rPr lang="zh-CN" altLang="en-US" dirty="0" smtClean="0"/>
+              <a:rPr lang="zh-CN" altLang="en-US" dirty="0"/>
               <a:t>不可靠、随时可能被销毁，应该将应用的业务逻辑与数据与界面拆分开来。当</a:t>
             </a:r>
             <a:r>
-              <a:rPr lang="en-US" altLang="zh-CN" dirty="0" smtClean="0"/>
+              <a:rPr lang="en-US" altLang="zh-CN" dirty="0"/>
               <a:t>Activity/Fragment</a:t>
             </a:r>
             <a:r>
-              <a:rPr lang="zh-CN" altLang="en-US" dirty="0" smtClean="0"/>
+              <a:rPr lang="zh-CN" altLang="en-US" dirty="0"/>
               <a:t>恢复时，你的应用能继续运行。</a:t>
             </a:r>
-            <a:endParaRPr lang="en-US" altLang="zh-CN" dirty="0" smtClean="0"/>
+            <a:endParaRPr lang="en-US" altLang="zh-CN" dirty="0"/>
           </a:p>
           <a:p>
             <a:pPr marL="0" marR="0" lvl="0" indent="0" defTabSz="914400" eaLnBrk="1" fontAlgn="auto" latinLnBrk="0" hangingPunct="1">
@@ -3295,35 +3277,35 @@
               <a:tabLst/>
               <a:defRPr/>
             </a:pPr>
-            <a:endParaRPr lang="en-US" altLang="zh-CN" dirty="0" smtClean="0"/>
-          </a:p>
-          <a:p>
-            <a:r>
-              <a:rPr lang="zh-CN" altLang="en-US" dirty="0" smtClean="0"/>
+            <a:endParaRPr lang="en-US" altLang="zh-CN" dirty="0"/>
+          </a:p>
+          <a:p>
+            <a:r>
+              <a:rPr lang="zh-CN" altLang="en-US" dirty="0"/>
               <a:t>常见的问题是，在</a:t>
             </a:r>
             <a:r>
-              <a:rPr lang="en-US" altLang="zh-CN" dirty="0" smtClean="0"/>
+              <a:rPr lang="en-US" altLang="zh-CN" dirty="0"/>
               <a:t>Activity</a:t>
             </a:r>
             <a:r>
-              <a:rPr lang="zh-CN" altLang="en-US" dirty="0" smtClean="0"/>
+              <a:rPr lang="zh-CN" altLang="en-US" dirty="0"/>
               <a:t>中处理所有的业务逻辑，</a:t>
             </a:r>
             <a:r>
-              <a:rPr lang="en-US" altLang="zh-CN" dirty="0" smtClean="0"/>
+              <a:rPr lang="en-US" altLang="zh-CN" dirty="0"/>
               <a:t>Activity</a:t>
             </a:r>
             <a:r>
-              <a:rPr lang="zh-CN" altLang="en-US" dirty="0" smtClean="0"/>
+              <a:rPr lang="zh-CN" altLang="en-US" dirty="0"/>
               <a:t>代码臃肿，</a:t>
             </a:r>
             <a:r>
-              <a:rPr lang="en-US" altLang="zh-CN" dirty="0" smtClean="0"/>
+              <a:rPr lang="en-US" altLang="zh-CN" dirty="0"/>
               <a:t>Activity</a:t>
             </a:r>
             <a:r>
-              <a:rPr lang="zh-CN" altLang="en-US" dirty="0" smtClean="0"/>
+              <a:rPr lang="zh-CN" altLang="en-US" dirty="0"/>
               <a:t>销毁时，所有的数据状态都都丢失了。</a:t>
             </a:r>
           </a:p>
@@ -3346,30 +3328,30 @@
               <a:defRPr/>
             </a:pPr>
             <a:r>
-              <a:rPr lang="en-US" altLang="zh-CN" dirty="0" smtClean="0"/>
+              <a:rPr lang="en-US" altLang="zh-CN" dirty="0"/>
               <a:t>Activity</a:t>
             </a:r>
             <a:r>
-              <a:rPr lang="zh-CN" altLang="en-US" dirty="0" smtClean="0"/>
+              <a:rPr lang="zh-CN" altLang="en-US" dirty="0"/>
               <a:t>、</a:t>
             </a:r>
             <a:r>
-              <a:rPr lang="en-US" altLang="zh-CN" dirty="0" smtClean="0"/>
+              <a:rPr lang="en-US" altLang="zh-CN" dirty="0"/>
               <a:t>Fragment</a:t>
             </a:r>
             <a:r>
-              <a:rPr lang="zh-CN" altLang="en-US" dirty="0" smtClean="0"/>
+              <a:rPr lang="zh-CN" altLang="en-US" dirty="0"/>
               <a:t>只是</a:t>
             </a:r>
             <a:r>
-              <a:rPr lang="en-US" altLang="zh-CN" dirty="0" smtClean="0"/>
+              <a:rPr lang="en-US" altLang="zh-CN" dirty="0"/>
               <a:t>android</a:t>
             </a:r>
             <a:r>
-              <a:rPr lang="zh-CN" altLang="en-US" dirty="0" smtClean="0"/>
+              <a:rPr lang="zh-CN" altLang="en-US" dirty="0"/>
               <a:t>系统提供给开发者使用系统服务，比如显示、接收用户输入、打开外设（蓝牙）的“窗口” ，这些“窗口” 有可能随时会关闭，开发者不应该把自己的业务逻辑放到这些不稳定的“窗口” 中。</a:t>
             </a:r>
-            <a:endParaRPr lang="en-US" altLang="zh-CN" dirty="0" smtClean="0"/>
+            <a:endParaRPr lang="en-US" altLang="zh-CN" dirty="0"/>
           </a:p>
           <a:p>
             <a:pPr marL="0" marR="0" lvl="0" indent="0" defTabSz="914400" eaLnBrk="1" fontAlgn="auto" latinLnBrk="0" hangingPunct="1">
@@ -3389,7 +3371,7 @@
               <a:tabLst/>
               <a:defRPr/>
             </a:pPr>
-            <a:endParaRPr lang="en-US" altLang="zh-CN" dirty="0" smtClean="0"/>
+            <a:endParaRPr lang="en-US" altLang="zh-CN" dirty="0"/>
           </a:p>
           <a:p>
             <a:endParaRPr lang="zh-CN" altLang="en-US" dirty="0"/>
@@ -3459,85 +3441,84 @@
           <a:lstStyle/>
           <a:p>
             <a:r>
-              <a:rPr lang="en-US" altLang="zh-CN" dirty="0" smtClean="0"/>
+              <a:rPr lang="en-US" altLang="zh-CN" dirty="0"/>
               <a:t>TCP/IP</a:t>
             </a:r>
             <a:r>
-              <a:rPr lang="zh-CN" altLang="en-US" dirty="0" smtClean="0"/>
+              <a:rPr lang="zh-CN" altLang="en-US" dirty="0"/>
               <a:t>协议将计算机网络分为链路层、网络层、传输层、应用层，每一层关注</a:t>
             </a:r>
             <a:r>
-              <a:rPr lang="en-US" altLang="zh-CN" dirty="0" smtClean="0"/>
+              <a:rPr lang="en-US" altLang="zh-CN" dirty="0"/>
               <a:t>/</a:t>
             </a:r>
             <a:r>
-              <a:rPr lang="zh-CN" altLang="en-US" dirty="0" smtClean="0"/>
+              <a:rPr lang="zh-CN" altLang="en-US" dirty="0"/>
               <a:t>处理不同的问题，将复杂的网络问题拆分成若干易于解决的问题。</a:t>
             </a:r>
-            <a:endParaRPr lang="en-US" altLang="zh-CN" dirty="0" smtClean="0"/>
-          </a:p>
-          <a:p>
-            <a:endParaRPr lang="en-US" altLang="zh-CN" dirty="0" smtClean="0"/>
-          </a:p>
-          <a:p>
-            <a:r>
-              <a:rPr lang="zh-CN" altLang="en-US" dirty="0" smtClean="0"/>
+            <a:endParaRPr lang="en-US" altLang="zh-CN" dirty="0"/>
+          </a:p>
+          <a:p>
+            <a:endParaRPr lang="en-US" altLang="zh-CN" dirty="0"/>
+          </a:p>
+          <a:p>
+            <a:r>
+              <a:rPr lang="zh-CN" altLang="en-US" dirty="0"/>
               <a:t>由于</a:t>
             </a:r>
             <a:r>
-              <a:rPr lang="en-US" altLang="zh-CN" dirty="0" smtClean="0"/>
+              <a:rPr lang="en-US" altLang="zh-CN" dirty="0"/>
               <a:t>Activity/Fragment</a:t>
             </a:r>
             <a:r>
-              <a:rPr lang="zh-CN" altLang="en-US" dirty="0" smtClean="0"/>
+              <a:rPr lang="zh-CN" altLang="en-US" dirty="0"/>
               <a:t>不可靠、随时可能被销毁，应该将应用的业务逻辑与数据与界面拆分开来。当</a:t>
             </a:r>
             <a:r>
-              <a:rPr lang="en-US" altLang="zh-CN" dirty="0" smtClean="0"/>
+              <a:rPr lang="en-US" altLang="zh-CN" dirty="0"/>
               <a:t>Activity/Fragment</a:t>
             </a:r>
             <a:r>
-              <a:rPr lang="zh-CN" altLang="en-US" dirty="0" smtClean="0"/>
+              <a:rPr lang="zh-CN" altLang="en-US" dirty="0"/>
               <a:t>恢复时，你的应用能继续运行。</a:t>
             </a:r>
-            <a:endParaRPr lang="en-US" altLang="zh-CN" dirty="0" smtClean="0"/>
-          </a:p>
-          <a:p>
-            <a:endParaRPr lang="en-US" altLang="zh-CN" dirty="0" smtClean="0"/>
-          </a:p>
-          <a:p>
-            <a:endParaRPr lang="en-US" altLang="zh-CN" dirty="0" smtClean="0"/>
-          </a:p>
-          <a:p>
-            <a:r>
-              <a:rPr lang="zh-CN" altLang="en-US" dirty="0" smtClean="0"/>
+            <a:endParaRPr lang="en-US" altLang="zh-CN" dirty="0"/>
+          </a:p>
+          <a:p>
+            <a:endParaRPr lang="en-US" altLang="zh-CN" dirty="0"/>
+          </a:p>
+          <a:p>
+            <a:endParaRPr lang="en-US" altLang="zh-CN" dirty="0"/>
+          </a:p>
+          <a:p>
+            <a:r>
+              <a:rPr lang="zh-CN" altLang="en-US" dirty="0"/>
               <a:t>常见的问题是，在</a:t>
             </a:r>
             <a:r>
-              <a:rPr lang="en-US" altLang="zh-CN" dirty="0" smtClean="0"/>
+              <a:rPr lang="en-US" altLang="zh-CN" dirty="0"/>
               <a:t>Activity</a:t>
             </a:r>
             <a:r>
-              <a:rPr lang="zh-CN" altLang="en-US" dirty="0" smtClean="0"/>
+              <a:rPr lang="zh-CN" altLang="en-US" dirty="0"/>
               <a:t>中处理所有的业务逻辑，</a:t>
             </a:r>
             <a:r>
-              <a:rPr lang="en-US" altLang="zh-CN" dirty="0" smtClean="0"/>
+              <a:rPr lang="en-US" altLang="zh-CN" dirty="0"/>
               <a:t>Activity</a:t>
             </a:r>
             <a:r>
-              <a:rPr lang="zh-CN" altLang="en-US" dirty="0" smtClean="0"/>
+              <a:rPr lang="zh-CN" altLang="en-US" dirty="0"/>
               <a:t>代码臃肿，</a:t>
             </a:r>
             <a:r>
-              <a:rPr lang="en-US" altLang="zh-CN" dirty="0" smtClean="0"/>
+              <a:rPr lang="en-US" altLang="zh-CN" dirty="0"/>
               <a:t>Activity</a:t>
             </a:r>
             <a:r>
-              <a:rPr lang="zh-CN" altLang="en-US" dirty="0" smtClean="0"/>
+              <a:rPr lang="zh-CN" altLang="en-US" dirty="0"/>
               <a:t>销毁时，所有的数据状态都都丢失了。</a:t>
             </a:r>
-            <a:endParaRPr lang="zh-CN" altLang="en-US" dirty="0"/>
           </a:p>
         </p:txBody>
       </p:sp>
@@ -3741,7 +3722,7 @@
           </a:p>
           <a:p>
             <a:r>
-              <a:rPr lang="zh-CN" altLang="en-US" b="0" i="0" dirty="0" smtClean="0">
+              <a:rPr lang="zh-CN" altLang="en-US" b="0" i="0" dirty="0">
                 <a:effectLst/>
                 <a:latin typeface="+mj-lt"/>
                 <a:ea typeface="+mj-ea"/>
@@ -3751,7 +3732,7 @@
               <a:t>在</a:t>
             </a:r>
             <a:r>
-              <a:rPr lang="en-US" altLang="zh-CN" b="0" i="0" dirty="0" smtClean="0">
+              <a:rPr lang="en-US" altLang="zh-CN" b="0" i="0" dirty="0">
                 <a:effectLst/>
                 <a:latin typeface="+mj-lt"/>
                 <a:ea typeface="+mj-ea"/>
@@ -3761,7 +3742,7 @@
               <a:t>Android</a:t>
             </a:r>
             <a:r>
-              <a:rPr lang="zh-CN" altLang="en-US" b="0" i="0" dirty="0" smtClean="0">
+              <a:rPr lang="zh-CN" altLang="en-US" b="0" i="0" dirty="0">
                 <a:effectLst/>
                 <a:latin typeface="+mj-lt"/>
                 <a:ea typeface="+mj-ea"/>
@@ -3771,7 +3752,7 @@
               <a:t>中，</a:t>
             </a:r>
             <a:r>
-              <a:rPr lang="en-US" altLang="zh-CN" b="0" i="0" dirty="0" smtClean="0">
+              <a:rPr lang="en-US" altLang="zh-CN" b="0" i="0" dirty="0">
                 <a:effectLst/>
                 <a:latin typeface="+mj-lt"/>
                 <a:ea typeface="+mj-ea"/>
@@ -3888,47 +3869,27 @@
                 <a:cs typeface="+mj-cs"/>
                 <a:sym typeface="Helvetica Neue"/>
               </a:rPr>
-              <a:t>中应该做的事情，</a:t>
-            </a:r>
-            <a:r>
-              <a:rPr lang="zh-CN" altLang="en-US" b="0" i="0" dirty="0" smtClean="0">
+              <a:t>中应该做的事情，当然</a:t>
+            </a:r>
+            <a:r>
+              <a:rPr lang="en-US" altLang="zh-CN" b="0" i="0" dirty="0">
                 <a:effectLst/>
                 <a:latin typeface="+mj-lt"/>
                 <a:ea typeface="+mj-ea"/>
                 <a:cs typeface="+mj-cs"/>
                 <a:sym typeface="Helvetica Neue"/>
               </a:rPr>
-              <a:t>当然</a:t>
-            </a:r>
-            <a:r>
-              <a:rPr lang="en-US" altLang="zh-CN" b="0" i="0" dirty="0" smtClean="0">
+              <a:t>Activity</a:t>
+            </a:r>
+            <a:r>
+              <a:rPr lang="zh-CN" altLang="en-US" b="0" i="0" dirty="0">
                 <a:effectLst/>
                 <a:latin typeface="+mj-lt"/>
                 <a:ea typeface="+mj-ea"/>
                 <a:cs typeface="+mj-cs"/>
                 <a:sym typeface="Helvetica Neue"/>
               </a:rPr>
-              <a:t>Activity</a:t>
-            </a:r>
-            <a:r>
-              <a:rPr lang="zh-CN" altLang="en-US" b="0" i="0" dirty="0" smtClean="0">
-                <a:effectLst/>
-                <a:latin typeface="+mj-lt"/>
-                <a:ea typeface="+mj-ea"/>
-                <a:cs typeface="+mj-cs"/>
-                <a:sym typeface="Helvetica Neue"/>
-              </a:rPr>
-              <a:t>中</a:t>
-            </a:r>
-            <a:r>
-              <a:rPr lang="zh-CN" altLang="en-US" b="0" i="0" dirty="0">
-                <a:effectLst/>
-                <a:latin typeface="+mj-lt"/>
-                <a:ea typeface="+mj-ea"/>
-                <a:cs typeface="+mj-cs"/>
-                <a:sym typeface="Helvetica Neue"/>
-              </a:rPr>
-              <a:t>也包含</a:t>
+              <a:t>中也包含</a:t>
             </a:r>
             <a:r>
               <a:rPr lang="en-US" altLang="zh-CN" b="0" i="0" dirty="0">
@@ -4249,19 +4210,9 @@
                 <a:cs typeface="+mj-cs"/>
                 <a:sym typeface="Helvetica Neue"/>
               </a:rPr>
-              <a:t>直接</a:t>
-            </a:r>
-            <a:r>
-              <a:rPr lang="zh-CN" altLang="en-US" b="0" i="0" dirty="0" smtClean="0">
-                <a:effectLst/>
-                <a:latin typeface="+mj-lt"/>
-                <a:ea typeface="+mj-ea"/>
-                <a:cs typeface="+mj-cs"/>
-                <a:sym typeface="Helvetica Neue"/>
-              </a:rPr>
-              <a:t>交互</a:t>
-            </a:r>
-            <a:endParaRPr lang="en-US" altLang="zh-CN" b="0" i="0" dirty="0" smtClean="0">
+              <a:t>直接交互</a:t>
+            </a:r>
+            <a:endParaRPr lang="en-US" altLang="zh-CN" b="0" i="0" dirty="0">
               <a:effectLst/>
               <a:latin typeface="+mj-lt"/>
               <a:ea typeface="+mj-ea"/>
@@ -4271,7 +4222,7 @@
           </a:p>
           <a:p>
             <a:r>
-              <a:rPr lang="en-US" altLang="zh-CN" b="0" i="0" dirty="0" smtClean="0">
+              <a:rPr lang="en-US" altLang="zh-CN" b="0" i="0" dirty="0">
                 <a:effectLst/>
                 <a:latin typeface="+mj-lt"/>
                 <a:ea typeface="+mj-ea"/>
@@ -4281,7 +4232,7 @@
               <a:t>View</a:t>
             </a:r>
             <a:r>
-              <a:rPr lang="zh-CN" altLang="en-US" b="0" i="0" dirty="0" smtClean="0">
+              <a:rPr lang="zh-CN" altLang="en-US" b="0" i="0" dirty="0">
                 <a:effectLst/>
                 <a:latin typeface="+mj-lt"/>
                 <a:ea typeface="+mj-ea"/>
@@ -4290,7 +4241,7 @@
               </a:rPr>
               <a:t>是被动的显示：</a:t>
             </a:r>
-            <a:endParaRPr lang="en-US" altLang="zh-CN" b="0" i="0" dirty="0" smtClean="0">
+            <a:endParaRPr lang="en-US" altLang="zh-CN" b="0" i="0" dirty="0">
               <a:effectLst/>
               <a:latin typeface="+mj-lt"/>
               <a:ea typeface="+mj-ea"/>
@@ -4300,7 +4251,7 @@
           </a:p>
           <a:p>
             <a:r>
-              <a:rPr lang="zh-CN" altLang="en-US" b="0" i="0" dirty="0" smtClean="0">
+              <a:rPr lang="zh-CN" altLang="en-US" b="0" i="0" dirty="0">
                 <a:effectLst/>
                 <a:latin typeface="+mj-lt"/>
                 <a:ea typeface="+mj-ea"/>
@@ -4309,7 +4260,7 @@
               </a:rPr>
               <a:t>我接收到用户的输入，现在交给你，你看要怎么处理，如果需要我的协助就告诉我。</a:t>
             </a:r>
-            <a:endParaRPr lang="en-US" altLang="zh-CN" b="0" i="0" dirty="0" smtClean="0">
+            <a:endParaRPr lang="en-US" altLang="zh-CN" b="0" i="0" dirty="0">
               <a:effectLst/>
               <a:latin typeface="+mj-lt"/>
               <a:ea typeface="+mj-ea"/>
@@ -4319,7 +4270,7 @@
           </a:p>
           <a:p>
             <a:r>
-              <a:rPr lang="zh-CN" altLang="en-US" b="0" i="0" dirty="0" smtClean="0">
+              <a:rPr lang="zh-CN" altLang="en-US" b="0" i="0" dirty="0">
                 <a:effectLst/>
                 <a:latin typeface="+mj-lt"/>
                 <a:ea typeface="+mj-ea"/>
@@ -4329,7 +4280,7 @@
               <a:t>我接受到用户的输入，我现在需要你的协助，因为</a:t>
             </a:r>
             <a:r>
-              <a:rPr lang="en-US" altLang="zh-CN" b="0" i="0" dirty="0" smtClean="0">
+              <a:rPr lang="en-US" altLang="zh-CN" b="0" i="0" dirty="0">
                 <a:effectLst/>
                 <a:latin typeface="+mj-lt"/>
                 <a:ea typeface="+mj-ea"/>
@@ -4339,7 +4290,7 @@
               <a:t>Model</a:t>
             </a:r>
             <a:r>
-              <a:rPr lang="zh-CN" altLang="en-US" b="0" i="0" dirty="0" smtClean="0">
+              <a:rPr lang="zh-CN" altLang="en-US" b="0" i="0" dirty="0">
                 <a:effectLst/>
                 <a:latin typeface="+mj-lt"/>
                 <a:ea typeface="+mj-ea"/>
@@ -4348,7 +4299,7 @@
               </a:rPr>
               <a:t>只跟你打交道。</a:t>
             </a:r>
-            <a:endParaRPr lang="en-US" altLang="zh-CN" b="0" i="0" dirty="0" smtClean="0">
+            <a:endParaRPr lang="en-US" altLang="zh-CN" b="0" i="0" dirty="0">
               <a:effectLst/>
               <a:latin typeface="+mj-lt"/>
               <a:ea typeface="+mj-ea"/>
@@ -4357,7 +4308,7 @@
             </a:endParaRPr>
           </a:p>
           <a:p>
-            <a:endParaRPr lang="en-US" altLang="zh-CN" b="0" i="0" dirty="0" smtClean="0">
+            <a:endParaRPr lang="en-US" altLang="zh-CN" b="0" i="0" dirty="0">
               <a:effectLst/>
               <a:latin typeface="+mj-lt"/>
               <a:ea typeface="+mj-ea"/>
@@ -4367,7 +4318,7 @@
           </a:p>
           <a:p>
             <a:r>
-              <a:rPr lang="en-US" altLang="zh-CN" b="0" i="0" dirty="0" smtClean="0">
+              <a:rPr lang="en-US" altLang="zh-CN" b="0" i="0" dirty="0">
                 <a:effectLst/>
                 <a:latin typeface="+mj-lt"/>
                 <a:ea typeface="+mj-ea"/>
@@ -4377,7 +4328,7 @@
               <a:t>Presenter</a:t>
             </a:r>
             <a:r>
-              <a:rPr lang="zh-CN" altLang="en-US" b="0" i="0" dirty="0" smtClean="0">
+              <a:rPr lang="zh-CN" altLang="en-US" b="0" i="0" dirty="0">
                 <a:effectLst/>
                 <a:latin typeface="+mj-lt"/>
                 <a:ea typeface="+mj-ea"/>
@@ -4387,7 +4338,7 @@
               <a:t>是控制的中心，</a:t>
             </a:r>
             <a:r>
-              <a:rPr lang="en-US" altLang="zh-CN" b="0" i="0" dirty="0" smtClean="0">
+              <a:rPr lang="en-US" altLang="zh-CN" b="0" i="0" dirty="0">
                 <a:effectLst/>
                 <a:latin typeface="+mj-lt"/>
                 <a:ea typeface="+mj-ea"/>
@@ -4397,7 +4348,7 @@
               <a:t>View</a:t>
             </a:r>
             <a:r>
-              <a:rPr lang="zh-CN" altLang="en-US" b="0" i="0" dirty="0" smtClean="0">
+              <a:rPr lang="zh-CN" altLang="en-US" b="0" i="0" dirty="0">
                 <a:effectLst/>
                 <a:latin typeface="+mj-lt"/>
                 <a:ea typeface="+mj-ea"/>
@@ -4407,7 +4358,7 @@
               <a:t>只是辅助，</a:t>
             </a:r>
             <a:r>
-              <a:rPr lang="en-US" altLang="zh-CN" b="0" i="0" dirty="0" smtClean="0">
+              <a:rPr lang="en-US" altLang="zh-CN" b="0" i="0" dirty="0">
                 <a:effectLst/>
                 <a:latin typeface="+mj-lt"/>
                 <a:ea typeface="+mj-ea"/>
@@ -4417,7 +4368,7 @@
               <a:t>View</a:t>
             </a:r>
             <a:r>
-              <a:rPr lang="zh-CN" altLang="en-US" b="0" i="0" dirty="0" smtClean="0">
+              <a:rPr lang="zh-CN" altLang="en-US" b="0" i="0" dirty="0">
                 <a:effectLst/>
                 <a:latin typeface="+mj-lt"/>
                 <a:ea typeface="+mj-ea"/>
@@ -4426,7 +4377,7 @@
               </a:rPr>
               <a:t>中只处理简单的判断筛选逻辑，不应该有业务相关的操作。</a:t>
             </a:r>
-            <a:endParaRPr lang="en-US" altLang="zh-CN" b="0" i="0" dirty="0" smtClean="0">
+            <a:endParaRPr lang="en-US" altLang="zh-CN" b="0" i="0" dirty="0">
               <a:effectLst/>
               <a:latin typeface="+mj-lt"/>
               <a:ea typeface="+mj-ea"/>
@@ -4436,7 +4387,7 @@
           </a:p>
           <a:p>
             <a:r>
-              <a:rPr lang="zh-CN" altLang="en-US" b="0" i="0" dirty="0" smtClean="0">
+              <a:rPr lang="zh-CN" altLang="en-US" b="0" i="0" dirty="0">
                 <a:effectLst/>
                 <a:latin typeface="+mj-lt"/>
                 <a:ea typeface="+mj-ea"/>
@@ -4446,7 +4397,7 @@
               <a:t>显示用户信息</a:t>
             </a:r>
             <a:r>
-              <a:rPr lang="en-US" altLang="zh-CN" b="0" i="0" dirty="0" err="1" smtClean="0">
+              <a:rPr lang="en-US" altLang="zh-CN" b="0" i="0" dirty="0" err="1">
                 <a:effectLst/>
                 <a:latin typeface="+mj-lt"/>
                 <a:ea typeface="+mj-ea"/>
@@ -4906,7 +4857,7 @@
           <a:lstStyle/>
           <a:p>
             <a:r>
-              <a:rPr kumimoji="1" lang="zh-CN" altLang="en-US" dirty="0" smtClean="0"/>
+              <a:rPr kumimoji="1" lang="zh-CN" altLang="en-US" dirty="0"/>
               <a:t>特点：</a:t>
             </a:r>
             <a:endParaRPr kumimoji="1" lang="en-US" altLang="zh-CN" dirty="0"/>
@@ -4918,22 +4869,14 @@
             </a:r>
             <a:r>
               <a:rPr kumimoji="1" lang="zh-CN" altLang="en-US" dirty="0"/>
-              <a:t>只处理界面显示，接受用户</a:t>
-            </a:r>
-            <a:r>
-              <a:rPr kumimoji="1" lang="zh-CN" altLang="en-US" dirty="0" smtClean="0"/>
-              <a:t>输入</a:t>
-            </a:r>
-            <a:endParaRPr kumimoji="1" lang="en-US" altLang="zh-CN" dirty="0" smtClean="0"/>
-          </a:p>
-          <a:p>
-            <a:r>
-              <a:rPr kumimoji="1" lang="zh-CN" altLang="en-US" dirty="0" smtClean="0"/>
-              <a:t>所有</a:t>
-            </a:r>
+              <a:t>只处理界面显示，接受用户输入</a:t>
+            </a:r>
+            <a:endParaRPr kumimoji="1" lang="en-US" altLang="zh-CN" dirty="0"/>
+          </a:p>
+          <a:p>
             <a:r>
               <a:rPr kumimoji="1" lang="zh-CN" altLang="en-US" dirty="0"/>
-              <a:t>的业务逻辑在</a:t>
+              <a:t>所有的业务逻辑在</a:t>
             </a:r>
             <a:r>
               <a:rPr kumimoji="1" lang="en-US" altLang="zh-CN" dirty="0"/>
@@ -4941,29 +4884,25 @@
             </a:r>
             <a:r>
               <a:rPr kumimoji="1" lang="zh-CN" altLang="en-US" dirty="0"/>
-              <a:t>中</a:t>
-            </a:r>
-            <a:r>
-              <a:rPr kumimoji="1" lang="zh-CN" altLang="en-US" dirty="0" smtClean="0"/>
-              <a:t>实现</a:t>
-            </a:r>
-            <a:endParaRPr kumimoji="1" lang="en-US" altLang="zh-CN" dirty="0" smtClean="0"/>
-          </a:p>
-          <a:p>
-            <a:r>
-              <a:rPr kumimoji="1" lang="en-US" altLang="zh-CN" dirty="0" smtClean="0"/>
+              <a:t>中实现</a:t>
+            </a:r>
+            <a:endParaRPr kumimoji="1" lang="en-US" altLang="zh-CN" dirty="0"/>
+          </a:p>
+          <a:p>
+            <a:r>
+              <a:rPr kumimoji="1" lang="en-US" altLang="zh-CN" dirty="0"/>
               <a:t>View</a:t>
             </a:r>
             <a:r>
-              <a:rPr kumimoji="1" lang="zh-CN" altLang="en-US" dirty="0" smtClean="0"/>
+              <a:rPr kumimoji="1" lang="zh-CN" altLang="en-US" dirty="0"/>
               <a:t>与</a:t>
             </a:r>
             <a:r>
-              <a:rPr kumimoji="1" lang="en-US" altLang="zh-CN" dirty="0" smtClean="0"/>
+              <a:rPr kumimoji="1" lang="en-US" altLang="zh-CN" dirty="0"/>
               <a:t>Model</a:t>
             </a:r>
             <a:r>
-              <a:rPr kumimoji="1" lang="zh-CN" altLang="en-US" dirty="0" smtClean="0"/>
+              <a:rPr kumimoji="1" lang="zh-CN" altLang="en-US" dirty="0"/>
               <a:t>完全解耦</a:t>
             </a:r>
             <a:endParaRPr kumimoji="1" lang="en-US" altLang="zh-CN" dirty="0"/>
@@ -4981,19 +4920,11 @@
           <a:p>
             <a:r>
               <a:rPr kumimoji="1" lang="en-US" altLang="zh-CN" dirty="0"/>
-              <a:t>1</a:t>
-            </a:r>
-            <a:r>
-              <a:rPr kumimoji="1" lang="en-US" altLang="zh-CN" dirty="0" smtClean="0"/>
-              <a:t>.</a:t>
-            </a:r>
-            <a:r>
-              <a:rPr kumimoji="1" lang="zh-CN" altLang="en-US" dirty="0" smtClean="0"/>
-              <a:t>随着</a:t>
+              <a:t>1.</a:t>
             </a:r>
             <a:r>
               <a:rPr kumimoji="1" lang="zh-CN" altLang="en-US" dirty="0"/>
-              <a:t>业务的增多</a:t>
+              <a:t>随着业务的增多</a:t>
             </a:r>
             <a:r>
               <a:rPr kumimoji="1" lang="en-US" altLang="zh-CN" dirty="0"/>
@@ -5467,7 +5398,7 @@
           <a:p>
             <a:fld id="{82F288E0-7875-42C4-84C8-98DBBD3BF4D2}" type="datetimeFigureOut">
               <a:rPr lang="zh-CN" altLang="en-US" smtClean="0"/>
-              <a:t>2019/6/21</a:t>
+              <a:t>2020/7/6</a:t>
             </a:fld>
             <a:endParaRPr lang="zh-CN" altLang="en-US"/>
           </a:p>
@@ -6646,11 +6577,11 @@
           </a:lstStyle>
           <a:p>
             <a:r>
-              <a:rPr lang="en-US" altLang="zh-CN" sz="4200" dirty="0" smtClean="0"/>
+              <a:rPr lang="en-US" altLang="zh-CN" sz="4200" dirty="0"/>
               <a:t>APP</a:t>
             </a:r>
             <a:r>
-              <a:rPr lang="zh-CN" altLang="en-US" sz="4200" dirty="0" smtClean="0"/>
+              <a:rPr lang="zh-CN" altLang="en-US" sz="4200" dirty="0"/>
               <a:t>模板与柔派适配说明</a:t>
             </a:r>
             <a:endParaRPr sz="4200" dirty="0"/>
@@ -6797,7 +6728,7 @@
               </a:defRPr>
             </a:pPr>
             <a:r>
-              <a:rPr lang="en-US" dirty="0" smtClean="0"/>
+              <a:rPr lang="en-US" dirty="0"/>
               <a:t>2019/6/21</a:t>
             </a:r>
             <a:endParaRPr dirty="0"/>
@@ -6884,7 +6815,7 @@
               <a:buNone/>
             </a:pPr>
             <a:r>
-              <a:rPr kumimoji="0" lang="en-US" altLang="zh-CN" sz="2400" b="0" i="0" u="none" strike="noStrike" cap="none" spc="0" normalizeH="0" baseline="0" dirty="0" err="1" smtClean="0">
+              <a:rPr kumimoji="0" lang="en-US" altLang="zh-CN" sz="2400" b="0" i="0" u="none" strike="noStrike" cap="none" spc="0" normalizeH="0" baseline="0" dirty="0" err="1">
                 <a:ln>
                   <a:noFill/>
                 </a:ln>
@@ -6901,7 +6832,7 @@
               <a:t>LiveData</a:t>
             </a:r>
             <a:r>
-              <a:rPr kumimoji="0" lang="zh-CN" altLang="en-US" sz="2400" b="0" i="0" u="none" strike="noStrike" cap="none" spc="0" normalizeH="0" baseline="0" dirty="0" smtClean="0">
+              <a:rPr kumimoji="0" lang="zh-CN" altLang="en-US" sz="2400" b="0" i="0" u="none" strike="noStrike" cap="none" spc="0" normalizeH="0" baseline="0" dirty="0">
                 <a:ln>
                   <a:noFill/>
                 </a:ln>
@@ -6917,20 +6848,6 @@
               </a:rPr>
               <a:t>（可选）</a:t>
             </a:r>
-            <a:endParaRPr kumimoji="0" lang="zh-CN" altLang="en-US" sz="2400" b="0" i="0" u="none" strike="noStrike" cap="none" spc="0" normalizeH="0" baseline="0" dirty="0">
-              <a:ln>
-                <a:noFill/>
-              </a:ln>
-              <a:solidFill>
-                <a:srgbClr val="000000"/>
-              </a:solidFill>
-              <a:effectLst/>
-              <a:uFillTx/>
-              <a:latin typeface="+mn-lt"/>
-              <a:ea typeface="+mn-ea"/>
-              <a:cs typeface="+mn-cs"/>
-              <a:sym typeface="Helvetica"/>
-            </a:endParaRPr>
           </a:p>
         </p:txBody>
       </p:sp>
@@ -6982,21 +6899,9 @@
             </a:r>
             <a:r>
               <a:rPr lang="zh-CN" altLang="en-US" dirty="0"/>
-              <a:t>是一个可被观察的</a:t>
-            </a:r>
-            <a:r>
-              <a:rPr lang="zh-CN" altLang="en-US" dirty="0" smtClean="0"/>
-              <a:t>数据</a:t>
-            </a:r>
-            <a:r>
-              <a:rPr lang="zh-CN" altLang="en-US" dirty="0"/>
-              <a:t>包装器</a:t>
-            </a:r>
-            <a:r>
-              <a:rPr lang="zh-CN" altLang="en-US" dirty="0" smtClean="0"/>
-              <a:t>类，可以用来包装任何数据，包括集合类等。被包装的数据发生变化时，观察者能接收到通知。</a:t>
-            </a:r>
-            <a:endParaRPr lang="en-US" altLang="zh-CN" dirty="0" smtClean="0"/>
+              <a:t>是一个可被观察的数据包装器类，可以用来包装任何数据，包括集合类等。被包装的数据发生变化时，观察者能接收到通知。</a:t>
+            </a:r>
+            <a:endParaRPr lang="en-US" altLang="zh-CN" dirty="0"/>
           </a:p>
           <a:p>
             <a:pPr marL="285750" indent="-285750">
@@ -7009,15 +6914,7 @@
             </a:r>
             <a:r>
               <a:rPr lang="zh-CN" altLang="en-US" dirty="0"/>
-              <a:t>可以感知应用组件生命周期变化</a:t>
-            </a:r>
-            <a:r>
-              <a:rPr lang="zh-CN" altLang="en-US" dirty="0" smtClean="0"/>
-              <a:t>，不需要手动处理生命周期。当</a:t>
-            </a:r>
-            <a:r>
-              <a:rPr lang="zh-CN" altLang="en-US" dirty="0"/>
-              <a:t>应用组件处于非活跃状态时，即使被</a:t>
+              <a:t>可以感知应用组件生命周期变化，不需要手动处理生命周期。当应用组件处于非活跃状态时，即使被</a:t>
             </a:r>
             <a:r>
               <a:rPr lang="en-US" altLang="zh-CN" dirty="0" err="1"/>
@@ -7051,13 +6948,9 @@
             </a:r>
             <a:r>
               <a:rPr lang="zh-CN" altLang="en-US" dirty="0"/>
-              <a:t>由于配置更改（如设备旋转）而重新创建，它会立即收到最新的可用数据</a:t>
-            </a:r>
-            <a:r>
-              <a:rPr lang="zh-CN" altLang="en-US" dirty="0" smtClean="0"/>
-              <a:t>。</a:t>
-            </a:r>
-            <a:endParaRPr lang="en-US" altLang="zh-CN" dirty="0" smtClean="0"/>
+              <a:t>由于配置更改（如设备旋转）而重新创建，它会立即收到最新的可用数据。</a:t>
+            </a:r>
+            <a:endParaRPr lang="en-US" altLang="zh-CN" dirty="0"/>
           </a:p>
           <a:p>
             <a:pPr marL="285750" indent="-285750">
@@ -7065,70 +6958,70 @@
               <a:buChar char="•"/>
             </a:pPr>
             <a:r>
-              <a:rPr lang="en-US" altLang="zh-CN" dirty="0" smtClean="0"/>
+              <a:rPr lang="en-US" altLang="zh-CN" dirty="0"/>
               <a:t>View</a:t>
             </a:r>
             <a:r>
-              <a:rPr lang="zh-CN" altLang="en-US" dirty="0" smtClean="0"/>
+              <a:rPr lang="zh-CN" altLang="en-US" dirty="0"/>
               <a:t> </a:t>
             </a:r>
             <a:r>
-              <a:rPr lang="en-US" altLang="zh-CN" dirty="0" smtClean="0"/>
+              <a:rPr lang="en-US" altLang="zh-CN" dirty="0"/>
               <a:t>(</a:t>
             </a:r>
             <a:r>
-              <a:rPr lang="zh-CN" altLang="en-US" dirty="0" smtClean="0"/>
+              <a:rPr lang="zh-CN" altLang="en-US" dirty="0"/>
               <a:t>应用组件</a:t>
             </a:r>
             <a:r>
-              <a:rPr lang="en-US" altLang="zh-CN" dirty="0" smtClean="0"/>
+              <a:rPr lang="en-US" altLang="zh-CN" dirty="0"/>
               <a:t>)</a:t>
             </a:r>
             <a:r>
-              <a:rPr lang="zh-CN" altLang="en-US" dirty="0" smtClean="0"/>
+              <a:rPr lang="zh-CN" altLang="en-US" dirty="0"/>
               <a:t>通过监听</a:t>
             </a:r>
             <a:r>
-              <a:rPr lang="en-US" altLang="zh-CN" dirty="0" err="1" smtClean="0"/>
+              <a:rPr lang="en-US" altLang="zh-CN" dirty="0" err="1"/>
               <a:t>LiveData</a:t>
             </a:r>
             <a:r>
-              <a:rPr lang="zh-CN" altLang="en-US" dirty="0" smtClean="0"/>
+              <a:rPr lang="zh-CN" altLang="en-US" dirty="0"/>
               <a:t>来更新界面，可以减少</a:t>
             </a:r>
             <a:r>
-              <a:rPr lang="en-US" altLang="zh-CN" dirty="0" smtClean="0"/>
+              <a:rPr lang="en-US" altLang="zh-CN" dirty="0"/>
               <a:t>Presenter</a:t>
             </a:r>
             <a:r>
-              <a:rPr lang="zh-CN" altLang="en-US" dirty="0" smtClean="0"/>
+              <a:rPr lang="zh-CN" altLang="en-US" dirty="0"/>
               <a:t>与</a:t>
             </a:r>
             <a:r>
-              <a:rPr lang="en-US" altLang="zh-CN" dirty="0" smtClean="0"/>
+              <a:rPr lang="en-US" altLang="zh-CN" dirty="0"/>
               <a:t>View</a:t>
             </a:r>
             <a:r>
-              <a:rPr lang="zh-CN" altLang="en-US" dirty="0" smtClean="0"/>
+              <a:rPr lang="zh-CN" altLang="en-US" dirty="0"/>
               <a:t>之间的调用，简化</a:t>
             </a:r>
             <a:r>
-              <a:rPr lang="en-US" altLang="zh-CN" dirty="0" smtClean="0"/>
+              <a:rPr lang="en-US" altLang="zh-CN" dirty="0"/>
               <a:t>Presenter</a:t>
             </a:r>
             <a:r>
-              <a:rPr lang="zh-CN" altLang="en-US" dirty="0" smtClean="0"/>
+              <a:rPr lang="zh-CN" altLang="en-US" dirty="0"/>
               <a:t>与</a:t>
             </a:r>
             <a:r>
-              <a:rPr lang="en-US" altLang="zh-CN" dirty="0" smtClean="0"/>
+              <a:rPr lang="en-US" altLang="zh-CN" dirty="0"/>
               <a:t>View</a:t>
             </a:r>
             <a:r>
-              <a:rPr lang="zh-CN" altLang="en-US" dirty="0" smtClean="0"/>
+              <a:rPr lang="zh-CN" altLang="en-US" dirty="0"/>
               <a:t>的代码。</a:t>
             </a:r>
-            <a:endParaRPr lang="en-US" altLang="zh-CN" dirty="0" smtClean="0"/>
+            <a:endParaRPr lang="en-US" altLang="zh-CN" dirty="0"/>
           </a:p>
           <a:p>
             <a:pPr marL="285750" indent="-285750">
@@ -7161,13 +7054,8 @@
             </a:r>
             <a:r>
               <a:rPr lang="zh-CN" altLang="en-US" dirty="0"/>
-              <a:t>方法，否则可能会导致内存泄漏</a:t>
-            </a:r>
-            <a:r>
-              <a:rPr lang="zh-CN" altLang="en-US" dirty="0" smtClean="0"/>
-              <a:t>。</a:t>
-            </a:r>
-            <a:endParaRPr lang="zh-CN" altLang="en-US" dirty="0"/>
+              <a:t>方法，否则可能会导致内存泄漏。</a:t>
+            </a:r>
           </a:p>
         </p:txBody>
       </p:sp>
@@ -7609,7 +7497,7 @@
               <a:buNone/>
             </a:pPr>
             <a:r>
-              <a:rPr kumimoji="0" lang="en-US" altLang="zh-CN" sz="1400" b="0" i="0" u="none" strike="noStrike" cap="none" spc="0" normalizeH="0" baseline="0" dirty="0" err="1" smtClean="0">
+              <a:rPr kumimoji="0" lang="en-US" altLang="zh-CN" sz="1400" b="0" i="0" u="none" strike="noStrike" cap="none" spc="0" normalizeH="0" baseline="0" dirty="0" err="1">
                 <a:ln>
                   <a:noFill/>
                 </a:ln>
@@ -7696,7 +7584,7 @@
               <a:buNone/>
             </a:pPr>
             <a:r>
-              <a:rPr kumimoji="0" lang="en-US" altLang="zh-CN" sz="1800" b="0" i="0" u="none" strike="noStrike" cap="none" spc="0" normalizeH="0" baseline="0" dirty="0" smtClean="0">
+              <a:rPr kumimoji="0" lang="en-US" altLang="zh-CN" sz="1800" b="0" i="0" u="none" strike="noStrike" cap="none" spc="0" normalizeH="0" baseline="0" dirty="0">
                 <a:ln>
                   <a:noFill/>
                 </a:ln>
@@ -7783,7 +7671,7 @@
               <a:buNone/>
             </a:pPr>
             <a:r>
-              <a:rPr kumimoji="0" lang="en-US" altLang="zh-CN" sz="1800" b="0" i="0" u="none" strike="noStrike" cap="none" spc="0" normalizeH="0" baseline="0" dirty="0" smtClean="0">
+              <a:rPr kumimoji="0" lang="en-US" altLang="zh-CN" sz="1800" b="0" i="0" u="none" strike="noStrike" cap="none" spc="0" normalizeH="0" baseline="0" dirty="0">
                 <a:ln>
                   <a:noFill/>
                 </a:ln>
@@ -7856,7 +7744,7 @@
               <a:buNone/>
             </a:pPr>
             <a:r>
-              <a:rPr kumimoji="0" lang="en-US" altLang="zh-CN" sz="1800" b="0" i="0" u="none" strike="noStrike" cap="none" spc="0" normalizeH="0" baseline="0" dirty="0" smtClean="0">
+              <a:rPr kumimoji="0" lang="en-US" altLang="zh-CN" sz="1800" b="0" i="0" u="none" strike="noStrike" cap="none" spc="0" normalizeH="0" baseline="0" dirty="0">
                 <a:ln>
                   <a:noFill/>
                 </a:ln>
@@ -7948,7 +7836,7 @@
               <a:buNone/>
             </a:pPr>
             <a:r>
-              <a:rPr kumimoji="0" lang="en-US" altLang="zh-CN" sz="1400" b="0" i="0" u="none" strike="noStrike" cap="none" spc="0" normalizeH="0" baseline="0" dirty="0" err="1" smtClean="0">
+              <a:rPr kumimoji="0" lang="en-US" altLang="zh-CN" sz="1400" b="0" i="0" u="none" strike="noStrike" cap="none" spc="0" normalizeH="0" baseline="0" dirty="0" err="1">
                 <a:ln>
                   <a:noFill/>
                 </a:ln>
@@ -8066,7 +7954,7 @@
               <a:buChar char="•"/>
             </a:pPr>
             <a:r>
-              <a:rPr kumimoji="0" lang="zh-CN" altLang="en-US" sz="1800" b="0" i="0" u="none" strike="noStrike" cap="none" spc="0" normalizeH="0" baseline="0" dirty="0" smtClean="0">
+              <a:rPr kumimoji="0" lang="zh-CN" altLang="en-US" sz="1800" b="0" i="0" u="none" strike="noStrike" cap="none" spc="0" normalizeH="0" baseline="0" dirty="0">
                 <a:ln>
                   <a:noFill/>
                 </a:ln>
@@ -8083,7 +7971,7 @@
               <a:t>将</a:t>
             </a:r>
             <a:r>
-              <a:rPr kumimoji="0" lang="en-US" altLang="zh-CN" sz="1800" b="0" i="0" u="none" strike="noStrike" cap="none" spc="0" normalizeH="0" baseline="0" dirty="0" smtClean="0">
+              <a:rPr kumimoji="0" lang="en-US" altLang="zh-CN" sz="1800" b="0" i="0" u="none" strike="noStrike" cap="none" spc="0" normalizeH="0" baseline="0" dirty="0">
                 <a:ln>
                   <a:noFill/>
                 </a:ln>
@@ -8100,7 +7988,7 @@
               <a:t>MVP</a:t>
             </a:r>
             <a:r>
-              <a:rPr kumimoji="0" lang="zh-CN" altLang="en-US" sz="1800" b="0" i="0" u="none" strike="noStrike" cap="none" spc="0" normalizeH="0" baseline="0" dirty="0" smtClean="0">
+              <a:rPr kumimoji="0" lang="zh-CN" altLang="en-US" sz="1800" b="0" i="0" u="none" strike="noStrike" cap="none" spc="0" normalizeH="0" baseline="0" dirty="0">
                 <a:ln>
                   <a:noFill/>
                 </a:ln>
@@ -8117,14 +8005,14 @@
               <a:t>与</a:t>
             </a:r>
             <a:r>
-              <a:rPr lang="en-US" altLang="zh-CN" dirty="0" smtClean="0"/>
+              <a:rPr lang="en-US" altLang="zh-CN" dirty="0"/>
               <a:t>Android</a:t>
             </a:r>
             <a:r>
-              <a:rPr lang="zh-CN" altLang="en-US" dirty="0" smtClean="0"/>
+              <a:rPr lang="zh-CN" altLang="en-US" dirty="0"/>
               <a:t>的架构组件相结合</a:t>
             </a:r>
-            <a:endParaRPr lang="en-US" altLang="zh-CN" dirty="0" smtClean="0"/>
+            <a:endParaRPr lang="en-US" altLang="zh-CN" dirty="0"/>
           </a:p>
           <a:p>
             <a:pPr marL="285750" marR="0" indent="-285750" algn="l" defTabSz="914400" rtl="0" fontAlgn="auto" latinLnBrk="0" hangingPunct="0">
@@ -8143,7 +8031,7 @@
               <a:buChar char="•"/>
             </a:pPr>
             <a:r>
-              <a:rPr kumimoji="0" lang="zh-CN" altLang="en-US" sz="1800" b="0" i="0" u="none" strike="noStrike" cap="none" spc="0" normalizeH="0" baseline="0" dirty="0" smtClean="0">
+              <a:rPr kumimoji="0" lang="zh-CN" altLang="en-US" sz="1800" b="0" i="0" u="none" strike="noStrike" cap="none" spc="0" normalizeH="0" baseline="0" dirty="0">
                 <a:ln>
                   <a:noFill/>
                 </a:ln>
@@ -8160,7 +8048,7 @@
               <a:t>用</a:t>
             </a:r>
             <a:r>
-              <a:rPr kumimoji="0" lang="en-US" altLang="zh-CN" sz="1800" b="0" i="0" u="none" strike="noStrike" cap="none" spc="0" normalizeH="0" baseline="0" dirty="0" smtClean="0">
+              <a:rPr kumimoji="0" lang="en-US" altLang="zh-CN" sz="1800" b="0" i="0" u="none" strike="noStrike" cap="none" spc="0" normalizeH="0" baseline="0" dirty="0">
                 <a:ln>
                   <a:noFill/>
                 </a:ln>
@@ -8177,11 +8065,11 @@
               <a:t>MVP</a:t>
             </a:r>
             <a:r>
-              <a:rPr lang="zh-CN" altLang="en-US" dirty="0" smtClean="0"/>
+              <a:rPr lang="zh-CN" altLang="en-US" dirty="0"/>
               <a:t>来实现</a:t>
             </a:r>
             <a:r>
-              <a:rPr kumimoji="0" lang="zh-CN" altLang="en-US" sz="1800" b="0" i="0" u="none" strike="noStrike" cap="none" spc="0" normalizeH="0" baseline="0" dirty="0" smtClean="0">
+              <a:rPr kumimoji="0" lang="zh-CN" altLang="en-US" sz="1800" b="0" i="0" u="none" strike="noStrike" cap="none" spc="0" normalizeH="0" baseline="0" dirty="0">
                 <a:ln>
                   <a:noFill/>
                 </a:ln>
@@ -8197,7 +8085,7 @@
               </a:rPr>
               <a:t>关注点的分离</a:t>
             </a:r>
-            <a:endParaRPr kumimoji="0" lang="en-US" altLang="zh-CN" sz="1800" b="0" i="0" u="none" strike="noStrike" cap="none" spc="0" normalizeH="0" baseline="0" dirty="0" smtClean="0">
+            <a:endParaRPr kumimoji="0" lang="en-US" altLang="zh-CN" sz="1800" b="0" i="0" u="none" strike="noStrike" cap="none" spc="0" normalizeH="0" baseline="0" dirty="0">
               <a:ln>
                 <a:noFill/>
               </a:ln>
@@ -8229,18 +8117,18 @@
               <a:buChar char="•"/>
             </a:pPr>
             <a:r>
-              <a:rPr lang="zh-CN" altLang="en-US" dirty="0" smtClean="0"/>
+              <a:rPr lang="zh-CN" altLang="en-US" dirty="0"/>
               <a:t>用</a:t>
             </a:r>
             <a:r>
-              <a:rPr lang="en-US" altLang="zh-CN" dirty="0" err="1" smtClean="0"/>
+              <a:rPr lang="en-US" altLang="zh-CN" dirty="0" err="1"/>
               <a:t>ViewModel</a:t>
             </a:r>
             <a:r>
-              <a:rPr lang="zh-CN" altLang="en-US" dirty="0" smtClean="0"/>
+              <a:rPr lang="zh-CN" altLang="en-US" dirty="0"/>
               <a:t>来保存数据与状态</a:t>
             </a:r>
-            <a:endParaRPr lang="en-US" altLang="zh-CN" dirty="0" smtClean="0"/>
+            <a:endParaRPr lang="en-US" altLang="zh-CN" dirty="0"/>
           </a:p>
           <a:p>
             <a:pPr marL="285750" marR="0" indent="-285750" algn="l" defTabSz="914400" rtl="0" fontAlgn="auto" latinLnBrk="0" hangingPunct="0">
@@ -8259,14 +8147,13 @@
               <a:buChar char="•"/>
             </a:pPr>
             <a:r>
-              <a:rPr lang="zh-CN" altLang="en-US" dirty="0" smtClean="0"/>
+              <a:rPr lang="zh-CN" altLang="en-US" dirty="0"/>
               <a:t>当业务逻辑复杂时，可以根据业务拆分成多个</a:t>
             </a:r>
             <a:r>
               <a:rPr lang="en-US" altLang="zh-CN" dirty="0"/>
               <a:t>MVP</a:t>
             </a:r>
-            <a:endParaRPr lang="en-US" altLang="zh-CN" dirty="0" smtClean="0"/>
           </a:p>
         </p:txBody>
       </p:sp>
@@ -8324,7 +8211,7 @@
               <a:buNone/>
             </a:pPr>
             <a:r>
-              <a:rPr kumimoji="0" lang="en-US" altLang="zh-CN" sz="1800" b="0" i="0" u="none" strike="noStrike" cap="none" spc="0" normalizeH="0" baseline="0" dirty="0" smtClean="0">
+              <a:rPr kumimoji="0" lang="en-US" altLang="zh-CN" sz="1800" b="0" i="0" u="none" strike="noStrike" cap="none" spc="0" normalizeH="0" baseline="0" dirty="0">
                 <a:ln>
                   <a:noFill/>
                 </a:ln>
@@ -8341,7 +8228,7 @@
               <a:t>MVP</a:t>
             </a:r>
             <a:r>
-              <a:rPr kumimoji="0" lang="zh-CN" altLang="en-US" sz="1800" b="0" i="0" u="none" strike="noStrike" cap="none" spc="0" normalizeH="0" baseline="0" dirty="0" smtClean="0">
+              <a:rPr kumimoji="0" lang="zh-CN" altLang="en-US" sz="1800" b="0" i="0" u="none" strike="noStrike" cap="none" spc="0" normalizeH="0" baseline="0" dirty="0">
                 <a:ln>
                   <a:noFill/>
                 </a:ln>
@@ -8357,20 +8244,6 @@
               </a:rPr>
               <a:t>架构特点：</a:t>
             </a:r>
-            <a:endParaRPr kumimoji="0" lang="zh-CN" altLang="en-US" sz="1800" b="0" i="0" u="none" strike="noStrike" cap="none" spc="0" normalizeH="0" baseline="0" dirty="0">
-              <a:ln>
-                <a:noFill/>
-              </a:ln>
-              <a:solidFill>
-                <a:srgbClr val="000000"/>
-              </a:solidFill>
-              <a:effectLst/>
-              <a:uFillTx/>
-              <a:latin typeface="+mn-lt"/>
-              <a:ea typeface="+mn-ea"/>
-              <a:cs typeface="+mn-cs"/>
-              <a:sym typeface="Helvetica"/>
-            </a:endParaRPr>
           </a:p>
         </p:txBody>
       </p:sp>
@@ -8524,7 +8397,7 @@
               <a:buNone/>
             </a:pPr>
             <a:r>
-              <a:rPr kumimoji="0" lang="zh-CN" altLang="en-US" sz="1800" b="1" i="0" u="none" strike="noStrike" cap="none" spc="0" normalizeH="0" baseline="0" dirty="0" smtClean="0">
+              <a:rPr kumimoji="0" lang="zh-CN" altLang="en-US" sz="1800" b="1" i="0" u="none" strike="noStrike" cap="none" spc="0" normalizeH="0" baseline="0" dirty="0">
                 <a:ln>
                   <a:noFill/>
                 </a:ln>
@@ -8541,7 +8414,7 @@
               <a:t>新项目必须使用此</a:t>
             </a:r>
             <a:r>
-              <a:rPr kumimoji="0" lang="en-US" altLang="zh-CN" sz="1800" b="1" i="0" u="none" strike="noStrike" cap="none" spc="0" normalizeH="0" baseline="0" dirty="0" smtClean="0">
+              <a:rPr kumimoji="0" lang="en-US" altLang="zh-CN" sz="1800" b="1" i="0" u="none" strike="noStrike" cap="none" spc="0" normalizeH="0" baseline="0" dirty="0">
                 <a:ln>
                   <a:noFill/>
                 </a:ln>
@@ -8562,7 +8435,7 @@
               <a:t>框架</a:t>
             </a:r>
             <a:r>
-              <a:rPr kumimoji="0" lang="zh-CN" altLang="en-US" sz="1800" b="1" i="0" u="none" strike="noStrike" cap="none" spc="0" normalizeH="0" baseline="0" dirty="0" smtClean="0">
+              <a:rPr kumimoji="0" lang="zh-CN" altLang="en-US" sz="1800" b="1" i="0" u="none" strike="noStrike" cap="none" spc="0" normalizeH="0" baseline="0" dirty="0">
                 <a:ln>
                   <a:noFill/>
                 </a:ln>
@@ -8578,20 +8451,6 @@
               </a:rPr>
               <a:t>，旧项目建议按照此架构逐步重构</a:t>
             </a:r>
-            <a:endParaRPr kumimoji="0" lang="zh-CN" altLang="en-US" sz="1800" b="1" i="0" u="none" strike="noStrike" cap="none" spc="0" normalizeH="0" baseline="0" dirty="0">
-              <a:ln>
-                <a:noFill/>
-              </a:ln>
-              <a:solidFill>
-                <a:srgbClr val="000000"/>
-              </a:solidFill>
-              <a:effectLst/>
-              <a:uFillTx/>
-              <a:latin typeface="+mn-lt"/>
-              <a:ea typeface="+mn-ea"/>
-              <a:cs typeface="+mn-cs"/>
-              <a:sym typeface="Helvetica"/>
-            </a:endParaRPr>
           </a:p>
         </p:txBody>
       </p:sp>
@@ -8634,22 +8493,22 @@
           <a:lstStyle/>
           <a:p>
             <a:r>
-              <a:rPr lang="en-US" altLang="zh-CN" dirty="0" smtClean="0"/>
+              <a:rPr lang="en-US" altLang="zh-CN" dirty="0"/>
               <a:t>Demo</a:t>
             </a:r>
             <a:r>
-              <a:rPr lang="zh-CN" altLang="en-US" dirty="0" smtClean="0"/>
+              <a:rPr lang="zh-CN" altLang="en-US" dirty="0"/>
               <a:t>地址：</a:t>
             </a:r>
-            <a:endParaRPr lang="en-US" altLang="zh-CN" dirty="0" smtClean="0"/>
-          </a:p>
-          <a:p>
-            <a:r>
-              <a:rPr lang="en-US" altLang="zh-CN" dirty="0" smtClean="0"/>
+            <a:endParaRPr lang="en-US" altLang="zh-CN" dirty="0"/>
+          </a:p>
+          <a:p>
+            <a:r>
+              <a:rPr lang="en-US" altLang="zh-CN" dirty="0"/>
               <a:t>git@172.16.100.140:ANDROID_APP_GROUP/common-demo-</a:t>
             </a:r>
             <a:r>
-              <a:rPr lang="en-US" altLang="zh-CN" dirty="0" err="1" smtClean="0"/>
+              <a:rPr lang="en-US" altLang="zh-CN" dirty="0" err="1"/>
               <a:t>app.git</a:t>
             </a:r>
             <a:endParaRPr kumimoji="0" lang="zh-CN" altLang="en-US" sz="1800" b="0" i="0" u="none" strike="noStrike" cap="none" spc="0" normalizeH="0" baseline="0" dirty="0">
@@ -8754,16 +8613,12 @@
               <a:buNone/>
             </a:pPr>
             <a:r>
-              <a:rPr lang="en-US" altLang="zh-CN" sz="2400" dirty="0" smtClean="0"/>
+              <a:rPr lang="en-US" altLang="zh-CN" sz="2400" dirty="0"/>
               <a:t>APP</a:t>
             </a:r>
             <a:r>
-              <a:rPr lang="zh-CN" altLang="en-US" sz="2400" dirty="0" smtClean="0"/>
-              <a:t>依赖</a:t>
-            </a:r>
-            <a:r>
               <a:rPr lang="zh-CN" altLang="en-US" sz="2400" dirty="0"/>
-              <a:t>库</a:t>
+              <a:t>依赖库</a:t>
             </a:r>
             <a:endParaRPr kumimoji="0" lang="zh-CN" altLang="en-US" sz="2400" b="0" i="0" u="none" strike="noStrike" cap="none" spc="0" normalizeH="0" baseline="0" dirty="0">
               <a:ln>
@@ -8833,7 +8688,7 @@
               <a:buNone/>
             </a:pPr>
             <a:r>
-              <a:rPr kumimoji="0" lang="en-US" altLang="zh-CN" sz="1800" b="1" i="0" u="none" strike="noStrike" cap="none" spc="0" normalizeH="0" baseline="0" dirty="0" err="1" smtClean="0">
+              <a:rPr kumimoji="0" lang="en-US" altLang="zh-CN" sz="1800" b="1" i="0" u="none" strike="noStrike" cap="none" spc="0" normalizeH="0" baseline="0" dirty="0" err="1">
                 <a:ln>
                   <a:noFill/>
                 </a:ln>
@@ -8906,11 +8761,7 @@
           <a:p>
             <a:r>
               <a:rPr lang="en-US" altLang="zh-CN" dirty="0"/>
-              <a:t> </a:t>
-            </a:r>
-            <a:r>
-              <a:rPr lang="en-US" altLang="zh-CN" dirty="0" smtClean="0"/>
-              <a:t>Google</a:t>
+              <a:t> Google</a:t>
             </a:r>
             <a:r>
               <a:rPr lang="zh-CN" altLang="en-US" dirty="0"/>
@@ -8918,27 +8769,19 @@
             </a:r>
             <a:r>
               <a:rPr lang="en-US" altLang="zh-CN" dirty="0"/>
-              <a:t>Android Support Library </a:t>
-            </a:r>
-            <a:r>
-              <a:rPr lang="en-US" altLang="zh-CN" dirty="0" smtClean="0"/>
-              <a:t>package</a:t>
-            </a:r>
-            <a:r>
-              <a:rPr lang="zh-CN" altLang="en-US" dirty="0" smtClean="0"/>
+              <a:t>Android Support Library package</a:t>
+            </a:r>
+            <a:r>
+              <a:rPr lang="zh-CN" altLang="en-US" dirty="0"/>
               <a:t>（</a:t>
             </a:r>
             <a:r>
-              <a:rPr lang="en-US" altLang="zh-CN" dirty="0" smtClean="0"/>
+              <a:rPr lang="en-US" altLang="zh-CN" dirty="0"/>
               <a:t>Android</a:t>
             </a:r>
             <a:r>
-              <a:rPr lang="zh-CN" altLang="en-US" dirty="0" smtClean="0"/>
-              <a:t>支持包）系列</a:t>
-            </a:r>
-            <a:r>
               <a:rPr lang="zh-CN" altLang="en-US" dirty="0"/>
-              <a:t>的包来保证来高版本</a:t>
+              <a:t>支持包）系列的包来保证来高版本</a:t>
             </a:r>
             <a:r>
               <a:rPr lang="en-US" altLang="zh-CN" dirty="0" err="1"/>
@@ -8946,37 +8789,32 @@
             </a:r>
             <a:r>
               <a:rPr lang="zh-CN" altLang="en-US" dirty="0"/>
-              <a:t>开发的向下兼容</a:t>
-            </a:r>
-            <a:r>
-              <a:rPr lang="zh-CN" altLang="en-US" dirty="0" smtClean="0"/>
-              <a:t>性。</a:t>
-            </a:r>
-            <a:r>
-              <a:rPr lang="en-US" altLang="zh-CN" dirty="0" err="1" smtClean="0"/>
+              <a:t>开发的向下兼容性。</a:t>
+            </a:r>
+            <a:r>
+              <a:rPr lang="en-US" altLang="zh-CN" dirty="0" err="1"/>
               <a:t>AndroidX</a:t>
             </a:r>
             <a:r>
-              <a:rPr lang="zh-CN" altLang="en-US" dirty="0" smtClean="0"/>
+              <a:rPr lang="zh-CN" altLang="en-US" dirty="0"/>
               <a:t>（</a:t>
             </a:r>
             <a:r>
-              <a:rPr lang="en-US" altLang="zh-CN" dirty="0" smtClean="0"/>
+              <a:rPr lang="en-US" altLang="zh-CN" dirty="0"/>
               <a:t>Android</a:t>
             </a:r>
             <a:r>
-              <a:rPr lang="zh-CN" altLang="en-US" dirty="0" smtClean="0"/>
+              <a:rPr lang="zh-CN" altLang="en-US" dirty="0"/>
               <a:t>扩展库）就是用来替换</a:t>
             </a:r>
             <a:r>
-              <a:rPr lang="en-US" altLang="zh-CN" dirty="0" smtClean="0"/>
+              <a:rPr lang="en-US" altLang="zh-CN" dirty="0"/>
               <a:t>Android Support Library package</a:t>
             </a:r>
             <a:r>
-              <a:rPr lang="zh-CN" altLang="en-US" dirty="0" smtClean="0"/>
+              <a:rPr lang="zh-CN" altLang="en-US" dirty="0"/>
               <a:t>的。</a:t>
             </a:r>
-            <a:endParaRPr lang="zh-CN" altLang="en-US" dirty="0"/>
           </a:p>
         </p:txBody>
       </p:sp>
@@ -9031,7 +8869,7 @@
               <a:t>，老项目建议迁移到</a:t>
             </a:r>
             <a:r>
-              <a:rPr lang="en-US" altLang="zh-CN" b="1" dirty="0" err="1" smtClean="0"/>
+              <a:rPr lang="en-US" altLang="zh-CN" b="1" dirty="0" err="1"/>
               <a:t>AndroidX</a:t>
             </a:r>
             <a:endParaRPr lang="en-US" altLang="zh-CN" b="1" dirty="0"/>
@@ -9147,16 +8985,12 @@
               <a:buNone/>
             </a:pPr>
             <a:r>
-              <a:rPr lang="en-US" altLang="zh-CN" sz="2400" dirty="0" smtClean="0"/>
+              <a:rPr lang="en-US" altLang="zh-CN" sz="2400" dirty="0"/>
               <a:t>APP</a:t>
             </a:r>
             <a:r>
-              <a:rPr lang="zh-CN" altLang="en-US" sz="2400" dirty="0" smtClean="0"/>
-              <a:t>依赖</a:t>
-            </a:r>
-            <a:r>
               <a:rPr lang="zh-CN" altLang="en-US" sz="2400" dirty="0"/>
-              <a:t>库</a:t>
+              <a:t>依赖库</a:t>
             </a:r>
             <a:endParaRPr kumimoji="0" lang="zh-CN" altLang="en-US" sz="2400" b="0" i="0" u="none" strike="noStrike" cap="none" spc="0" normalizeH="0" baseline="0" dirty="0">
               <a:ln>
@@ -9226,7 +9060,7 @@
               <a:buNone/>
             </a:pPr>
             <a:r>
-              <a:rPr kumimoji="0" lang="en-US" altLang="zh-CN" sz="1800" b="1" i="0" u="none" strike="noStrike" cap="none" spc="0" normalizeH="0" baseline="0" dirty="0" err="1" smtClean="0">
+              <a:rPr kumimoji="0" lang="en-US" altLang="zh-CN" sz="1800" b="1" i="0" u="none" strike="noStrike" cap="none" spc="0" normalizeH="0" baseline="0" dirty="0" err="1">
                 <a:ln>
                   <a:noFill/>
                 </a:ln>
@@ -9243,7 +9077,7 @@
               <a:t>Royole</a:t>
             </a:r>
             <a:r>
-              <a:rPr kumimoji="0" lang="zh-CN" altLang="en-US" sz="1800" b="1" i="0" u="none" strike="noStrike" cap="none" spc="0" normalizeH="0" baseline="0" dirty="0" smtClean="0">
+              <a:rPr kumimoji="0" lang="zh-CN" altLang="en-US" sz="1800" b="1" i="0" u="none" strike="noStrike" cap="none" spc="0" normalizeH="0" baseline="0" dirty="0">
                 <a:ln>
                   <a:noFill/>
                 </a:ln>
@@ -9259,20 +9093,6 @@
               </a:rPr>
               <a:t>基础库</a:t>
             </a:r>
-            <a:endParaRPr kumimoji="0" lang="zh-CN" altLang="en-US" sz="1800" b="1" i="0" u="none" strike="noStrike" cap="none" spc="0" normalizeH="0" baseline="0" dirty="0">
-              <a:ln>
-                <a:noFill/>
-              </a:ln>
-              <a:solidFill>
-                <a:srgbClr val="000000"/>
-              </a:solidFill>
-              <a:effectLst/>
-              <a:uFillTx/>
-              <a:latin typeface="+mn-lt"/>
-              <a:ea typeface="+mn-ea"/>
-              <a:cs typeface="+mn-cs"/>
-              <a:sym typeface="Helvetica"/>
-            </a:endParaRPr>
           </a:p>
         </p:txBody>
       </p:sp>
@@ -9319,7 +9139,7 @@
               <a:buChar char="•"/>
             </a:pPr>
             <a:r>
-              <a:rPr lang="zh-CN" altLang="en-US" dirty="0" smtClean="0">
+              <a:rPr lang="zh-CN" altLang="en-US" dirty="0">
                 <a:solidFill>
                   <a:schemeClr val="tx1"/>
                 </a:solidFill>
@@ -9334,19 +9154,9 @@
                 <a:latin typeface="Consolas" panose="020B0609020204030204" pitchFamily="49" charset="0"/>
                 <a:cs typeface="Consolas" panose="020B0609020204030204" pitchFamily="49" charset="0"/>
               </a:rPr>
-              <a:t>com.royole.app:common-util-android:1.0.</a:t>
-            </a:r>
-            <a:r>
-              <a:rPr lang="zh-CN" altLang="zh-CN" b="1" dirty="0" smtClean="0">
-                <a:solidFill>
-                  <a:schemeClr val="tx1"/>
-                </a:solidFill>
-                <a:latin typeface="Consolas" panose="020B0609020204030204" pitchFamily="49" charset="0"/>
-                <a:cs typeface="Consolas" panose="020B0609020204030204" pitchFamily="49" charset="0"/>
-              </a:rPr>
-              <a:t>0</a:t>
-            </a:r>
-            <a:endParaRPr lang="en-US" altLang="zh-CN" dirty="0" smtClean="0">
+              <a:t>com.royole.app:common-util-android:1.0.0</a:t>
+            </a:r>
+            <a:endParaRPr lang="en-US" altLang="zh-CN" dirty="0">
               <a:solidFill>
                 <a:schemeClr val="tx1"/>
               </a:solidFill>
@@ -9358,7 +9168,7 @@
               <a:buChar char="•"/>
             </a:pPr>
             <a:r>
-              <a:rPr kumimoji="0" lang="zh-CN" altLang="en-US" sz="1800" b="0" i="0" u="none" strike="noStrike" cap="none" spc="0" normalizeH="0" baseline="0" dirty="0" smtClean="0">
+              <a:rPr kumimoji="0" lang="zh-CN" altLang="en-US" sz="1800" b="0" i="0" u="none" strike="noStrike" cap="none" spc="0" normalizeH="0" baseline="0" dirty="0">
                 <a:ln>
                   <a:noFill/>
                 </a:ln>
@@ -9375,7 +9185,7 @@
               <a:t>权限申请库</a:t>
             </a:r>
             <a:r>
-              <a:rPr lang="zh-CN" altLang="en-US" dirty="0" smtClean="0">
+              <a:rPr lang="zh-CN" altLang="en-US" dirty="0">
                 <a:solidFill>
                   <a:schemeClr val="tx1"/>
                 </a:solidFill>
@@ -9390,19 +9200,9 @@
                 <a:latin typeface="Consolas" panose="020B0609020204030204" pitchFamily="49" charset="0"/>
                 <a:cs typeface="Consolas" panose="020B0609020204030204" pitchFamily="49" charset="0"/>
               </a:rPr>
-              <a:t>com.royole.service.permission:common-service-permission:1.</a:t>
-            </a:r>
-            <a:r>
-              <a:rPr lang="zh-CN" altLang="zh-CN" b="1" dirty="0" smtClean="0">
-                <a:solidFill>
-                  <a:schemeClr val="tx1"/>
-                </a:solidFill>
-                <a:latin typeface="Consolas" panose="020B0609020204030204" pitchFamily="49" charset="0"/>
-                <a:cs typeface="Consolas" panose="020B0609020204030204" pitchFamily="49" charset="0"/>
-              </a:rPr>
-              <a:t>1</a:t>
-            </a:r>
-            <a:endParaRPr kumimoji="0" lang="en-US" altLang="zh-CN" sz="1800" b="0" i="0" u="none" strike="noStrike" cap="none" spc="0" normalizeH="0" baseline="0" dirty="0" smtClean="0">
+              <a:t>com.royole.service.permission:common-service-permission:1.1</a:t>
+            </a:r>
+            <a:endParaRPr kumimoji="0" lang="en-US" altLang="zh-CN" sz="1800" b="0" i="0" u="none" strike="noStrike" cap="none" spc="0" normalizeH="0" baseline="0" dirty="0">
               <a:ln>
                 <a:noFill/>
               </a:ln>
@@ -9420,7 +9220,7 @@
               <a:buChar char="•"/>
             </a:pPr>
             <a:r>
-              <a:rPr lang="zh-CN" altLang="en-US" dirty="0" smtClean="0">
+              <a:rPr lang="zh-CN" altLang="en-US" dirty="0">
                 <a:solidFill>
                   <a:schemeClr val="tx1"/>
                 </a:solidFill>
@@ -9435,19 +9235,9 @@
                 <a:latin typeface="Consolas" panose="020B0609020204030204" pitchFamily="49" charset="0"/>
                 <a:cs typeface="Consolas" panose="020B0609020204030204" pitchFamily="49" charset="0"/>
               </a:rPr>
-              <a:t>com.royole.app:commonlog:1.0.</a:t>
-            </a:r>
-            <a:r>
-              <a:rPr lang="zh-CN" altLang="zh-CN" b="1" dirty="0" smtClean="0">
-                <a:solidFill>
-                  <a:schemeClr val="tx1"/>
-                </a:solidFill>
-                <a:latin typeface="Consolas" panose="020B0609020204030204" pitchFamily="49" charset="0"/>
-                <a:cs typeface="Consolas" panose="020B0609020204030204" pitchFamily="49" charset="0"/>
-              </a:rPr>
-              <a:t>2</a:t>
-            </a:r>
-            <a:endParaRPr lang="en-US" altLang="zh-CN" dirty="0" smtClean="0">
+              <a:t>com.royole.app:commonlog:1.0.2</a:t>
+            </a:r>
+            <a:endParaRPr lang="en-US" altLang="zh-CN" dirty="0">
               <a:solidFill>
                 <a:schemeClr val="tx1"/>
               </a:solidFill>
@@ -9459,7 +9249,7 @@
               <a:buChar char="•"/>
             </a:pPr>
             <a:r>
-              <a:rPr lang="zh-CN" altLang="en-US" dirty="0" smtClean="0">
+              <a:rPr lang="zh-CN" altLang="en-US" dirty="0">
                 <a:solidFill>
                   <a:schemeClr val="tx1"/>
                 </a:solidFill>
@@ -9474,19 +9264,9 @@
                 <a:latin typeface="Consolas" panose="020B0609020204030204" pitchFamily="49" charset="0"/>
                 <a:cs typeface="Consolas" panose="020B0609020204030204" pitchFamily="49" charset="0"/>
               </a:rPr>
-              <a:t>com.royole.app:ryblutetooth:1.</a:t>
-            </a:r>
-            <a:r>
-              <a:rPr lang="zh-CN" altLang="zh-CN" b="1" dirty="0" smtClean="0">
-                <a:solidFill>
-                  <a:schemeClr val="tx1"/>
-                </a:solidFill>
-                <a:latin typeface="Consolas" panose="020B0609020204030204" pitchFamily="49" charset="0"/>
-                <a:cs typeface="Consolas" panose="020B0609020204030204" pitchFamily="49" charset="0"/>
-              </a:rPr>
-              <a:t>1</a:t>
-            </a:r>
-            <a:endParaRPr lang="en-US" altLang="zh-CN" dirty="0" smtClean="0">
+              <a:t>com.royole.app:ryblutetooth:1.1</a:t>
+            </a:r>
+            <a:endParaRPr lang="en-US" altLang="zh-CN" dirty="0">
               <a:solidFill>
                 <a:schemeClr val="tx1"/>
               </a:solidFill>
@@ -9498,7 +9278,7 @@
               <a:buChar char="•"/>
             </a:pPr>
             <a:r>
-              <a:rPr kumimoji="0" lang="en-US" altLang="zh-CN" sz="1800" b="0" i="0" u="none" strike="noStrike" cap="none" spc="0" normalizeH="0" baseline="0" dirty="0" smtClean="0">
+              <a:rPr kumimoji="0" lang="en-US" altLang="zh-CN" sz="1800" b="0" i="0" u="none" strike="noStrike" cap="none" spc="0" normalizeH="0" baseline="0" dirty="0">
                 <a:ln>
                   <a:noFill/>
                 </a:ln>
@@ -9515,7 +9295,7 @@
               <a:t>MVP</a:t>
             </a:r>
             <a:r>
-              <a:rPr kumimoji="0" lang="zh-CN" altLang="en-US" sz="1800" b="0" i="0" u="none" strike="noStrike" cap="none" spc="0" normalizeH="0" baseline="0" dirty="0" smtClean="0">
+              <a:rPr kumimoji="0" lang="zh-CN" altLang="en-US" sz="1800" b="0" i="0" u="none" strike="noStrike" cap="none" spc="0" normalizeH="0" baseline="0" dirty="0">
                 <a:ln>
                   <a:noFill/>
                 </a:ln>
@@ -9529,24 +9309,7 @@
                 <a:cs typeface="+mn-cs"/>
                 <a:sym typeface="Helvetica"/>
               </a:rPr>
-              <a:t>框架</a:t>
-            </a:r>
-            <a:r>
-              <a:rPr kumimoji="0" lang="zh-CN" altLang="en-US" sz="1800" b="0" i="0" u="none" strike="noStrike" cap="none" spc="0" normalizeH="0" baseline="0" dirty="0" smtClean="0">
-                <a:ln>
-                  <a:noFill/>
-                </a:ln>
-                <a:solidFill>
-                  <a:schemeClr val="tx1"/>
-                </a:solidFill>
-                <a:effectLst/>
-                <a:uFillTx/>
-                <a:latin typeface="+mn-lt"/>
-                <a:ea typeface="+mn-ea"/>
-                <a:cs typeface="+mn-cs"/>
-                <a:sym typeface="Helvetica"/>
-              </a:rPr>
-              <a:t>库：</a:t>
+              <a:t>框架库：</a:t>
             </a:r>
             <a:r>
               <a:rPr lang="zh-CN" altLang="zh-CN" b="1" dirty="0">
@@ -9556,17 +9319,7 @@
                 <a:latin typeface="Consolas" panose="020B0609020204030204" pitchFamily="49" charset="0"/>
                 <a:cs typeface="Consolas" panose="020B0609020204030204" pitchFamily="49" charset="0"/>
               </a:rPr>
-              <a:t>com.royole.app:mvp-base:1.1.</a:t>
-            </a:r>
-            <a:r>
-              <a:rPr lang="zh-CN" altLang="zh-CN" b="1" dirty="0" smtClean="0">
-                <a:solidFill>
-                  <a:schemeClr val="tx1"/>
-                </a:solidFill>
-                <a:latin typeface="Consolas" panose="020B0609020204030204" pitchFamily="49" charset="0"/>
-                <a:cs typeface="Consolas" panose="020B0609020204030204" pitchFamily="49" charset="0"/>
-              </a:rPr>
-              <a:t>0</a:t>
+              <a:t>com.royole.app:mvp-base:1.1.0</a:t>
             </a:r>
             <a:endParaRPr lang="zh-CN" altLang="zh-CN" sz="2800" dirty="0">
               <a:solidFill>
@@ -9620,18 +9373,11 @@
           <a:lstStyle/>
           <a:p>
             <a:r>
-              <a:rPr lang="zh-CN" altLang="zh-CN" dirty="0" smtClean="0">
-                <a:latin typeface="Consolas" panose="020B0609020204030204" pitchFamily="49" charset="0"/>
-                <a:cs typeface="Consolas" panose="020B0609020204030204" pitchFamily="49" charset="0"/>
-              </a:rPr>
-              <a:t>allprojects </a:t>
-            </a:r>
-            <a:r>
               <a:rPr lang="zh-CN" altLang="zh-CN" dirty="0">
                 <a:latin typeface="Consolas" panose="020B0609020204030204" pitchFamily="49" charset="0"/>
                 <a:cs typeface="Consolas" panose="020B0609020204030204" pitchFamily="49" charset="0"/>
               </a:rPr>
-              <a:t>{</a:t>
+              <a:t>allprojects {</a:t>
             </a:r>
             <a:br>
               <a:rPr lang="zh-CN" altLang="zh-CN" dirty="0">
@@ -9660,18 +9406,11 @@
               <a:t>        </a:t>
             </a:r>
             <a:r>
-              <a:rPr lang="en-US" altLang="zh-CN" dirty="0" smtClean="0">
+              <a:rPr lang="en-US" altLang="zh-CN" dirty="0">
                 <a:latin typeface="Consolas" panose="020B0609020204030204" pitchFamily="49" charset="0"/>
                 <a:cs typeface="Consolas" panose="020B0609020204030204" pitchFamily="49" charset="0"/>
               </a:rPr>
               <a:t>...</a:t>
-            </a:r>
-            <a:r>
-              <a:rPr lang="zh-CN" altLang="zh-CN" dirty="0">
-                <a:latin typeface="Consolas" panose="020B0609020204030204" pitchFamily="49" charset="0"/>
-                <a:cs typeface="Consolas" panose="020B0609020204030204" pitchFamily="49" charset="0"/>
-              </a:rPr>
-              <a:t/>
             </a:r>
             <a:br>
               <a:rPr lang="zh-CN" altLang="zh-CN" dirty="0">
@@ -9755,7 +9494,7 @@
               </a:rPr>
             </a:br>
             <a:r>
-              <a:rPr lang="zh-CN" altLang="zh-CN" dirty="0" smtClean="0">
+              <a:rPr lang="zh-CN" altLang="zh-CN" dirty="0">
                 <a:latin typeface="Consolas" panose="020B0609020204030204" pitchFamily="49" charset="0"/>
                 <a:cs typeface="Consolas" panose="020B0609020204030204" pitchFamily="49" charset="0"/>
               </a:rPr>
@@ -9827,56 +9566,35 @@
                 <a:latin typeface="Consolas" panose="020B0609020204030204" pitchFamily="49" charset="0"/>
                 <a:cs typeface="Consolas" panose="020B0609020204030204" pitchFamily="49" charset="0"/>
               </a:rPr>
-              <a:t>服务器</a:t>
-            </a:r>
-            <a:r>
-              <a:rPr lang="zh-CN" altLang="en-US" dirty="0" smtClean="0">
+              <a:t>服务器上。引入这些基础库时，需要在项目</a:t>
+            </a:r>
+            <a:r>
+              <a:rPr lang="en-US" altLang="zh-CN" dirty="0" err="1">
                 <a:latin typeface="Consolas" panose="020B0609020204030204" pitchFamily="49" charset="0"/>
                 <a:cs typeface="Consolas" panose="020B0609020204030204" pitchFamily="49" charset="0"/>
               </a:rPr>
-              <a:t>上。引入</a:t>
+              <a:t>build.gradle</a:t>
             </a:r>
             <a:r>
               <a:rPr lang="zh-CN" altLang="en-US" dirty="0">
                 <a:latin typeface="Consolas" panose="020B0609020204030204" pitchFamily="49" charset="0"/>
                 <a:cs typeface="Consolas" panose="020B0609020204030204" pitchFamily="49" charset="0"/>
               </a:rPr>
-              <a:t>这些基础库时，需要在项目</a:t>
-            </a:r>
-            <a:r>
-              <a:rPr lang="en-US" altLang="zh-CN" dirty="0" err="1">
+              <a:t>中，加入公司</a:t>
+            </a:r>
+            <a:r>
+              <a:rPr lang="en-US" altLang="zh-CN" dirty="0">
                 <a:latin typeface="Consolas" panose="020B0609020204030204" pitchFamily="49" charset="0"/>
                 <a:cs typeface="Consolas" panose="020B0609020204030204" pitchFamily="49" charset="0"/>
               </a:rPr>
-              <a:t>build.gradle</a:t>
+              <a:t>maven</a:t>
             </a:r>
             <a:r>
               <a:rPr lang="zh-CN" altLang="en-US" dirty="0">
                 <a:latin typeface="Consolas" panose="020B0609020204030204" pitchFamily="49" charset="0"/>
                 <a:cs typeface="Consolas" panose="020B0609020204030204" pitchFamily="49" charset="0"/>
               </a:rPr>
-              <a:t>中，加入公司</a:t>
-            </a:r>
-            <a:r>
-              <a:rPr lang="en-US" altLang="zh-CN" dirty="0">
-                <a:latin typeface="Consolas" panose="020B0609020204030204" pitchFamily="49" charset="0"/>
-                <a:cs typeface="Consolas" panose="020B0609020204030204" pitchFamily="49" charset="0"/>
-              </a:rPr>
-              <a:t>maven</a:t>
-            </a:r>
-            <a:r>
-              <a:rPr lang="zh-CN" altLang="en-US" dirty="0">
-                <a:latin typeface="Consolas" panose="020B0609020204030204" pitchFamily="49" charset="0"/>
-                <a:cs typeface="Consolas" panose="020B0609020204030204" pitchFamily="49" charset="0"/>
-              </a:rPr>
-              <a:t>服务器的</a:t>
-            </a:r>
-            <a:r>
-              <a:rPr lang="zh-CN" altLang="en-US" dirty="0" smtClean="0">
-                <a:latin typeface="Consolas" panose="020B0609020204030204" pitchFamily="49" charset="0"/>
-                <a:cs typeface="Consolas" panose="020B0609020204030204" pitchFamily="49" charset="0"/>
-              </a:rPr>
-              <a:t>地址：</a:t>
+              <a:t>服务器的地址：</a:t>
             </a:r>
             <a:endParaRPr lang="en-US" altLang="zh-CN" dirty="0">
               <a:latin typeface="Consolas" panose="020B0609020204030204" pitchFamily="49" charset="0"/>
@@ -9971,11 +9689,7 @@
             </a:pPr>
             <a:r>
               <a:rPr lang="zh-CN" altLang="en-US" sz="4000" dirty="0"/>
-              <a:t>柔</a:t>
-            </a:r>
-            <a:r>
-              <a:rPr lang="zh-CN" altLang="en-US" sz="4000" dirty="0" smtClean="0"/>
-              <a:t>派屏幕适配</a:t>
+              <a:t>柔派屏幕适配</a:t>
             </a:r>
             <a:endParaRPr kumimoji="0" lang="zh-CN" altLang="en-US" sz="4000" b="0" i="0" u="none" strike="noStrike" cap="none" spc="0" normalizeH="0" baseline="0" dirty="0">
               <a:ln>
@@ -10147,10 +9861,9 @@
                     <a:p>
                       <a:pPr algn="ctr"/>
                       <a:r>
-                        <a:rPr lang="zh-CN" altLang="en-US" sz="1600" dirty="0" smtClean="0"/>
+                        <a:rPr lang="zh-CN" altLang="en-US" sz="1600" dirty="0"/>
                         <a:t>屏幕密度</a:t>
                       </a:r>
-                      <a:endParaRPr lang="zh-CN" altLang="en-US" sz="1600" dirty="0"/>
                     </a:p>
                   </a:txBody>
                   <a:tcPr anchor="ctr"/>
@@ -10162,10 +9875,9 @@
                     <a:p>
                       <a:pPr algn="ctr"/>
                       <a:r>
-                        <a:rPr lang="zh-CN" altLang="en-US" sz="1600" dirty="0" smtClean="0"/>
+                        <a:rPr lang="zh-CN" altLang="en-US" sz="1600" dirty="0"/>
                         <a:t>屏幕分辨率</a:t>
                       </a:r>
-                      <a:endParaRPr lang="zh-CN" altLang="en-US" sz="1600" dirty="0"/>
                     </a:p>
                   </a:txBody>
                   <a:tcPr anchor="ctr"/>
@@ -10193,7 +9905,7 @@
                         <a:defRPr/>
                       </a:pPr>
                       <a:r>
-                        <a:rPr lang="zh-CN" altLang="en-US" sz="1600" dirty="0" smtClean="0"/>
+                        <a:rPr lang="zh-CN" altLang="en-US" sz="1600" dirty="0"/>
                         <a:t>最小宽度限定符</a:t>
                       </a:r>
                     </a:p>
@@ -10207,10 +9919,9 @@
                     <a:p>
                       <a:pPr algn="ctr"/>
                       <a:r>
-                        <a:rPr lang="zh-CN" altLang="en-US" sz="1600" dirty="0" smtClean="0"/>
+                        <a:rPr lang="zh-CN" altLang="en-US" sz="1600" dirty="0"/>
                         <a:t>分辨率限定符</a:t>
                       </a:r>
-                      <a:endParaRPr lang="zh-CN" altLang="en-US" sz="1600" dirty="0"/>
                     </a:p>
                   </a:txBody>
                   <a:tcPr anchor="ctr"/>
@@ -10229,10 +9940,9 @@
                     <a:p>
                       <a:pPr algn="ctr"/>
                       <a:r>
-                        <a:rPr lang="zh-CN" altLang="en-US" sz="1600" dirty="0" smtClean="0"/>
+                        <a:rPr lang="zh-CN" altLang="en-US" sz="1600" dirty="0"/>
                         <a:t>大屏</a:t>
                       </a:r>
-                      <a:endParaRPr lang="zh-CN" altLang="en-US" sz="1600" dirty="0"/>
                     </a:p>
                   </a:txBody>
                   <a:tcPr anchor="ctr"/>
@@ -10244,7 +9954,7 @@
                     <a:p>
                       <a:pPr algn="ctr"/>
                       <a:r>
-                        <a:rPr lang="en-US" altLang="zh-CN" sz="1600" dirty="0" smtClean="0"/>
+                        <a:rPr lang="en-US" altLang="zh-CN" sz="1600" dirty="0"/>
                         <a:t>308</a:t>
                       </a:r>
                       <a:endParaRPr lang="zh-CN" altLang="en-US" sz="1600" dirty="0"/>
@@ -10259,7 +9969,7 @@
                     <a:p>
                       <a:pPr algn="ctr"/>
                       <a:r>
-                        <a:rPr lang="en-US" altLang="zh-CN" sz="1600" dirty="0" smtClean="0"/>
+                        <a:rPr lang="en-US" altLang="zh-CN" sz="1600" dirty="0"/>
                         <a:t>1920x1440</a:t>
                       </a:r>
                       <a:endParaRPr lang="zh-CN" altLang="en-US" sz="1600" dirty="0"/>
@@ -10290,10 +10000,10 @@
                         <a:defRPr/>
                       </a:pPr>
                       <a:r>
-                        <a:rPr lang="en-US" altLang="zh-CN" sz="1600" dirty="0" smtClean="0"/>
+                        <a:rPr lang="en-US" altLang="zh-CN" sz="1600" dirty="0"/>
                         <a:t>xxx-sw720dp</a:t>
                       </a:r>
-                      <a:endParaRPr lang="zh-CN" altLang="en-US" sz="1600" dirty="0" smtClean="0"/>
+                      <a:endParaRPr lang="zh-CN" altLang="en-US" sz="1600" dirty="0"/>
                     </a:p>
                   </a:txBody>
                   <a:tcPr anchor="ctr"/>
@@ -10305,7 +10015,7 @@
                     <a:p>
                       <a:pPr algn="ctr"/>
                       <a:r>
-                        <a:rPr lang="en-US" altLang="zh-CN" sz="1600" dirty="0" smtClean="0"/>
+                        <a:rPr lang="en-US" altLang="zh-CN" sz="1600" dirty="0"/>
                         <a:t>xxx-1920x1344</a:t>
                       </a:r>
                       <a:endParaRPr lang="zh-CN" altLang="en-US" sz="1600" dirty="0"/>
@@ -10327,18 +10037,17 @@
                     <a:p>
                       <a:pPr algn="ctr"/>
                       <a:r>
-                        <a:rPr lang="zh-CN" altLang="en-US" sz="1600" dirty="0" smtClean="0"/>
+                        <a:rPr lang="zh-CN" altLang="en-US" sz="1600" dirty="0"/>
                         <a:t>小屏</a:t>
                       </a:r>
                       <a:r>
-                        <a:rPr lang="en-US" altLang="zh-CN" sz="1600" dirty="0" smtClean="0"/>
+                        <a:rPr lang="en-US" altLang="zh-CN" sz="1600" dirty="0"/>
                         <a:t>-</a:t>
                       </a:r>
                       <a:r>
-                        <a:rPr lang="zh-CN" altLang="en-US" sz="1600" dirty="0" smtClean="0"/>
+                        <a:rPr lang="zh-CN" altLang="en-US" sz="1600" dirty="0"/>
                         <a:t>主屏</a:t>
                       </a:r>
-                      <a:endParaRPr lang="zh-CN" altLang="en-US" sz="1600" dirty="0"/>
                     </a:p>
                   </a:txBody>
                   <a:tcPr anchor="ctr"/>
@@ -10350,7 +10059,7 @@
                     <a:p>
                       <a:pPr algn="ctr"/>
                       <a:r>
-                        <a:rPr lang="en-US" altLang="zh-CN" sz="1600" dirty="0" smtClean="0"/>
+                        <a:rPr lang="en-US" altLang="zh-CN" sz="1600" dirty="0"/>
                         <a:t>308</a:t>
                       </a:r>
                       <a:endParaRPr lang="zh-CN" altLang="en-US" sz="1600" dirty="0"/>
@@ -10365,7 +10074,7 @@
                     <a:p>
                       <a:pPr algn="ctr"/>
                       <a:r>
-                        <a:rPr lang="en-US" altLang="zh-CN" sz="1600" dirty="0" smtClean="0"/>
+                        <a:rPr lang="en-US" altLang="zh-CN" sz="1600" dirty="0"/>
                         <a:t>1440x810</a:t>
                       </a:r>
                       <a:endParaRPr lang="zh-CN" altLang="en-US" sz="1600" dirty="0"/>
@@ -10396,10 +10105,10 @@
                         <a:defRPr/>
                       </a:pPr>
                       <a:r>
-                        <a:rPr lang="en-US" altLang="zh-CN" sz="1600" dirty="0" smtClean="0"/>
+                        <a:rPr lang="en-US" altLang="zh-CN" sz="1600" dirty="0"/>
                         <a:t>xxx-sw405dp</a:t>
                       </a:r>
-                      <a:endParaRPr lang="zh-CN" altLang="en-US" sz="1600" dirty="0" smtClean="0"/>
+                      <a:endParaRPr lang="zh-CN" altLang="en-US" sz="1600" dirty="0"/>
                     </a:p>
                   </a:txBody>
                   <a:tcPr anchor="ctr"/>
@@ -10427,10 +10136,10 @@
                         <a:defRPr/>
                       </a:pPr>
                       <a:r>
-                        <a:rPr lang="en-US" altLang="zh-CN" sz="1600" dirty="0" smtClean="0"/>
+                        <a:rPr lang="en-US" altLang="zh-CN" sz="1600" dirty="0"/>
                         <a:t>xxx-1344x810</a:t>
                       </a:r>
-                      <a:endParaRPr lang="zh-CN" altLang="en-US" sz="1600" dirty="0" smtClean="0"/>
+                      <a:endParaRPr lang="zh-CN" altLang="en-US" sz="1600" dirty="0"/>
                     </a:p>
                   </a:txBody>
                   <a:tcPr anchor="ctr"/>
@@ -10449,18 +10158,17 @@
                     <a:p>
                       <a:pPr algn="ctr"/>
                       <a:r>
-                        <a:rPr lang="zh-CN" altLang="en-US" sz="1600" dirty="0" smtClean="0"/>
+                        <a:rPr lang="zh-CN" altLang="en-US" sz="1600" dirty="0"/>
                         <a:t>小屏</a:t>
                       </a:r>
                       <a:r>
-                        <a:rPr lang="en-US" altLang="zh-CN" sz="1600" dirty="0" smtClean="0"/>
+                        <a:rPr lang="en-US" altLang="zh-CN" sz="1600" dirty="0"/>
                         <a:t>-</a:t>
                       </a:r>
                       <a:r>
-                        <a:rPr lang="zh-CN" altLang="en-US" sz="1600" dirty="0" smtClean="0"/>
+                        <a:rPr lang="zh-CN" altLang="en-US" sz="1600" dirty="0"/>
                         <a:t>辅屏</a:t>
                       </a:r>
-                      <a:endParaRPr lang="zh-CN" altLang="en-US" sz="1600" dirty="0"/>
                     </a:p>
                   </a:txBody>
                   <a:tcPr anchor="ctr"/>
@@ -10472,7 +10180,7 @@
                     <a:p>
                       <a:pPr algn="ctr"/>
                       <a:r>
-                        <a:rPr lang="en-US" altLang="zh-CN" sz="1600" dirty="0" smtClean="0"/>
+                        <a:rPr lang="en-US" altLang="zh-CN" sz="1600" dirty="0"/>
                         <a:t>308</a:t>
                       </a:r>
                       <a:endParaRPr lang="zh-CN" altLang="en-US" sz="1600" dirty="0"/>
@@ -10487,7 +10195,7 @@
                     <a:p>
                       <a:pPr algn="ctr"/>
                       <a:r>
-                        <a:rPr lang="en-US" altLang="zh-CN" sz="1600" dirty="0" smtClean="0"/>
+                        <a:rPr lang="en-US" altLang="zh-CN" sz="1600" dirty="0"/>
                         <a:t>1440x720</a:t>
                       </a:r>
                       <a:endParaRPr lang="zh-CN" altLang="en-US" sz="1600" dirty="0"/>
@@ -10518,10 +10226,10 @@
                         <a:defRPr/>
                       </a:pPr>
                       <a:r>
-                        <a:rPr lang="en-US" altLang="zh-CN" sz="1600" dirty="0" smtClean="0"/>
+                        <a:rPr lang="en-US" altLang="zh-CN" sz="1600" dirty="0"/>
                         <a:t>xxx-sw360dp</a:t>
                       </a:r>
-                      <a:endParaRPr lang="zh-CN" altLang="en-US" sz="1600" dirty="0" smtClean="0"/>
+                      <a:endParaRPr lang="zh-CN" altLang="en-US" sz="1600" dirty="0"/>
                     </a:p>
                   </a:txBody>
                   <a:tcPr anchor="ctr"/>
@@ -10549,10 +10257,10 @@
                         <a:defRPr/>
                       </a:pPr>
                       <a:r>
-                        <a:rPr lang="en-US" altLang="zh-CN" sz="1600" dirty="0" smtClean="0"/>
+                        <a:rPr lang="en-US" altLang="zh-CN" sz="1600" dirty="0"/>
                         <a:t>xxx-1344x720</a:t>
                       </a:r>
-                      <a:endParaRPr lang="zh-CN" altLang="en-US" sz="1600" dirty="0" smtClean="0"/>
+                      <a:endParaRPr lang="zh-CN" altLang="en-US" sz="1600" dirty="0"/>
                     </a:p>
                   </a:txBody>
                   <a:tcPr anchor="ctr"/>
@@ -10652,7 +10360,7 @@
               <a:buNone/>
             </a:pPr>
             <a:r>
-              <a:rPr kumimoji="0" lang="zh-CN" altLang="en-US" sz="2400" b="0" i="0" u="none" strike="noStrike" cap="none" spc="0" normalizeH="0" baseline="0" dirty="0" smtClean="0">
+              <a:rPr kumimoji="0" lang="zh-CN" altLang="en-US" sz="2400" b="0" i="0" u="none" strike="noStrike" cap="none" spc="0" normalizeH="0" baseline="0" dirty="0">
                 <a:ln>
                   <a:noFill/>
                 </a:ln>
@@ -10668,20 +10376,6 @@
               </a:rPr>
               <a:t>屏幕静态适配</a:t>
             </a:r>
-            <a:endParaRPr kumimoji="0" lang="zh-CN" altLang="en-US" sz="2400" b="0" i="0" u="none" strike="noStrike" cap="none" spc="0" normalizeH="0" baseline="0" dirty="0">
-              <a:ln>
-                <a:noFill/>
-              </a:ln>
-              <a:solidFill>
-                <a:srgbClr val="000000"/>
-              </a:solidFill>
-              <a:effectLst/>
-              <a:uFillTx/>
-              <a:latin typeface="+mn-lt"/>
-              <a:ea typeface="+mn-ea"/>
-              <a:cs typeface="+mn-cs"/>
-              <a:sym typeface="Helvetica"/>
-            </a:endParaRPr>
           </a:p>
         </p:txBody>
       </p:sp>
@@ -10739,7 +10433,7 @@
               <a:buNone/>
             </a:pPr>
             <a:r>
-              <a:rPr kumimoji="0" lang="zh-CN" altLang="en-US" sz="1800" b="0" i="0" u="none" strike="noStrike" cap="none" spc="0" normalizeH="0" baseline="0" dirty="0" smtClean="0">
+              <a:rPr kumimoji="0" lang="zh-CN" altLang="en-US" sz="1800" b="0" i="0" u="none" strike="noStrike" cap="none" spc="0" normalizeH="0" baseline="0" dirty="0">
                 <a:ln>
                   <a:noFill/>
                 </a:ln>
@@ -10755,20 +10449,6 @@
               </a:rPr>
               <a:t>布局加载绘制流程</a:t>
             </a:r>
-            <a:endParaRPr kumimoji="0" lang="zh-CN" altLang="en-US" sz="1800" b="0" i="0" u="none" strike="noStrike" cap="none" spc="0" normalizeH="0" baseline="0" dirty="0">
-              <a:ln>
-                <a:noFill/>
-              </a:ln>
-              <a:solidFill>
-                <a:srgbClr val="000000"/>
-              </a:solidFill>
-              <a:effectLst/>
-              <a:uFillTx/>
-              <a:latin typeface="+mn-lt"/>
-              <a:ea typeface="+mn-ea"/>
-              <a:cs typeface="+mn-cs"/>
-              <a:sym typeface="Helvetica"/>
-            </a:endParaRPr>
           </a:p>
         </p:txBody>
       </p:sp>
@@ -10874,7 +10554,7 @@
               <a:buNone/>
             </a:pPr>
             <a:r>
-              <a:rPr kumimoji="0" lang="en-US" altLang="zh-CN" sz="1400" b="0" i="0" u="none" strike="noStrike" cap="none" spc="0" normalizeH="0" baseline="0" dirty="0" smtClean="0">
+              <a:rPr kumimoji="0" lang="en-US" altLang="zh-CN" sz="1400" b="0" i="0" u="none" strike="noStrike" cap="none" spc="0" normalizeH="0" baseline="0" dirty="0">
                 <a:ln>
                   <a:noFill/>
                 </a:ln>
@@ -10981,12 +10661,8 @@
           <a:lstStyle/>
           <a:p>
             <a:r>
-              <a:rPr lang="zh-CN" altLang="en-US" dirty="0" smtClean="0"/>
-              <a:t>百分比</a:t>
-            </a:r>
-            <a:r>
               <a:rPr lang="zh-CN" altLang="en-US" dirty="0"/>
-              <a:t>适配</a:t>
+              <a:t>百分比适配</a:t>
             </a:r>
           </a:p>
         </p:txBody>
@@ -11045,7 +10721,7 @@
               <a:buNone/>
             </a:pPr>
             <a:r>
-              <a:rPr kumimoji="0" lang="zh-CN" altLang="en-US" sz="2400" b="0" i="0" u="none" strike="noStrike" cap="none" spc="0" normalizeH="0" baseline="0" dirty="0" smtClean="0">
+              <a:rPr kumimoji="0" lang="zh-CN" altLang="en-US" sz="2400" b="0" i="0" u="none" strike="noStrike" cap="none" spc="0" normalizeH="0" baseline="0" dirty="0">
                 <a:ln>
                   <a:noFill/>
                 </a:ln>
@@ -11061,20 +10737,6 @@
               </a:rPr>
               <a:t>屏幕静态适配</a:t>
             </a:r>
-            <a:endParaRPr kumimoji="0" lang="zh-CN" altLang="en-US" sz="2400" b="0" i="0" u="none" strike="noStrike" cap="none" spc="0" normalizeH="0" baseline="0" dirty="0">
-              <a:ln>
-                <a:noFill/>
-              </a:ln>
-              <a:solidFill>
-                <a:srgbClr val="000000"/>
-              </a:solidFill>
-              <a:effectLst/>
-              <a:uFillTx/>
-              <a:latin typeface="+mn-lt"/>
-              <a:ea typeface="+mn-ea"/>
-              <a:cs typeface="+mn-cs"/>
-              <a:sym typeface="Helvetica"/>
-            </a:endParaRPr>
           </a:p>
         </p:txBody>
       </p:sp>
@@ -11204,34 +10866,34 @@
               <a:buChar char="•"/>
             </a:pPr>
             <a:r>
-              <a:rPr lang="zh-CN" altLang="en-US" dirty="0" smtClean="0"/>
+              <a:rPr lang="zh-CN" altLang="en-US" dirty="0"/>
               <a:t>将</a:t>
             </a:r>
             <a:r>
-              <a:rPr lang="en-US" altLang="zh-CN" dirty="0" smtClean="0"/>
+              <a:rPr lang="en-US" altLang="zh-CN" dirty="0"/>
               <a:t>UI</a:t>
             </a:r>
             <a:r>
-              <a:rPr lang="zh-CN" altLang="en-US" dirty="0" smtClean="0"/>
+              <a:rPr lang="zh-CN" altLang="en-US" dirty="0"/>
               <a:t>设计稿缩放到目标屏幕，宽高上每个刻度对应的像素值生成到</a:t>
             </a:r>
             <a:r>
-              <a:rPr lang="en-US" altLang="zh-CN" dirty="0" smtClean="0"/>
+              <a:rPr lang="en-US" altLang="zh-CN" dirty="0"/>
               <a:t>lay_x.xml</a:t>
             </a:r>
             <a:r>
-              <a:rPr lang="zh-CN" altLang="en-US" dirty="0" smtClean="0"/>
+              <a:rPr lang="zh-CN" altLang="en-US" dirty="0"/>
               <a:t>和</a:t>
             </a:r>
             <a:r>
-              <a:rPr lang="en-US" altLang="zh-CN" dirty="0" smtClean="0"/>
+              <a:rPr lang="en-US" altLang="zh-CN" dirty="0"/>
               <a:t>lay_y.xml</a:t>
             </a:r>
             <a:r>
-              <a:rPr lang="zh-CN" altLang="en-US" dirty="0" smtClean="0"/>
+              <a:rPr lang="zh-CN" altLang="en-US" dirty="0"/>
               <a:t>。</a:t>
             </a:r>
-            <a:endParaRPr lang="en-US" altLang="zh-CN" dirty="0" smtClean="0"/>
+            <a:endParaRPr lang="en-US" altLang="zh-CN" dirty="0"/>
           </a:p>
           <a:p>
             <a:pPr marL="285750" marR="0" indent="-285750" algn="l" defTabSz="914400" rtl="0" fontAlgn="auto" latinLnBrk="0" hangingPunct="0">
@@ -11250,7 +10912,7 @@
               <a:buChar char="•"/>
             </a:pPr>
             <a:r>
-              <a:rPr kumimoji="0" lang="zh-CN" altLang="en-US" sz="1800" b="0" i="0" u="none" strike="noStrike" cap="none" spc="0" normalizeH="0" baseline="0" dirty="0" smtClean="0">
+              <a:rPr kumimoji="0" lang="zh-CN" altLang="en-US" sz="1800" b="0" i="0" u="none" strike="noStrike" cap="none" spc="0" normalizeH="0" baseline="0" dirty="0">
                 <a:ln>
                   <a:noFill/>
                 </a:ln>
@@ -11271,7 +10933,7 @@
               <a:t>分辨率</a:t>
             </a:r>
             <a:r>
-              <a:rPr kumimoji="0" lang="zh-CN" altLang="en-US" sz="1800" b="0" i="0" u="none" strike="noStrike" cap="none" spc="0" normalizeH="0" baseline="0" dirty="0" smtClean="0">
+              <a:rPr kumimoji="0" lang="zh-CN" altLang="en-US" sz="1800" b="0" i="0" u="none" strike="noStrike" cap="none" spc="0" normalizeH="0" baseline="0" dirty="0">
                 <a:ln>
                   <a:noFill/>
                 </a:ln>
@@ -11288,7 +10950,7 @@
               <a:t>选择对应的</a:t>
             </a:r>
             <a:r>
-              <a:rPr kumimoji="0" lang="en-US" altLang="zh-CN" sz="1800" b="0" i="0" u="none" strike="noStrike" cap="none" spc="0" normalizeH="0" baseline="0" dirty="0" smtClean="0">
+              <a:rPr kumimoji="0" lang="en-US" altLang="zh-CN" sz="1800" b="0" i="0" u="none" strike="noStrike" cap="none" spc="0" normalizeH="0" baseline="0" dirty="0">
                 <a:ln>
                   <a:noFill/>
                 </a:ln>
@@ -11305,7 +10967,7 @@
               <a:t>lay_x.xml</a:t>
             </a:r>
             <a:r>
-              <a:rPr kumimoji="0" lang="zh-CN" altLang="en-US" sz="1800" b="0" i="0" u="none" strike="noStrike" cap="none" spc="0" normalizeH="0" baseline="0" dirty="0" smtClean="0">
+              <a:rPr kumimoji="0" lang="zh-CN" altLang="en-US" sz="1800" b="0" i="0" u="none" strike="noStrike" cap="none" spc="0" normalizeH="0" baseline="0" dirty="0">
                 <a:ln>
                   <a:noFill/>
                 </a:ln>
@@ -11322,7 +10984,7 @@
               <a:t>和</a:t>
             </a:r>
             <a:r>
-              <a:rPr kumimoji="0" lang="en-US" altLang="zh-CN" sz="1800" b="0" i="0" u="none" strike="noStrike" cap="none" spc="0" normalizeH="0" baseline="0" dirty="0" smtClean="0">
+              <a:rPr kumimoji="0" lang="en-US" altLang="zh-CN" sz="1800" b="0" i="0" u="none" strike="noStrike" cap="none" spc="0" normalizeH="0" baseline="0" dirty="0">
                 <a:ln>
                   <a:noFill/>
                 </a:ln>
@@ -11339,10 +11001,10 @@
               <a:t>lay_y.xml</a:t>
             </a:r>
             <a:r>
-              <a:rPr lang="zh-CN" altLang="en-US" dirty="0" smtClean="0"/>
+              <a:rPr lang="zh-CN" altLang="en-US" dirty="0"/>
               <a:t>的尺寸值。</a:t>
             </a:r>
-            <a:endParaRPr lang="en-US" altLang="zh-CN" dirty="0" smtClean="0"/>
+            <a:endParaRPr lang="en-US" altLang="zh-CN" dirty="0"/>
           </a:p>
         </p:txBody>
       </p:sp>
@@ -11400,16 +11062,10 @@
               <a:buAutoNum type="arabicPeriod"/>
             </a:pPr>
             <a:r>
-              <a:rPr lang="zh-CN" altLang="en-US" dirty="0" smtClean="0">
-                <a:sym typeface="Helvetica Neue"/>
-              </a:rPr>
-              <a:t>当</a:t>
-            </a:r>
-            <a:r>
               <a:rPr lang="zh-CN" altLang="en-US" dirty="0">
                 <a:sym typeface="Helvetica Neue"/>
               </a:rPr>
-              <a:t>目标屏幕的宽高比与</a:t>
+              <a:t>当目标屏幕的宽高比与</a:t>
             </a:r>
             <a:r>
               <a:rPr lang="en-US" altLang="zh-CN" dirty="0">
@@ -11421,55 +11077,31 @@
               <a:rPr lang="zh-CN" altLang="en-US" dirty="0">
                 <a:sym typeface="Helvetica Neue"/>
               </a:rPr>
-              <a:t>稿的宽高比不一致时</a:t>
-            </a:r>
-            <a:r>
-              <a:rPr lang="zh-CN" altLang="en-US" dirty="0" smtClean="0">
+              <a:t>稿的宽高比不一致时，</a:t>
+            </a:r>
+            <a:r>
+              <a:rPr lang="en-US" altLang="zh-CN" dirty="0">
                 <a:sym typeface="Helvetica Neue"/>
               </a:rPr>
-              <a:t>，</a:t>
-            </a:r>
-            <a:r>
-              <a:rPr lang="en-US" altLang="zh-CN" dirty="0" smtClean="0">
-                <a:sym typeface="Helvetica Neue"/>
-              </a:rPr>
               <a:t>x</a:t>
-            </a:r>
-            <a:r>
-              <a:rPr lang="zh-CN" altLang="en-US" dirty="0" smtClean="0">
-                <a:sym typeface="Helvetica Neue"/>
-              </a:rPr>
-              <a:t>、</a:t>
-            </a:r>
-            <a:r>
-              <a:rPr lang="en-US" altLang="zh-CN" dirty="0" smtClean="0">
-                <a:sym typeface="Helvetica Neue"/>
-              </a:rPr>
-              <a:t>y</a:t>
-            </a:r>
-            <a:r>
-              <a:rPr lang="zh-CN" altLang="en-US" dirty="0" smtClean="0">
-                <a:sym typeface="Helvetica Neue"/>
-              </a:rPr>
-              <a:t>方向缩放系数不一致，界面</a:t>
             </a:r>
             <a:r>
               <a:rPr lang="zh-CN" altLang="en-US" dirty="0">
                 <a:sym typeface="Helvetica Neue"/>
               </a:rPr>
-              <a:t>会出现</a:t>
-            </a:r>
-            <a:r>
-              <a:rPr lang="zh-CN" altLang="en-US" dirty="0" smtClean="0">
+              <a:t>、</a:t>
+            </a:r>
+            <a:r>
+              <a:rPr lang="en-US" altLang="zh-CN" dirty="0">
                 <a:sym typeface="Helvetica Neue"/>
               </a:rPr>
-              <a:t>变形</a:t>
+              <a:t>y</a:t>
             </a:r>
             <a:r>
               <a:rPr lang="zh-CN" altLang="en-US" dirty="0">
                 <a:sym typeface="Helvetica Neue"/>
               </a:rPr>
-              <a:t>。</a:t>
+              <a:t>方向缩放系数不一致，界面会出现变形。</a:t>
             </a:r>
             <a:endParaRPr lang="en-US" altLang="zh-CN" dirty="0">
               <a:sym typeface="Helvetica Neue"/>
@@ -11481,22 +11113,10 @@
               <a:buAutoNum type="arabicPeriod"/>
             </a:pPr>
             <a:r>
-              <a:rPr lang="zh-CN" altLang="en-US" dirty="0" smtClean="0">
-                <a:sym typeface="Helvetica Neue"/>
-              </a:rPr>
-              <a:t>新</a:t>
-            </a:r>
-            <a:r>
               <a:rPr lang="zh-CN" altLang="en-US" dirty="0">
                 <a:sym typeface="Helvetica Neue"/>
               </a:rPr>
-              <a:t>出一种尺寸的屏幕的时候，需要制作一份对应的尺寸资源，否则使用默认的尺寸资源</a:t>
-            </a:r>
-            <a:r>
-              <a:rPr lang="zh-CN" altLang="en-US" dirty="0" smtClean="0">
-                <a:sym typeface="Helvetica Neue"/>
-              </a:rPr>
-              <a:t>。</a:t>
+              <a:t>新出一种尺寸的屏幕的时候，需要制作一份对应的尺寸资源，否则使用默认的尺寸资源。</a:t>
             </a:r>
             <a:endParaRPr lang="en-US" altLang="zh-CN" dirty="0">
               <a:sym typeface="Helvetica Neue"/>
@@ -11559,11 +11179,7 @@
             </a:pPr>
             <a:r>
               <a:rPr lang="zh-CN" altLang="en-US" b="1" dirty="0"/>
-              <a:t>不</a:t>
-            </a:r>
-            <a:r>
-              <a:rPr lang="zh-CN" altLang="en-US" b="1" dirty="0" smtClean="0"/>
-              <a:t>建议使用此适配方法</a:t>
+              <a:t>不建议使用此适配方法</a:t>
             </a:r>
             <a:endParaRPr kumimoji="0" lang="zh-CN" altLang="en-US" sz="1800" b="1" i="0" u="none" strike="noStrike" cap="none" spc="0" normalizeH="0" baseline="0" dirty="0">
               <a:ln>
@@ -11664,7 +11280,7 @@
               <a:buNone/>
             </a:pPr>
             <a:r>
-              <a:rPr kumimoji="0" lang="zh-CN" altLang="en-US" sz="2400" b="0" i="0" u="none" strike="noStrike" cap="none" spc="0" normalizeH="0" baseline="0" dirty="0" smtClean="0">
+              <a:rPr kumimoji="0" lang="zh-CN" altLang="en-US" sz="2400" b="0" i="0" u="none" strike="noStrike" cap="none" spc="0" normalizeH="0" baseline="0" dirty="0">
                 <a:ln>
                   <a:noFill/>
                 </a:ln>
@@ -11680,20 +11296,6 @@
               </a:rPr>
               <a:t>屏幕静态适配</a:t>
             </a:r>
-            <a:endParaRPr kumimoji="0" lang="zh-CN" altLang="en-US" sz="2400" b="0" i="0" u="none" strike="noStrike" cap="none" spc="0" normalizeH="0" baseline="0" dirty="0">
-              <a:ln>
-                <a:noFill/>
-              </a:ln>
-              <a:solidFill>
-                <a:srgbClr val="000000"/>
-              </a:solidFill>
-              <a:effectLst/>
-              <a:uFillTx/>
-              <a:latin typeface="+mn-lt"/>
-              <a:ea typeface="+mn-ea"/>
-              <a:cs typeface="+mn-cs"/>
-              <a:sym typeface="Helvetica"/>
-            </a:endParaRPr>
           </a:p>
         </p:txBody>
       </p:sp>
@@ -11805,20 +11407,16 @@
               <a:t>densityDpi</a:t>
             </a:r>
             <a:r>
-              <a:rPr lang="zh-CN" altLang="en-US" dirty="0" smtClean="0"/>
+              <a:rPr lang="zh-CN" altLang="en-US" dirty="0"/>
               <a:t>、</a:t>
             </a:r>
             <a:r>
-              <a:rPr lang="en-US" altLang="zh-CN" dirty="0" err="1" smtClean="0"/>
+              <a:rPr lang="en-US" altLang="zh-CN" dirty="0" err="1"/>
               <a:t>xdpi</a:t>
             </a:r>
             <a:r>
-              <a:rPr lang="zh-CN" altLang="en-US" dirty="0" smtClean="0"/>
-              <a:t>等变量，</a:t>
-            </a:r>
-            <a:r>
               <a:rPr lang="zh-CN" altLang="en-US" dirty="0"/>
-              <a:t>以实现一套</a:t>
+              <a:t>等变量，以实现一套</a:t>
             </a:r>
             <a:r>
               <a:rPr lang="en-US" altLang="zh-CN" dirty="0"/>
@@ -11894,29 +11492,25 @@
           <a:lstStyle/>
           <a:p>
             <a:r>
-              <a:rPr lang="zh-CN" altLang="en-US" dirty="0" smtClean="0"/>
+              <a:rPr lang="zh-CN" altLang="en-US" dirty="0"/>
               <a:t>开源库</a:t>
             </a:r>
             <a:r>
-              <a:rPr lang="en-US" altLang="zh-CN" dirty="0" err="1" smtClean="0"/>
+              <a:rPr lang="en-US" altLang="zh-CN" dirty="0" err="1"/>
               <a:t>AndroidAutoSize</a:t>
             </a:r>
-            <a:endParaRPr lang="en-US" altLang="zh-CN" dirty="0" smtClean="0"/>
-          </a:p>
-          <a:p>
-            <a:r>
-              <a:rPr lang="en-US" altLang="zh-CN" dirty="0" smtClean="0"/>
+            <a:endParaRPr lang="en-US" altLang="zh-CN" dirty="0"/>
+          </a:p>
+          <a:p>
+            <a:r>
+              <a:rPr lang="en-US" altLang="zh-CN" dirty="0"/>
               <a:t>me.jessyan:autosize:1.1.2</a:t>
             </a:r>
           </a:p>
           <a:p>
             <a:r>
-              <a:rPr lang="en-US" altLang="zh-CN" dirty="0" smtClean="0"/>
-              <a:t>https</a:t>
-            </a:r>
-            <a:r>
               <a:rPr lang="en-US" altLang="zh-CN" dirty="0"/>
-              <a:t>://github.com/JessYanCoding/AndroidAutoSize</a:t>
+              <a:t>https://github.com/JessYanCoding/AndroidAutoSize</a:t>
             </a:r>
             <a:endParaRPr kumimoji="0" lang="zh-CN" altLang="en-US" sz="1800" b="0" i="0" u="none" strike="noStrike" cap="none" spc="0" normalizeH="0" baseline="0" dirty="0">
               <a:ln>
@@ -11989,7 +11583,7 @@
               <a:buNone/>
             </a:pPr>
             <a:r>
-              <a:rPr kumimoji="0" lang="zh-CN" altLang="en-US" sz="1800" b="1" i="0" u="none" strike="noStrike" cap="none" spc="0" normalizeH="0" baseline="0" dirty="0" smtClean="0">
+              <a:rPr kumimoji="0" lang="zh-CN" altLang="en-US" sz="1800" b="1" i="0" u="none" strike="noStrike" cap="none" spc="0" normalizeH="0" baseline="0" dirty="0">
                 <a:ln>
                   <a:noFill/>
                 </a:ln>
@@ -12005,7 +11599,7 @@
               </a:rPr>
               <a:t>特点：</a:t>
             </a:r>
-            <a:endParaRPr kumimoji="0" lang="en-US" altLang="zh-CN" sz="1800" b="1" i="0" u="none" strike="noStrike" cap="none" spc="0" normalizeH="0" baseline="0" dirty="0" smtClean="0">
+            <a:endParaRPr kumimoji="0" lang="en-US" altLang="zh-CN" sz="1800" b="1" i="0" u="none" strike="noStrike" cap="none" spc="0" normalizeH="0" baseline="0" dirty="0">
               <a:ln>
                 <a:noFill/>
               </a:ln>
@@ -12041,18 +11635,18 @@
               <a:t>x</a:t>
             </a:r>
             <a:r>
-              <a:rPr lang="zh-CN" altLang="en-US" dirty="0" smtClean="0"/>
+              <a:rPr lang="zh-CN" altLang="en-US" dirty="0"/>
               <a:t>、</a:t>
             </a:r>
             <a:r>
-              <a:rPr lang="en-US" altLang="zh-CN" dirty="0" smtClean="0"/>
+              <a:rPr lang="en-US" altLang="zh-CN" dirty="0"/>
               <a:t>y</a:t>
             </a:r>
             <a:r>
-              <a:rPr lang="zh-CN" altLang="en-US" dirty="0" smtClean="0"/>
+              <a:rPr lang="zh-CN" altLang="en-US" dirty="0"/>
               <a:t>方向的缩放系数都是一致的，不存在界面变形的问题</a:t>
             </a:r>
-            <a:endParaRPr lang="en-US" altLang="zh-CN" dirty="0" smtClean="0"/>
+            <a:endParaRPr lang="en-US" altLang="zh-CN" dirty="0"/>
           </a:p>
           <a:p>
             <a:pPr marL="285750" marR="0" indent="-285750" algn="l" defTabSz="914400" rtl="0" fontAlgn="auto" latinLnBrk="0" hangingPunct="0">
@@ -12071,7 +11665,7 @@
               <a:buChar char="•"/>
             </a:pPr>
             <a:r>
-              <a:rPr kumimoji="0" lang="zh-CN" altLang="en-US" sz="1800" b="0" i="0" u="none" strike="noStrike" cap="none" spc="0" normalizeH="0" baseline="0" dirty="0" smtClean="0">
+              <a:rPr kumimoji="0" lang="zh-CN" altLang="en-US" sz="1800" b="0" i="0" u="none" strike="noStrike" cap="none" spc="0" normalizeH="0" baseline="0" dirty="0">
                 <a:ln>
                   <a:noFill/>
                 </a:ln>
@@ -12087,7 +11681,7 @@
               </a:rPr>
               <a:t>只需一套尺寸资源</a:t>
             </a:r>
-            <a:endParaRPr kumimoji="0" lang="en-US" altLang="zh-CN" sz="1800" b="0" i="0" u="none" strike="noStrike" cap="none" spc="0" normalizeH="0" baseline="0" dirty="0" smtClean="0">
+            <a:endParaRPr kumimoji="0" lang="en-US" altLang="zh-CN" sz="1800" b="0" i="0" u="none" strike="noStrike" cap="none" spc="0" normalizeH="0" baseline="0" dirty="0">
               <a:ln>
                 <a:noFill/>
               </a:ln>
@@ -12119,7 +11713,7 @@
               <a:buChar char="•"/>
             </a:pPr>
             <a:r>
-              <a:rPr lang="zh-CN" altLang="en-US" dirty="0" smtClean="0"/>
+              <a:rPr lang="zh-CN" altLang="en-US" dirty="0"/>
               <a:t>适用于新项目</a:t>
             </a:r>
             <a:endParaRPr kumimoji="0" lang="zh-CN" altLang="en-US" sz="1800" b="0" i="0" u="none" strike="noStrike" cap="none" spc="0" normalizeH="0" baseline="0" dirty="0">
@@ -12193,7 +11787,7 @@
               <a:buNone/>
             </a:pPr>
             <a:r>
-              <a:rPr kumimoji="0" lang="en-US" altLang="zh-CN" sz="1400" b="0" i="0" u="none" strike="noStrike" cap="none" spc="0" normalizeH="0" baseline="0" dirty="0" smtClean="0">
+              <a:rPr kumimoji="0" lang="en-US" altLang="zh-CN" sz="1400" b="0" i="0" u="none" strike="noStrike" cap="none" spc="0" normalizeH="0" baseline="0" dirty="0">
                 <a:ln>
                   <a:noFill/>
                 </a:ln>
@@ -12315,7 +11909,7 @@
               <a:buNone/>
             </a:pPr>
             <a:r>
-              <a:rPr kumimoji="0" lang="zh-CN" altLang="en-US" sz="2400" b="0" i="0" u="none" strike="noStrike" cap="none" spc="0" normalizeH="0" baseline="0" dirty="0" smtClean="0">
+              <a:rPr kumimoji="0" lang="zh-CN" altLang="en-US" sz="2400" b="0" i="0" u="none" strike="noStrike" cap="none" spc="0" normalizeH="0" baseline="0" dirty="0">
                 <a:ln>
                   <a:noFill/>
                 </a:ln>
@@ -12331,20 +11925,6 @@
               </a:rPr>
               <a:t>屏幕动态适配</a:t>
             </a:r>
-            <a:endParaRPr kumimoji="0" lang="zh-CN" altLang="en-US" sz="2400" b="0" i="0" u="none" strike="noStrike" cap="none" spc="0" normalizeH="0" baseline="0" dirty="0">
-              <a:ln>
-                <a:noFill/>
-              </a:ln>
-              <a:solidFill>
-                <a:srgbClr val="000000"/>
-              </a:solidFill>
-              <a:effectLst/>
-              <a:uFillTx/>
-              <a:latin typeface="+mj-lt"/>
-              <a:ea typeface="+mn-ea"/>
-              <a:cs typeface="+mn-cs"/>
-              <a:sym typeface="Helvetica"/>
-            </a:endParaRPr>
           </a:p>
         </p:txBody>
       </p:sp>
@@ -12388,21 +11968,8 @@
           <a:p>
             <a:r>
               <a:rPr lang="zh-CN" altLang="en-US" dirty="0"/>
-              <a:t>屏幕形态</a:t>
-            </a:r>
-            <a:r>
-              <a:rPr lang="zh-CN" altLang="en-US" dirty="0" smtClean="0"/>
-              <a:t>切换：大小</a:t>
-            </a:r>
-            <a:r>
-              <a:rPr lang="zh-CN" altLang="en-US" dirty="0"/>
-              <a:t>屏切换、横竖屏</a:t>
-            </a:r>
-            <a:r>
-              <a:rPr lang="zh-CN" altLang="en-US" dirty="0" smtClean="0"/>
-              <a:t>切换</a:t>
-            </a:r>
-            <a:endParaRPr lang="zh-CN" altLang="en-US" dirty="0"/>
+              <a:t>屏幕形态切换：大小屏切换、横竖屏切换</a:t>
+            </a:r>
           </a:p>
         </p:txBody>
       </p:sp>
@@ -12514,29 +12081,9 @@
             </a:r>
             <a:r>
               <a:rPr lang="zh-CN" altLang="en-US" dirty="0"/>
-              <a:t>进行</a:t>
-            </a:r>
-            <a:r>
-              <a:rPr lang="zh-CN" altLang="en-US" dirty="0" smtClean="0"/>
-              <a:t>配置时的</a:t>
-            </a:r>
-            <a:r>
-              <a:rPr lang="zh-CN" altLang="en-US" dirty="0"/>
-              <a:t>默认处理</a:t>
-            </a:r>
-            <a:r>
-              <a:rPr lang="zh-CN" altLang="en-US" dirty="0" smtClean="0"/>
-              <a:t>方式，</a:t>
-            </a:r>
-            <a:r>
-              <a:rPr lang="zh-CN" altLang="en-US" dirty="0"/>
-              <a:t>只要做好静态适配即</a:t>
-            </a:r>
-            <a:r>
-              <a:rPr lang="zh-CN" altLang="en-US" dirty="0" smtClean="0"/>
-              <a:t>可。</a:t>
-            </a:r>
-            <a:endParaRPr lang="en-US" altLang="zh-CN" dirty="0" smtClean="0"/>
+              <a:t>进行配置时的默认处理方式，只要做好静态适配即可。</a:t>
+            </a:r>
+            <a:endParaRPr lang="en-US" altLang="zh-CN" dirty="0"/>
           </a:p>
         </p:txBody>
       </p:sp>
@@ -12594,7 +12141,7 @@
               <a:buNone/>
             </a:pPr>
             <a:r>
-              <a:rPr kumimoji="0" lang="en-US" altLang="zh-CN" sz="1800" b="0" i="0" u="none" strike="noStrike" cap="none" spc="0" normalizeH="0" baseline="0" dirty="0" smtClean="0">
+              <a:rPr kumimoji="0" lang="en-US" altLang="zh-CN" sz="1800" b="0" i="0" u="none" strike="noStrike" cap="none" spc="0" normalizeH="0" baseline="0" dirty="0">
                 <a:ln>
                   <a:noFill/>
                 </a:ln>
@@ -12611,11 +12158,11 @@
               <a:t>Activity</a:t>
             </a:r>
             <a:r>
-              <a:rPr lang="en-US" altLang="zh-CN" dirty="0" smtClean="0"/>
+              <a:rPr lang="en-US" altLang="zh-CN" dirty="0"/>
               <a:t>/Fragment</a:t>
             </a:r>
             <a:r>
-              <a:rPr kumimoji="0" lang="zh-CN" altLang="en-US" sz="1800" b="0" i="0" u="none" strike="noStrike" cap="none" spc="0" normalizeH="0" baseline="0" dirty="0" smtClean="0">
+              <a:rPr kumimoji="0" lang="zh-CN" altLang="en-US" sz="1800" b="0" i="0" u="none" strike="noStrike" cap="none" spc="0" normalizeH="0" baseline="0" dirty="0">
                 <a:ln>
                   <a:noFill/>
                 </a:ln>
@@ -12631,20 +12178,6 @@
               </a:rPr>
               <a:t>状态恢复与保存</a:t>
             </a:r>
-            <a:endParaRPr kumimoji="0" lang="zh-CN" altLang="en-US" sz="1800" b="0" i="0" u="none" strike="noStrike" cap="none" spc="0" normalizeH="0" baseline="0" dirty="0">
-              <a:ln>
-                <a:noFill/>
-              </a:ln>
-              <a:solidFill>
-                <a:srgbClr val="000000"/>
-              </a:solidFill>
-              <a:effectLst/>
-              <a:uFillTx/>
-              <a:latin typeface="+mn-lt"/>
-              <a:ea typeface="+mn-ea"/>
-              <a:cs typeface="+mn-cs"/>
-              <a:sym typeface="Helvetica"/>
-            </a:endParaRPr>
           </a:p>
         </p:txBody>
       </p:sp>
@@ -12657,7 +12190,7 @@
         <p:spPr>
           <a:xfrm>
             <a:off x="1280082" y="3117537"/>
-            <a:ext cx="5882376" cy="923326"/>
+            <a:ext cx="6036264" cy="923326"/>
           </a:xfrm>
           <a:prstGeom prst="rect">
             <a:avLst/>
@@ -12691,22 +12224,18 @@
               <a:buChar char="•"/>
             </a:pPr>
             <a:r>
-              <a:rPr lang="zh-CN" altLang="en-US" dirty="0" smtClean="0"/>
+              <a:rPr lang="zh-CN" altLang="en-US" dirty="0"/>
               <a:t>在</a:t>
             </a:r>
             <a:r>
-              <a:rPr lang="en-US" altLang="zh-CN" dirty="0" err="1" smtClean="0"/>
+              <a:rPr lang="en-US" altLang="zh-CN" dirty="0" err="1"/>
               <a:t>onSaveInstanceState</a:t>
             </a:r>
             <a:r>
               <a:rPr lang="zh-CN" altLang="en-US" dirty="0"/>
-              <a:t>中</a:t>
-            </a:r>
-            <a:r>
-              <a:rPr lang="zh-CN" altLang="en-US" dirty="0" smtClean="0"/>
-              <a:t>保存数据与状态</a:t>
-            </a:r>
-            <a:endParaRPr lang="en-US" altLang="zh-CN" dirty="0" smtClean="0"/>
+              <a:t>中保存数据与状态</a:t>
+            </a:r>
+            <a:endParaRPr lang="en-US" altLang="zh-CN" dirty="0"/>
           </a:p>
           <a:p>
             <a:pPr marL="285750" indent="-285750">
@@ -12714,26 +12243,26 @@
               <a:buChar char="•"/>
             </a:pPr>
             <a:r>
-              <a:rPr lang="zh-CN" altLang="en-US" dirty="0" smtClean="0"/>
+              <a:rPr lang="zh-CN" altLang="en-US" dirty="0"/>
               <a:t>在</a:t>
             </a:r>
             <a:r>
-              <a:rPr lang="en-US" altLang="zh-CN" dirty="0" err="1" smtClean="0"/>
+              <a:rPr lang="en-US" altLang="zh-CN" dirty="0" err="1"/>
               <a:t>onRestoreInstanceState</a:t>
             </a:r>
             <a:r>
-              <a:rPr lang="zh-CN" altLang="en-US" dirty="0" smtClean="0"/>
+              <a:rPr lang="zh-CN" altLang="en-US" dirty="0"/>
               <a:t>和</a:t>
             </a:r>
             <a:r>
-              <a:rPr lang="en-US" altLang="zh-CN" dirty="0" err="1" smtClean="0"/>
+              <a:rPr lang="en-US" altLang="zh-CN" dirty="0" err="1"/>
               <a:t>onCreate</a:t>
             </a:r>
             <a:r>
-              <a:rPr lang="zh-CN" altLang="en-US" dirty="0" smtClean="0"/>
+              <a:rPr lang="zh-CN" altLang="en-US" dirty="0"/>
               <a:t>方法中恢复数据</a:t>
             </a:r>
-            <a:endParaRPr lang="en-US" altLang="zh-CN" dirty="0" smtClean="0"/>
+            <a:endParaRPr lang="en-US" altLang="zh-CN" dirty="0"/>
           </a:p>
           <a:p>
             <a:pPr marL="285750" indent="-285750">
@@ -12742,13 +12271,8 @@
             </a:pPr>
             <a:r>
               <a:rPr lang="zh-CN" altLang="en-US" dirty="0"/>
-              <a:t>大部</a:t>
-            </a:r>
-            <a:r>
-              <a:rPr lang="zh-CN" altLang="en-US" dirty="0" smtClean="0"/>
-              <a:t>分系统空间已经处理了数据状态的保存与恢复</a:t>
-            </a:r>
-            <a:endParaRPr lang="zh-CN" altLang="en-US" dirty="0"/>
+              <a:t>大部分系统控件已经处理了数据状态的保存与恢复</a:t>
+            </a:r>
           </a:p>
         </p:txBody>
       </p:sp>
@@ -12806,7 +12330,7 @@
               <a:buNone/>
             </a:pPr>
             <a:r>
-              <a:rPr kumimoji="0" lang="zh-CN" altLang="en-US" sz="1800" b="0" i="0" u="none" strike="noStrike" cap="none" spc="0" normalizeH="0" baseline="0" dirty="0" smtClean="0">
+              <a:rPr kumimoji="0" lang="zh-CN" altLang="en-US" sz="1800" b="0" i="0" u="none" strike="noStrike" cap="none" spc="0" normalizeH="0" baseline="0" dirty="0">
                 <a:ln>
                   <a:noFill/>
                 </a:ln>
@@ -12822,20 +12346,6 @@
               </a:rPr>
               <a:t>特点：</a:t>
             </a:r>
-            <a:endParaRPr kumimoji="0" lang="zh-CN" altLang="en-US" sz="1800" b="0" i="0" u="none" strike="noStrike" cap="none" spc="0" normalizeH="0" baseline="0" dirty="0">
-              <a:ln>
-                <a:noFill/>
-              </a:ln>
-              <a:solidFill>
-                <a:srgbClr val="000000"/>
-              </a:solidFill>
-              <a:effectLst/>
-              <a:uFillTx/>
-              <a:latin typeface="+mn-lt"/>
-              <a:ea typeface="+mn-ea"/>
-              <a:cs typeface="+mn-cs"/>
-              <a:sym typeface="Helvetica"/>
-            </a:endParaRPr>
           </a:p>
         </p:txBody>
       </p:sp>
@@ -12887,13 +12397,9 @@
             </a:r>
             <a:r>
               <a:rPr lang="zh-CN" altLang="en-US" dirty="0"/>
-              <a:t>会被销毁重建，操作会被</a:t>
-            </a:r>
-            <a:r>
-              <a:rPr lang="zh-CN" altLang="en-US" dirty="0" smtClean="0"/>
-              <a:t>打断</a:t>
-            </a:r>
-            <a:endParaRPr lang="en-US" altLang="zh-CN" dirty="0" smtClean="0"/>
+              <a:t>会被销毁重建，操作会被打断</a:t>
+            </a:r>
+            <a:endParaRPr lang="en-US" altLang="zh-CN" dirty="0"/>
           </a:p>
           <a:p>
             <a:pPr marL="285750" indent="-285750">
@@ -12910,13 +12416,9 @@
             </a:r>
             <a:r>
               <a:rPr lang="zh-CN" altLang="en-US" dirty="0"/>
-              <a:t>销毁前的</a:t>
-            </a:r>
-            <a:r>
-              <a:rPr lang="zh-CN" altLang="en-US" dirty="0" smtClean="0"/>
-              <a:t>状态</a:t>
-            </a:r>
-            <a:endParaRPr lang="en-US" altLang="zh-CN" dirty="0" smtClean="0"/>
+              <a:t>销毁前的状态</a:t>
+            </a:r>
+            <a:endParaRPr lang="en-US" altLang="zh-CN" dirty="0"/>
           </a:p>
           <a:p>
             <a:pPr marL="285750" indent="-285750">
@@ -12925,13 +12427,8 @@
             </a:pPr>
             <a:r>
               <a:rPr lang="zh-CN" altLang="en-US" dirty="0"/>
-              <a:t>适用于相对简单、可打断的界面，如登陆</a:t>
-            </a:r>
-            <a:r>
-              <a:rPr lang="zh-CN" altLang="en-US" dirty="0" smtClean="0"/>
-              <a:t>界面、个人信息界面等</a:t>
-            </a:r>
-            <a:endParaRPr lang="zh-CN" altLang="en-US" dirty="0"/>
+              <a:t>适用于相对简单、可打断的界面，如登陆界面、个人信息界面等</a:t>
+            </a:r>
           </a:p>
         </p:txBody>
       </p:sp>
@@ -13082,7 +12579,7 @@
               <a:buNone/>
             </a:pPr>
             <a:r>
-              <a:rPr kumimoji="0" lang="en-US" altLang="zh-CN" sz="4000" b="0" i="0" u="none" strike="noStrike" cap="none" spc="0" normalizeH="0" baseline="0" dirty="0" smtClean="0">
+              <a:rPr kumimoji="0" lang="en-US" altLang="zh-CN" sz="4000" b="0" i="0" u="none" strike="noStrike" cap="none" spc="0" normalizeH="0" baseline="0" dirty="0">
                 <a:ln>
                   <a:noFill/>
                 </a:ln>
@@ -13099,7 +12596,7 @@
               <a:t>APP</a:t>
             </a:r>
             <a:r>
-              <a:rPr kumimoji="0" lang="zh-CN" altLang="en-US" sz="4000" b="0" i="0" u="none" strike="noStrike" cap="none" spc="0" normalizeH="0" baseline="0" dirty="0" smtClean="0">
+              <a:rPr kumimoji="0" lang="zh-CN" altLang="en-US" sz="4000" b="0" i="0" u="none" strike="noStrike" cap="none" spc="0" normalizeH="0" baseline="0" dirty="0">
                 <a:ln>
                   <a:noFill/>
                 </a:ln>
@@ -13115,20 +12612,6 @@
               </a:rPr>
               <a:t>模板</a:t>
             </a:r>
-            <a:endParaRPr kumimoji="0" lang="zh-CN" altLang="en-US" sz="4000" b="0" i="0" u="none" strike="noStrike" cap="none" spc="0" normalizeH="0" baseline="0" dirty="0">
-              <a:ln>
-                <a:noFill/>
-              </a:ln>
-              <a:solidFill>
-                <a:srgbClr val="000000"/>
-              </a:solidFill>
-              <a:effectLst/>
-              <a:uFillTx/>
-              <a:latin typeface="+mn-lt"/>
-              <a:ea typeface="+mn-ea"/>
-              <a:cs typeface="+mn-cs"/>
-              <a:sym typeface="Helvetica"/>
-            </a:endParaRPr>
           </a:p>
         </p:txBody>
       </p:sp>
@@ -13217,7 +12700,7 @@
               <a:buNone/>
             </a:pPr>
             <a:r>
-              <a:rPr kumimoji="0" lang="zh-CN" altLang="en-US" sz="2400" b="0" i="0" u="none" strike="noStrike" cap="none" spc="0" normalizeH="0" baseline="0" dirty="0" smtClean="0">
+              <a:rPr kumimoji="0" lang="zh-CN" altLang="en-US" sz="2400" b="0" i="0" u="none" strike="noStrike" cap="none" spc="0" normalizeH="0" baseline="0" dirty="0">
                 <a:ln>
                   <a:noFill/>
                 </a:ln>
@@ -13233,20 +12716,6 @@
               </a:rPr>
               <a:t>屏幕动态适配</a:t>
             </a:r>
-            <a:endParaRPr kumimoji="0" lang="zh-CN" altLang="en-US" sz="2400" b="0" i="0" u="none" strike="noStrike" cap="none" spc="0" normalizeH="0" baseline="0" dirty="0">
-              <a:ln>
-                <a:noFill/>
-              </a:ln>
-              <a:solidFill>
-                <a:srgbClr val="000000"/>
-              </a:solidFill>
-              <a:effectLst/>
-              <a:uFillTx/>
-              <a:latin typeface="+mj-lt"/>
-              <a:ea typeface="+mn-ea"/>
-              <a:cs typeface="+mn-cs"/>
-              <a:sym typeface="Helvetica"/>
-            </a:endParaRPr>
           </a:p>
         </p:txBody>
       </p:sp>
@@ -13304,11 +12773,11 @@
               <a:buNone/>
             </a:pPr>
             <a:r>
-              <a:rPr lang="zh-CN" altLang="en-US" b="1" dirty="0" smtClean="0"/>
+              <a:rPr lang="zh-CN" altLang="en-US" b="1" dirty="0"/>
               <a:t>不重建</a:t>
             </a:r>
             <a:r>
-              <a:rPr lang="en-US" altLang="zh-CN" b="1" dirty="0" smtClean="0"/>
+              <a:rPr lang="en-US" altLang="zh-CN" b="1" dirty="0"/>
               <a:t>Activity</a:t>
             </a:r>
             <a:endParaRPr kumimoji="0" lang="zh-CN" altLang="en-US" sz="1800" b="1" i="0" u="none" strike="noStrike" cap="none" spc="0" normalizeH="0" baseline="0" dirty="0">
@@ -13383,18 +12852,11 @@
               <a:t>android:name</a:t>
             </a:r>
             <a:r>
-              <a:rPr lang="en-US" altLang="zh-CN" sz="1400" dirty="0" smtClean="0">
-                <a:latin typeface="Consolas" panose="020B0609020204030204" pitchFamily="49" charset="0"/>
-                <a:cs typeface="Consolas" panose="020B0609020204030204" pitchFamily="49" charset="0"/>
-              </a:rPr>
-              <a:t>=“xxx </a:t>
-            </a:r>
-            <a:r>
               <a:rPr lang="en-US" altLang="zh-CN" sz="1400" dirty="0">
                 <a:latin typeface="Consolas" panose="020B0609020204030204" pitchFamily="49" charset="0"/>
                 <a:cs typeface="Consolas" panose="020B0609020204030204" pitchFamily="49" charset="0"/>
               </a:rPr>
-              <a:t>"  </a:t>
+              <a:t>=“xxx "  </a:t>
             </a:r>
             <a:endParaRPr lang="zh-CN" altLang="zh-CN" sz="1400" dirty="0">
               <a:latin typeface="Consolas" panose="020B0609020204030204" pitchFamily="49" charset="0"/>
@@ -13403,35 +12865,35 @@
           </a:p>
           <a:p>
             <a:r>
-              <a:rPr lang="en-US" altLang="zh-CN" sz="1400" dirty="0" smtClean="0">
+              <a:rPr lang="en-US" altLang="zh-CN" sz="1400" dirty="0">
                 <a:latin typeface="Consolas" panose="020B0609020204030204" pitchFamily="49" charset="0"/>
                 <a:cs typeface="Consolas" panose="020B0609020204030204" pitchFamily="49" charset="0"/>
               </a:rPr>
               <a:t>	</a:t>
             </a:r>
             <a:r>
-              <a:rPr lang="en-US" altLang="zh-CN" sz="1400" dirty="0" err="1" smtClean="0">
+              <a:rPr lang="en-US" altLang="zh-CN" sz="1400" dirty="0" err="1">
                 <a:latin typeface="Consolas" panose="020B0609020204030204" pitchFamily="49" charset="0"/>
                 <a:cs typeface="Consolas" panose="020B0609020204030204" pitchFamily="49" charset="0"/>
               </a:rPr>
               <a:t>android:configChanges</a:t>
             </a:r>
             <a:r>
-              <a:rPr lang="en-US" altLang="zh-CN" sz="1400" dirty="0" smtClean="0">
+              <a:rPr lang="en-US" altLang="zh-CN" sz="1400" dirty="0">
                 <a:latin typeface="Consolas" panose="020B0609020204030204" pitchFamily="49" charset="0"/>
                 <a:cs typeface="Consolas" panose="020B0609020204030204" pitchFamily="49" charset="0"/>
               </a:rPr>
               <a:t>="</a:t>
             </a:r>
             <a:r>
-              <a:rPr lang="en-US" altLang="zh-CN" sz="1400" dirty="0" err="1" smtClean="0">
+              <a:rPr lang="en-US" altLang="zh-CN" sz="1400" dirty="0" err="1">
                 <a:latin typeface="Consolas" panose="020B0609020204030204" pitchFamily="49" charset="0"/>
                 <a:cs typeface="Consolas" panose="020B0609020204030204" pitchFamily="49" charset="0"/>
               </a:rPr>
               <a:t>screenSize|screenLayout|smallestScreenSize</a:t>
             </a:r>
             <a:r>
-              <a:rPr lang="en-US" altLang="zh-CN" sz="1400" dirty="0" smtClean="0">
+              <a:rPr lang="en-US" altLang="zh-CN" sz="1400" dirty="0">
                 <a:latin typeface="Consolas" panose="020B0609020204030204" pitchFamily="49" charset="0"/>
                 <a:cs typeface="Consolas" panose="020B0609020204030204" pitchFamily="49" charset="0"/>
               </a:rPr>
@@ -13448,14 +12910,7 @@
                 <a:latin typeface="Consolas" panose="020B0609020204030204" pitchFamily="49" charset="0"/>
                 <a:cs typeface="Consolas" panose="020B0609020204030204" pitchFamily="49" charset="0"/>
               </a:rPr>
-              <a:t>&lt;/activity</a:t>
-            </a:r>
-            <a:r>
-              <a:rPr lang="en-US" altLang="zh-CN" sz="1400" dirty="0" smtClean="0">
-                <a:latin typeface="Consolas" panose="020B0609020204030204" pitchFamily="49" charset="0"/>
-                <a:cs typeface="Consolas" panose="020B0609020204030204" pitchFamily="49" charset="0"/>
-              </a:rPr>
-              <a:t>&gt;</a:t>
+              <a:t>&lt;/activity&gt;</a:t>
             </a:r>
             <a:endParaRPr lang="zh-CN" altLang="zh-CN" sz="1400" dirty="0">
               <a:latin typeface="Consolas" panose="020B0609020204030204" pitchFamily="49" charset="0"/>
@@ -13518,7 +12973,7 @@
               <a:buNone/>
             </a:pPr>
             <a:r>
-              <a:rPr kumimoji="0" lang="zh-CN" altLang="en-US" sz="1800" b="0" i="0" u="none" strike="noStrike" cap="none" spc="0" normalizeH="0" baseline="0" dirty="0" smtClean="0">
+              <a:rPr kumimoji="0" lang="zh-CN" altLang="en-US" sz="1800" b="0" i="0" u="none" strike="noStrike" cap="none" spc="0" normalizeH="0" baseline="0" dirty="0">
                 <a:ln>
                   <a:noFill/>
                 </a:ln>
@@ -13535,7 +12990,7 @@
               <a:t>在</a:t>
             </a:r>
             <a:r>
-              <a:rPr kumimoji="0" lang="en-US" altLang="zh-CN" sz="1800" b="0" i="0" u="none" strike="noStrike" cap="none" spc="0" normalizeH="0" baseline="0" dirty="0" smtClean="0">
+              <a:rPr kumimoji="0" lang="en-US" altLang="zh-CN" sz="1800" b="0" i="0" u="none" strike="noStrike" cap="none" spc="0" normalizeH="0" baseline="0" dirty="0">
                 <a:ln>
                   <a:noFill/>
                 </a:ln>
@@ -13552,7 +13007,7 @@
               <a:t>AndroidManifest.xml</a:t>
             </a:r>
             <a:r>
-              <a:rPr kumimoji="0" lang="zh-CN" altLang="en-US" sz="1800" b="0" i="0" u="none" strike="noStrike" cap="none" spc="0" normalizeH="0" baseline="0" dirty="0" smtClean="0">
+              <a:rPr kumimoji="0" lang="zh-CN" altLang="en-US" sz="1800" b="0" i="0" u="none" strike="noStrike" cap="none" spc="0" normalizeH="0" baseline="0" dirty="0">
                 <a:ln>
                   <a:noFill/>
                 </a:ln>
@@ -13568,20 +13023,6 @@
               </a:rPr>
               <a:t>中</a:t>
             </a:r>
-            <a:endParaRPr kumimoji="0" lang="zh-CN" altLang="en-US" sz="1800" b="0" i="0" u="none" strike="noStrike" cap="none" spc="0" normalizeH="0" baseline="0" dirty="0">
-              <a:ln>
-                <a:noFill/>
-              </a:ln>
-              <a:solidFill>
-                <a:srgbClr val="000000"/>
-              </a:solidFill>
-              <a:effectLst/>
-              <a:uFillTx/>
-              <a:latin typeface="+mn-lt"/>
-              <a:ea typeface="+mn-ea"/>
-              <a:cs typeface="+mn-cs"/>
-              <a:sym typeface="Helvetica"/>
-            </a:endParaRPr>
           </a:p>
         </p:txBody>
       </p:sp>
@@ -13639,7 +13080,7 @@
               <a:buNone/>
             </a:pPr>
             <a:r>
-              <a:rPr kumimoji="0" lang="zh-CN" altLang="en-US" sz="1800" b="0" i="0" u="none" strike="noStrike" cap="none" spc="0" normalizeH="0" baseline="0" dirty="0" smtClean="0">
+              <a:rPr kumimoji="0" lang="zh-CN" altLang="en-US" sz="1800" b="0" i="0" u="none" strike="noStrike" cap="none" spc="0" normalizeH="0" baseline="0" dirty="0">
                 <a:ln>
                   <a:noFill/>
                 </a:ln>
@@ -13656,7 +13097,7 @@
               <a:t>需要在</a:t>
             </a:r>
             <a:r>
-              <a:rPr kumimoji="0" lang="en-US" altLang="zh-CN" sz="1800" b="0" i="0" u="none" strike="noStrike" cap="none" spc="0" normalizeH="0" baseline="0" dirty="0" err="1" smtClean="0">
+              <a:rPr kumimoji="0" lang="en-US" altLang="zh-CN" sz="1800" b="0" i="0" u="none" strike="noStrike" cap="none" spc="0" normalizeH="0" baseline="0" dirty="0" err="1">
                 <a:ln>
                   <a:noFill/>
                 </a:ln>
@@ -13673,26 +13114,26 @@
               <a:t>onConfiguration</a:t>
             </a:r>
             <a:r>
-              <a:rPr lang="en-US" altLang="zh-CN" dirty="0" err="1" smtClean="0"/>
+              <a:rPr lang="en-US" altLang="zh-CN" dirty="0" err="1"/>
               <a:t>Changed</a:t>
             </a:r>
             <a:r>
-              <a:rPr lang="en-US" altLang="zh-CN" dirty="0" smtClean="0"/>
+              <a:rPr lang="en-US" altLang="zh-CN" dirty="0"/>
               <a:t>()</a:t>
             </a:r>
             <a:r>
-              <a:rPr lang="zh-CN" altLang="en-US" dirty="0" smtClean="0"/>
+              <a:rPr lang="zh-CN" altLang="en-US" dirty="0"/>
               <a:t>回调重新设置</a:t>
             </a:r>
             <a:r>
-              <a:rPr lang="en-US" altLang="zh-CN" dirty="0" smtClean="0"/>
+              <a:rPr lang="en-US" altLang="zh-CN" dirty="0"/>
               <a:t>UI</a:t>
             </a:r>
             <a:r>
-              <a:rPr lang="zh-CN" altLang="en-US" dirty="0" smtClean="0"/>
+              <a:rPr lang="zh-CN" altLang="en-US" dirty="0"/>
               <a:t>元素的布局参数</a:t>
             </a:r>
-            <a:endParaRPr lang="en-US" altLang="zh-CN" dirty="0" smtClean="0"/>
+            <a:endParaRPr lang="en-US" altLang="zh-CN" dirty="0"/>
           </a:p>
         </p:txBody>
       </p:sp>
@@ -13750,7 +13191,7 @@
               <a:buNone/>
             </a:pPr>
             <a:r>
-              <a:rPr kumimoji="0" lang="zh-CN" altLang="en-US" sz="1800" b="0" i="0" u="none" strike="noStrike" cap="none" spc="0" normalizeH="0" baseline="0" dirty="0" smtClean="0">
+              <a:rPr kumimoji="0" lang="zh-CN" altLang="en-US" sz="1800" b="0" i="0" u="none" strike="noStrike" cap="none" spc="0" normalizeH="0" baseline="0" dirty="0">
                 <a:ln>
                   <a:noFill/>
                 </a:ln>
@@ -13766,20 +13207,6 @@
               </a:rPr>
               <a:t>特点：</a:t>
             </a:r>
-            <a:endParaRPr kumimoji="0" lang="zh-CN" altLang="en-US" sz="1800" b="0" i="0" u="none" strike="noStrike" cap="none" spc="0" normalizeH="0" baseline="0" dirty="0">
-              <a:ln>
-                <a:noFill/>
-              </a:ln>
-              <a:solidFill>
-                <a:srgbClr val="000000"/>
-              </a:solidFill>
-              <a:effectLst/>
-              <a:uFillTx/>
-              <a:latin typeface="+mn-lt"/>
-              <a:ea typeface="+mn-ea"/>
-              <a:cs typeface="+mn-cs"/>
-              <a:sym typeface="Helvetica"/>
-            </a:endParaRPr>
           </a:p>
         </p:txBody>
       </p:sp>
@@ -13831,13 +13258,9 @@
             </a:r>
             <a:r>
               <a:rPr lang="zh-CN" altLang="en-US" dirty="0"/>
-              <a:t>不会被销毁重建，操作不会被</a:t>
-            </a:r>
-            <a:r>
-              <a:rPr lang="zh-CN" altLang="en-US" dirty="0" smtClean="0"/>
-              <a:t>打断</a:t>
-            </a:r>
-            <a:endParaRPr lang="en-US" altLang="zh-CN" dirty="0" smtClean="0"/>
+              <a:t>不会被销毁重建，操作不会被打断</a:t>
+            </a:r>
+            <a:endParaRPr lang="en-US" altLang="zh-CN" dirty="0"/>
           </a:p>
           <a:p>
             <a:pPr marL="285750" indent="-285750">
@@ -13854,13 +13277,9 @@
             </a:r>
             <a:r>
               <a:rPr lang="zh-CN" altLang="en-US" dirty="0"/>
-              <a:t>参数，以适配新的屏幕</a:t>
-            </a:r>
-            <a:r>
-              <a:rPr lang="zh-CN" altLang="en-US" dirty="0" smtClean="0"/>
-              <a:t>尺寸</a:t>
-            </a:r>
-            <a:endParaRPr lang="en-US" altLang="zh-CN" dirty="0" smtClean="0"/>
+              <a:t>参数，以适配新的屏幕尺寸</a:t>
+            </a:r>
+            <a:endParaRPr lang="en-US" altLang="zh-CN" dirty="0"/>
           </a:p>
           <a:p>
             <a:pPr marL="285750" indent="-285750">
@@ -13869,15 +13288,7 @@
             </a:pPr>
             <a:r>
               <a:rPr lang="zh-CN" altLang="en-US" dirty="0"/>
-              <a:t>适用于比较复杂、不能被打断的</a:t>
-            </a:r>
-            <a:r>
-              <a:rPr lang="zh-CN" altLang="en-US" dirty="0" smtClean="0"/>
-              <a:t>界面，比如蓝</a:t>
-            </a:r>
-            <a:r>
-              <a:rPr lang="zh-CN" altLang="en-US" dirty="0"/>
-              <a:t>牙传输过程</a:t>
+              <a:t>适用于比较复杂、不能被打断的界面，比如蓝牙传输过程</a:t>
             </a:r>
           </a:p>
         </p:txBody>
@@ -13925,62 +13336,62 @@
           <a:lstStyle/>
           <a:p>
             <a:r>
-              <a:rPr lang="en-US" altLang="zh-CN" sz="1400" dirty="0" smtClean="0">
-                <a:latin typeface="Consolas" panose="020B0609020204030204" pitchFamily="49" charset="0"/>
-                <a:cs typeface="Consolas" panose="020B0609020204030204" pitchFamily="49" charset="0"/>
-              </a:rPr>
-              <a:t>@Override</a:t>
-            </a:r>
-          </a:p>
-          <a:p>
-            <a:r>
-              <a:rPr lang="en-US" altLang="zh-CN" sz="1400" dirty="0" smtClean="0">
-                <a:latin typeface="Consolas" panose="020B0609020204030204" pitchFamily="49" charset="0"/>
-                <a:cs typeface="Consolas" panose="020B0609020204030204" pitchFamily="49" charset="0"/>
-              </a:rPr>
-              <a:t>public void </a:t>
-            </a:r>
-            <a:r>
-              <a:rPr lang="en-US" altLang="zh-CN" sz="1400" dirty="0" err="1" smtClean="0">
-                <a:latin typeface="Consolas" panose="020B0609020204030204" pitchFamily="49" charset="0"/>
-                <a:cs typeface="Consolas" panose="020B0609020204030204" pitchFamily="49" charset="0"/>
-              </a:rPr>
-              <a:t>onConfigurationChanged</a:t>
-            </a:r>
-            <a:r>
-              <a:rPr lang="en-US" altLang="zh-CN" sz="1400" dirty="0" smtClean="0">
-                <a:latin typeface="Consolas" panose="020B0609020204030204" pitchFamily="49" charset="0"/>
-                <a:cs typeface="Consolas" panose="020B0609020204030204" pitchFamily="49" charset="0"/>
-              </a:rPr>
-              <a:t>(Configuration configuration) {</a:t>
-            </a:r>
-          </a:p>
-          <a:p>
-            <a:r>
               <a:rPr lang="en-US" altLang="zh-CN" sz="1400" dirty="0">
                 <a:latin typeface="Consolas" panose="020B0609020204030204" pitchFamily="49" charset="0"/>
                 <a:cs typeface="Consolas" panose="020B0609020204030204" pitchFamily="49" charset="0"/>
               </a:rPr>
-              <a:t>	</a:t>
-            </a:r>
-            <a:r>
-              <a:rPr lang="en-US" altLang="zh-CN" sz="1400" dirty="0" err="1" smtClean="0">
+              <a:t>@Override</a:t>
+            </a:r>
+          </a:p>
+          <a:p>
+            <a:r>
+              <a:rPr lang="en-US" altLang="zh-CN" sz="1400" dirty="0">
                 <a:latin typeface="Consolas" panose="020B0609020204030204" pitchFamily="49" charset="0"/>
                 <a:cs typeface="Consolas" panose="020B0609020204030204" pitchFamily="49" charset="0"/>
               </a:rPr>
-              <a:t>super.onConfigurationChanged</a:t>
-            </a:r>
-            <a:r>
-              <a:rPr lang="en-US" altLang="zh-CN" sz="1400" dirty="0" smtClean="0">
+              <a:t>public void </a:t>
+            </a:r>
+            <a:r>
+              <a:rPr lang="en-US" altLang="zh-CN" sz="1400" dirty="0" err="1">
                 <a:latin typeface="Consolas" panose="020B0609020204030204" pitchFamily="49" charset="0"/>
                 <a:cs typeface="Consolas" panose="020B0609020204030204" pitchFamily="49" charset="0"/>
               </a:rPr>
+              <a:t>onConfigurationChanged</a:t>
+            </a:r>
+            <a:r>
+              <a:rPr lang="en-US" altLang="zh-CN" sz="1400" dirty="0">
+                <a:latin typeface="Consolas" panose="020B0609020204030204" pitchFamily="49" charset="0"/>
+                <a:cs typeface="Consolas" panose="020B0609020204030204" pitchFamily="49" charset="0"/>
+              </a:rPr>
+              <a:t>(Configuration configuration) {</a:t>
+            </a:r>
+          </a:p>
+          <a:p>
+            <a:r>
+              <a:rPr lang="en-US" altLang="zh-CN" sz="1400" dirty="0">
+                <a:latin typeface="Consolas" panose="020B0609020204030204" pitchFamily="49" charset="0"/>
+                <a:cs typeface="Consolas" panose="020B0609020204030204" pitchFamily="49" charset="0"/>
+              </a:rPr>
+              <a:t>	</a:t>
+            </a:r>
+            <a:r>
+              <a:rPr lang="en-US" altLang="zh-CN" sz="1400" dirty="0" err="1">
+                <a:latin typeface="Consolas" panose="020B0609020204030204" pitchFamily="49" charset="0"/>
+                <a:cs typeface="Consolas" panose="020B0609020204030204" pitchFamily="49" charset="0"/>
+              </a:rPr>
+              <a:t>super.onConfigurationChanged</a:t>
+            </a:r>
+            <a:r>
+              <a:rPr lang="en-US" altLang="zh-CN" sz="1400" dirty="0">
+                <a:latin typeface="Consolas" panose="020B0609020204030204" pitchFamily="49" charset="0"/>
+                <a:cs typeface="Consolas" panose="020B0609020204030204" pitchFamily="49" charset="0"/>
+              </a:rPr>
               <a:t>(configuration);</a:t>
             </a:r>
           </a:p>
           <a:p>
             <a:r>
-              <a:rPr lang="en-US" altLang="zh-CN" sz="1400" dirty="0" smtClean="0">
+              <a:rPr lang="en-US" altLang="zh-CN" sz="1400" dirty="0">
                 <a:latin typeface="Consolas" panose="020B0609020204030204" pitchFamily="49" charset="0"/>
                 <a:cs typeface="Consolas" panose="020B0609020204030204" pitchFamily="49" charset="0"/>
               </a:rPr>
@@ -13991,14 +13402,7 @@
                 <a:latin typeface="Consolas" panose="020B0609020204030204" pitchFamily="49" charset="0"/>
                 <a:cs typeface="Consolas" panose="020B0609020204030204" pitchFamily="49" charset="0"/>
               </a:rPr>
-              <a:t>Resources res = getResources()</a:t>
-            </a:r>
-            <a:r>
-              <a:rPr lang="zh-CN" altLang="zh-CN" sz="1400" dirty="0" smtClean="0">
-                <a:latin typeface="Consolas" panose="020B0609020204030204" pitchFamily="49" charset="0"/>
-                <a:cs typeface="Consolas" panose="020B0609020204030204" pitchFamily="49" charset="0"/>
-              </a:rPr>
-              <a:t>;</a:t>
+              <a:t>Resources res = getResources();</a:t>
             </a:r>
             <a:endParaRPr lang="en-US" altLang="zh-CN" sz="1400" dirty="0">
               <a:latin typeface="Consolas" panose="020B0609020204030204" pitchFamily="49" charset="0"/>
@@ -14007,25 +13411,18 @@
           </a:p>
           <a:p>
             <a:r>
-              <a:rPr lang="en-US" altLang="zh-CN" sz="1400" dirty="0" smtClean="0">
+              <a:rPr lang="en-US" altLang="zh-CN" sz="1400" dirty="0">
                 <a:latin typeface="Consolas" panose="020B0609020204030204" pitchFamily="49" charset="0"/>
                 <a:cs typeface="Consolas" panose="020B0609020204030204" pitchFamily="49" charset="0"/>
               </a:rPr>
               <a:t>	</a:t>
-            </a:r>
-            <a:r>
-              <a:rPr lang="zh-CN" altLang="zh-CN" sz="1400" dirty="0" smtClean="0">
-                <a:latin typeface="Consolas" panose="020B0609020204030204" pitchFamily="49" charset="0"/>
-                <a:cs typeface="Consolas" panose="020B0609020204030204" pitchFamily="49" charset="0"/>
-              </a:rPr>
-              <a:t>ViewGroup</a:t>
             </a:r>
             <a:r>
               <a:rPr lang="zh-CN" altLang="zh-CN" sz="1400" dirty="0">
                 <a:latin typeface="Consolas" panose="020B0609020204030204" pitchFamily="49" charset="0"/>
                 <a:cs typeface="Consolas" panose="020B0609020204030204" pitchFamily="49" charset="0"/>
               </a:rPr>
-              <a:t>.LayoutParams layoutParams =</a:t>
+              <a:t>ViewGroup.LayoutParams layoutParams =</a:t>
             </a:r>
             <a:r>
               <a:rPr lang="en-US" altLang="zh-CN" sz="1400" dirty="0">
@@ -14052,86 +13449,58 @@
           </a:p>
           <a:p>
             <a:r>
-              <a:rPr lang="en-US" altLang="zh-CN" sz="1400" dirty="0" smtClean="0">
-                <a:latin typeface="Consolas" panose="020B0609020204030204" pitchFamily="49" charset="0"/>
-                <a:cs typeface="Consolas" panose="020B0609020204030204" pitchFamily="49" charset="0"/>
-              </a:rPr>
-              <a:t>	</a:t>
-            </a:r>
-            <a:r>
-              <a:rPr lang="en-US" altLang="zh-CN" sz="1400" dirty="0" err="1" smtClean="0">
-                <a:latin typeface="Consolas" panose="020B0609020204030204" pitchFamily="49" charset="0"/>
-                <a:cs typeface="Consolas" panose="020B0609020204030204" pitchFamily="49" charset="0"/>
-              </a:rPr>
-              <a:t>layoutParams.width</a:t>
-            </a:r>
-            <a:r>
-              <a:rPr lang="en-US" altLang="zh-CN" sz="1400" dirty="0" smtClean="0">
-                <a:latin typeface="Consolas" panose="020B0609020204030204" pitchFamily="49" charset="0"/>
-                <a:cs typeface="Consolas" panose="020B0609020204030204" pitchFamily="49" charset="0"/>
-              </a:rPr>
-              <a:t> </a:t>
-            </a:r>
-            <a:r>
               <a:rPr lang="en-US" altLang="zh-CN" sz="1400" dirty="0">
                 <a:latin typeface="Consolas" panose="020B0609020204030204" pitchFamily="49" charset="0"/>
                 <a:cs typeface="Consolas" panose="020B0609020204030204" pitchFamily="49" charset="0"/>
               </a:rPr>
-              <a:t>= </a:t>
+              <a:t>	</a:t>
+            </a:r>
+            <a:r>
+              <a:rPr lang="en-US" altLang="zh-CN" sz="1400" dirty="0" err="1">
+                <a:latin typeface="Consolas" panose="020B0609020204030204" pitchFamily="49" charset="0"/>
+                <a:cs typeface="Consolas" panose="020B0609020204030204" pitchFamily="49" charset="0"/>
+              </a:rPr>
+              <a:t>layoutParams.width</a:t>
+            </a:r>
+            <a:r>
+              <a:rPr lang="en-US" altLang="zh-CN" sz="1400" dirty="0">
+                <a:latin typeface="Consolas" panose="020B0609020204030204" pitchFamily="49" charset="0"/>
+                <a:cs typeface="Consolas" panose="020B0609020204030204" pitchFamily="49" charset="0"/>
+              </a:rPr>
+              <a:t> = </a:t>
             </a:r>
             <a:r>
               <a:rPr lang="zh-CN" altLang="zh-CN" sz="1400" dirty="0">
                 <a:latin typeface="Consolas" panose="020B0609020204030204" pitchFamily="49" charset="0"/>
                 <a:cs typeface="Consolas" panose="020B0609020204030204" pitchFamily="49" charset="0"/>
               </a:rPr>
-              <a:t>res.getDimensionPixelOffset(R.dimen.note_split_progress_bar_width</a:t>
-            </a:r>
-            <a:r>
-              <a:rPr lang="zh-CN" altLang="zh-CN" sz="1400" dirty="0" smtClean="0">
+              <a:t>res.getDimensionPixelOffset(R.dimen.note_split_progress_bar_width)</a:t>
+            </a:r>
+            <a:r>
+              <a:rPr lang="en-US" altLang="zh-CN" sz="1400" dirty="0">
                 <a:latin typeface="Consolas" panose="020B0609020204030204" pitchFamily="49" charset="0"/>
                 <a:cs typeface="Consolas" panose="020B0609020204030204" pitchFamily="49" charset="0"/>
               </a:rPr>
-              <a:t>)</a:t>
-            </a:r>
-            <a:r>
-              <a:rPr lang="en-US" altLang="zh-CN" sz="1400" dirty="0" smtClean="0">
+              <a:t>;</a:t>
+            </a:r>
+            <a:endParaRPr lang="en-US" altLang="zh-CN" sz="1400" dirty="0"/>
+          </a:p>
+          <a:p>
+            <a:r>
+              <a:rPr lang="en-US" altLang="zh-CN" sz="1400" dirty="0">
                 <a:latin typeface="Consolas" panose="020B0609020204030204" pitchFamily="49" charset="0"/>
                 <a:cs typeface="Consolas" panose="020B0609020204030204" pitchFamily="49" charset="0"/>
               </a:rPr>
-              <a:t>;</a:t>
-            </a:r>
-            <a:endParaRPr lang="en-US" altLang="zh-CN" sz="1400" dirty="0"/>
-          </a:p>
-          <a:p>
-            <a:r>
-              <a:rPr lang="en-US" altLang="zh-CN" sz="1400" dirty="0" smtClean="0">
-                <a:latin typeface="Consolas" panose="020B0609020204030204" pitchFamily="49" charset="0"/>
-                <a:cs typeface="Consolas" panose="020B0609020204030204" pitchFamily="49" charset="0"/>
-              </a:rPr>
               <a:t>	</a:t>
-            </a:r>
-            <a:r>
-              <a:rPr lang="zh-CN" altLang="zh-CN" sz="1400" dirty="0" smtClean="0">
-                <a:latin typeface="Consolas" panose="020B0609020204030204" pitchFamily="49" charset="0"/>
-                <a:cs typeface="Consolas" panose="020B0609020204030204" pitchFamily="49" charset="0"/>
-              </a:rPr>
-              <a:t>view</a:t>
             </a:r>
             <a:r>
               <a:rPr lang="zh-CN" altLang="zh-CN" sz="1400" dirty="0">
                 <a:latin typeface="Consolas" panose="020B0609020204030204" pitchFamily="49" charset="0"/>
                 <a:cs typeface="Consolas" panose="020B0609020204030204" pitchFamily="49" charset="0"/>
               </a:rPr>
-              <a:t>.setLayoutParams(layoutParams)</a:t>
-            </a:r>
-            <a:r>
-              <a:rPr lang="zh-CN" altLang="zh-CN" sz="1400" dirty="0" smtClean="0">
-                <a:latin typeface="Consolas" panose="020B0609020204030204" pitchFamily="49" charset="0"/>
-                <a:cs typeface="Consolas" panose="020B0609020204030204" pitchFamily="49" charset="0"/>
-              </a:rPr>
-              <a:t>;</a:t>
-            </a:r>
-            <a:endParaRPr lang="en-US" altLang="zh-CN" sz="1400" dirty="0" smtClean="0">
+              <a:t>view.setLayoutParams(layoutParams);</a:t>
+            </a:r>
+            <a:endParaRPr lang="en-US" altLang="zh-CN" sz="1400" dirty="0">
               <a:latin typeface="Consolas" panose="020B0609020204030204" pitchFamily="49" charset="0"/>
               <a:cs typeface="Consolas" panose="020B0609020204030204" pitchFamily="49" charset="0"/>
             </a:endParaRPr>
@@ -14241,7 +13610,7 @@
               <a:buNone/>
             </a:pPr>
             <a:r>
-              <a:rPr kumimoji="0" lang="zh-CN" altLang="en-US" sz="2400" b="0" i="0" u="none" strike="noStrike" cap="none" spc="0" normalizeH="0" baseline="0" dirty="0" smtClean="0">
+              <a:rPr kumimoji="0" lang="zh-CN" altLang="en-US" sz="2400" b="0" i="0" u="none" strike="noStrike" cap="none" spc="0" normalizeH="0" baseline="0" dirty="0">
                 <a:ln>
                   <a:noFill/>
                 </a:ln>
@@ -14257,20 +13626,6 @@
               </a:rPr>
               <a:t>屏幕适配建议</a:t>
             </a:r>
-            <a:endParaRPr kumimoji="0" lang="zh-CN" altLang="en-US" sz="2400" b="0" i="0" u="none" strike="noStrike" cap="none" spc="0" normalizeH="0" baseline="0" dirty="0">
-              <a:ln>
-                <a:noFill/>
-              </a:ln>
-              <a:solidFill>
-                <a:srgbClr val="000000"/>
-              </a:solidFill>
-              <a:effectLst/>
-              <a:uFillTx/>
-              <a:latin typeface="+mn-lt"/>
-              <a:ea typeface="+mn-ea"/>
-              <a:cs typeface="+mn-cs"/>
-              <a:sym typeface="Helvetica"/>
-            </a:endParaRPr>
           </a:p>
         </p:txBody>
       </p:sp>
@@ -14320,10 +13675,10 @@
               <a:buChar char="•"/>
             </a:pPr>
             <a:r>
-              <a:rPr lang="zh-CN" altLang="en-US" dirty="0" smtClean="0"/>
+              <a:rPr lang="zh-CN" altLang="en-US" dirty="0"/>
               <a:t>尽量少用绝对尺寸值</a:t>
             </a:r>
-            <a:endParaRPr lang="en-US" altLang="zh-CN" dirty="0" smtClean="0"/>
+            <a:endParaRPr lang="en-US" altLang="zh-CN" dirty="0"/>
           </a:p>
           <a:p>
             <a:pPr marL="285750" indent="-285750">
@@ -14346,7 +13701,7 @@
               <a:t>、</a:t>
             </a:r>
             <a:r>
-              <a:rPr lang="en-US" altLang="zh-CN" dirty="0" err="1" smtClean="0"/>
+              <a:rPr lang="en-US" altLang="zh-CN" dirty="0" err="1"/>
               <a:t>wrap_content</a:t>
             </a:r>
             <a:endParaRPr lang="en-US" altLang="zh-CN" dirty="0"/>
@@ -14360,10 +13715,10 @@
               <a:buChar char="•"/>
             </a:pPr>
             <a:r>
-              <a:rPr lang="zh-CN" altLang="en-US" dirty="0" smtClean="0"/>
+              <a:rPr lang="zh-CN" altLang="en-US" dirty="0"/>
               <a:t>当使用线性布局时，可以使用权重布局</a:t>
             </a:r>
-            <a:endParaRPr lang="en-US" altLang="zh-CN" dirty="0" smtClean="0"/>
+            <a:endParaRPr lang="en-US" altLang="zh-CN" dirty="0"/>
           </a:p>
           <a:p>
             <a:pPr marL="285750" indent="-285750">
@@ -14374,18 +13729,18 @@
               <a:buChar char="•"/>
             </a:pPr>
             <a:r>
-              <a:rPr lang="zh-CN" altLang="en-US" dirty="0" smtClean="0"/>
+              <a:rPr lang="zh-CN" altLang="en-US" dirty="0"/>
               <a:t>使用相对布局时，使用</a:t>
             </a:r>
             <a:r>
-              <a:rPr lang="en-US" altLang="zh-CN" dirty="0" smtClean="0"/>
+              <a:rPr lang="en-US" altLang="zh-CN" dirty="0"/>
               <a:t>align</a:t>
             </a:r>
             <a:r>
-              <a:rPr lang="zh-CN" altLang="en-US" dirty="0" smtClean="0"/>
+              <a:rPr lang="zh-CN" altLang="en-US" dirty="0"/>
               <a:t>*来减少绝对尺寸值的使用</a:t>
             </a:r>
-            <a:endParaRPr lang="en-US" altLang="zh-CN" dirty="0" smtClean="0"/>
+            <a:endParaRPr lang="en-US" altLang="zh-CN" dirty="0"/>
           </a:p>
           <a:p>
             <a:pPr marL="285750" indent="-285750">
@@ -14396,39 +13751,39 @@
               <a:buChar char="•"/>
             </a:pPr>
             <a:r>
-              <a:rPr lang="zh-CN" altLang="en-US" dirty="0" smtClean="0"/>
+              <a:rPr lang="zh-CN" altLang="en-US" dirty="0"/>
               <a:t>在布局文件中，使用尺寸值时，应该使用有实际意义命名，比如应该使用</a:t>
             </a:r>
             <a:r>
-              <a:rPr lang="en-US" altLang="zh-CN" dirty="0" smtClean="0"/>
+              <a:rPr lang="en-US" altLang="zh-CN" dirty="0"/>
               <a:t>@</a:t>
             </a:r>
             <a:r>
-              <a:rPr lang="en-US" altLang="zh-CN" dirty="0" err="1" smtClean="0"/>
+              <a:rPr lang="en-US" altLang="zh-CN" dirty="0" err="1"/>
               <a:t>dimen</a:t>
             </a:r>
             <a:r>
-              <a:rPr lang="en-US" altLang="zh-CN" dirty="0" smtClean="0"/>
+              <a:rPr lang="en-US" altLang="zh-CN" dirty="0"/>
               <a:t>/</a:t>
             </a:r>
             <a:r>
-              <a:rPr lang="en-US" altLang="zh-CN" dirty="0" err="1" smtClean="0"/>
+              <a:rPr lang="en-US" altLang="zh-CN" dirty="0" err="1"/>
               <a:t>note_split_progress_bar_width</a:t>
             </a:r>
             <a:r>
-              <a:rPr lang="zh-CN" altLang="en-US" dirty="0" smtClean="0"/>
+              <a:rPr lang="zh-CN" altLang="en-US" dirty="0"/>
               <a:t>而不是</a:t>
             </a:r>
             <a:r>
-              <a:rPr lang="en-US" altLang="zh-CN" dirty="0" smtClean="0"/>
+              <a:rPr lang="en-US" altLang="zh-CN" dirty="0"/>
               <a:t>@</a:t>
             </a:r>
             <a:r>
-              <a:rPr lang="en-US" altLang="zh-CN" dirty="0" err="1" smtClean="0"/>
+              <a:rPr lang="en-US" altLang="zh-CN" dirty="0" err="1"/>
               <a:t>dimen</a:t>
             </a:r>
             <a:r>
-              <a:rPr lang="en-US" altLang="zh-CN" dirty="0" smtClean="0"/>
+              <a:rPr lang="en-US" altLang="zh-CN" dirty="0"/>
               <a:t>/x919</a:t>
             </a:r>
           </a:p>
@@ -14516,7 +13871,7 @@
               <a:t>v</a:t>
             </a:r>
             <a:r>
-              <a:rPr kumimoji="0" lang="en-US" altLang="zh-CN" sz="1800" b="0" i="0" u="none" strike="noStrike" cap="none" spc="0" normalizeH="0" baseline="0" dirty="0" smtClean="0">
+              <a:rPr kumimoji="0" lang="en-US" altLang="zh-CN" sz="1800" b="0" i="0" u="none" strike="noStrike" cap="none" spc="0" normalizeH="0" baseline="0" dirty="0">
                 <a:ln>
                   <a:noFill/>
                 </a:ln>
@@ -14627,11 +13982,11 @@
               <a:buNone/>
             </a:pPr>
             <a:r>
-              <a:rPr lang="en-US" altLang="zh-CN" dirty="0" smtClean="0"/>
+              <a:rPr lang="en-US" altLang="zh-CN" dirty="0"/>
               <a:t>v</a:t>
             </a:r>
             <a:r>
-              <a:rPr kumimoji="0" lang="en-US" altLang="zh-CN" sz="1800" b="0" i="0" u="none" strike="noStrike" cap="none" spc="0" normalizeH="0" baseline="0" dirty="0" smtClean="0">
+              <a:rPr kumimoji="0" lang="en-US" altLang="zh-CN" sz="1800" b="0" i="0" u="none" strike="noStrike" cap="none" spc="0" normalizeH="0" baseline="0" dirty="0">
                 <a:ln>
                   <a:noFill/>
                 </a:ln>
@@ -14749,7 +14104,7 @@
               <a:buNone/>
             </a:pPr>
             <a:r>
-              <a:rPr kumimoji="0" lang="en-US" altLang="zh-CN" sz="6000" b="0" i="0" u="none" strike="noStrike" cap="none" spc="0" normalizeH="0" baseline="0" dirty="0" smtClean="0">
+              <a:rPr kumimoji="0" lang="en-US" altLang="zh-CN" sz="6000" b="0" i="0" u="none" strike="noStrike" cap="none" spc="0" normalizeH="0" baseline="0" dirty="0">
                 <a:ln>
                   <a:noFill/>
                 </a:ln>
@@ -14766,7 +14121,7 @@
               <a:t>Thank</a:t>
             </a:r>
             <a:r>
-              <a:rPr kumimoji="0" lang="en-US" altLang="zh-CN" sz="6000" b="0" i="0" u="none" strike="noStrike" cap="none" spc="0" normalizeH="0" dirty="0" smtClean="0">
+              <a:rPr kumimoji="0" lang="en-US" altLang="zh-CN" sz="6000" b="0" i="0" u="none" strike="noStrike" cap="none" spc="0" normalizeH="0" dirty="0">
                 <a:ln>
                   <a:noFill/>
                 </a:ln>
@@ -14783,7 +14138,7 @@
               <a:t> you</a:t>
             </a:r>
             <a:r>
-              <a:rPr kumimoji="0" lang="zh-CN" altLang="en-US" sz="6000" b="0" i="0" u="none" strike="noStrike" cap="none" spc="0" normalizeH="0" dirty="0" smtClean="0">
+              <a:rPr kumimoji="0" lang="zh-CN" altLang="en-US" sz="6000" b="0" i="0" u="none" strike="noStrike" cap="none" spc="0" normalizeH="0" dirty="0">
                 <a:ln>
                   <a:noFill/>
                 </a:ln>
@@ -15033,12 +14388,8 @@
               <a:buChar char="•"/>
             </a:pPr>
             <a:r>
-              <a:rPr lang="zh-CN" altLang="en-US" dirty="0" smtClean="0"/>
-              <a:t>应用组件</a:t>
-            </a:r>
-            <a:r>
               <a:rPr lang="zh-CN" altLang="en-US" dirty="0"/>
-              <a:t>不按固定的顺序启动，可以单独启动</a:t>
+              <a:t>应用组件不按固定的顺序启动，可以单独启动</a:t>
             </a:r>
             <a:endParaRPr lang="en-US" altLang="zh-CN" dirty="0"/>
           </a:p>
@@ -15051,12 +14402,8 @@
               <a:buChar char="•"/>
             </a:pPr>
             <a:r>
-              <a:rPr lang="zh-CN" altLang="en-US" dirty="0" smtClean="0"/>
-              <a:t>应用组件随时</a:t>
-            </a:r>
-            <a:r>
               <a:rPr lang="zh-CN" altLang="en-US" dirty="0"/>
-              <a:t>可能被终止</a:t>
+              <a:t>应用组件随时可能被终止</a:t>
             </a:r>
           </a:p>
         </p:txBody>
@@ -15200,7 +14547,7 @@
               <a:buNone/>
             </a:pPr>
             <a:r>
-              <a:rPr kumimoji="0" lang="en-US" altLang="zh-CN" sz="1800" i="0" u="none" strike="noStrike" cap="none" spc="0" normalizeH="0" baseline="0" dirty="0" smtClean="0">
+              <a:rPr kumimoji="0" lang="en-US" altLang="zh-CN" sz="1800" i="0" u="none" strike="noStrike" cap="none" spc="0" normalizeH="0" baseline="0" dirty="0">
                 <a:ln>
                   <a:noFill/>
                 </a:ln>
@@ -15215,23 +14562,6 @@
                 <a:sym typeface="Helvetica"/>
               </a:rPr>
               <a:t>1.</a:t>
-            </a:r>
-            <a:r>
-              <a:rPr kumimoji="0" lang="zh-CN" altLang="en-US" sz="1800" i="0" u="none" strike="noStrike" cap="none" spc="0" normalizeH="0" baseline="0" dirty="0" smtClean="0">
-                <a:ln>
-                  <a:noFill/>
-                </a:ln>
-                <a:solidFill>
-                  <a:srgbClr val="000000"/>
-                </a:solidFill>
-                <a:effectLst/>
-                <a:uFillTx/>
-                <a:latin typeface="+mn-lt"/>
-                <a:ea typeface="+mn-ea"/>
-                <a:cs typeface="+mn-cs"/>
-                <a:sym typeface="Helvetica"/>
-              </a:rPr>
-              <a:t>分离</a:t>
             </a:r>
             <a:r>
               <a:rPr kumimoji="0" lang="zh-CN" altLang="en-US" sz="1800" i="0" u="none" strike="noStrike" cap="none" spc="0" normalizeH="0" baseline="0" dirty="0">
@@ -15248,7 +14578,7 @@
                 <a:cs typeface="+mn-cs"/>
                 <a:sym typeface="Helvetica"/>
               </a:rPr>
-              <a:t>关注点</a:t>
+              <a:t>分离关注点</a:t>
             </a:r>
           </a:p>
         </p:txBody>
@@ -15313,7 +14643,7 @@
               <a:buNone/>
             </a:pPr>
             <a:r>
-              <a:rPr kumimoji="0" lang="en-US" altLang="zh-CN" sz="1800" i="0" u="none" strike="noStrike" cap="none" spc="0" normalizeH="0" baseline="0" dirty="0" smtClean="0">
+              <a:rPr kumimoji="0" lang="en-US" altLang="zh-CN" sz="1800" i="0" u="none" strike="noStrike" cap="none" spc="0" normalizeH="0" baseline="0" dirty="0">
                 <a:ln>
                   <a:noFill/>
                 </a:ln>
@@ -15328,23 +14658,6 @@
                 <a:sym typeface="Helvetica"/>
               </a:rPr>
               <a:t>2.</a:t>
-            </a:r>
-            <a:r>
-              <a:rPr kumimoji="0" lang="zh-CN" altLang="en-US" sz="1800" i="0" u="none" strike="noStrike" cap="none" spc="0" normalizeH="0" baseline="0" dirty="0" smtClean="0">
-                <a:ln>
-                  <a:noFill/>
-                </a:ln>
-                <a:solidFill>
-                  <a:srgbClr val="000000"/>
-                </a:solidFill>
-                <a:effectLst/>
-                <a:uFillTx/>
-                <a:latin typeface="+mn-lt"/>
-                <a:ea typeface="+mn-ea"/>
-                <a:cs typeface="+mn-cs"/>
-                <a:sym typeface="Helvetica"/>
-              </a:rPr>
-              <a:t>模型</a:t>
             </a:r>
             <a:r>
               <a:rPr kumimoji="0" lang="zh-CN" altLang="en-US" sz="1800" i="0" u="none" strike="noStrike" cap="none" spc="0" normalizeH="0" baseline="0" dirty="0">
@@ -15361,7 +14674,7 @@
                 <a:cs typeface="+mn-cs"/>
                 <a:sym typeface="Helvetica"/>
               </a:rPr>
-              <a:t>驱动界面</a:t>
+              <a:t>模型驱动界面</a:t>
             </a:r>
           </a:p>
         </p:txBody>
@@ -15862,7 +15175,7 @@
               <a:buNone/>
             </a:pPr>
             <a:r>
-              <a:rPr kumimoji="0" lang="en-US" altLang="zh-CN" sz="1800" b="1" i="0" u="none" strike="noStrike" cap="none" spc="0" normalizeH="0" baseline="0" dirty="0" smtClean="0">
+              <a:rPr kumimoji="0" lang="en-US" altLang="zh-CN" sz="1800" b="1" i="0" u="none" strike="noStrike" cap="none" spc="0" normalizeH="0" baseline="0" dirty="0">
                 <a:ln>
                   <a:noFill/>
                 </a:ln>
@@ -15877,23 +15190,6 @@
                 <a:sym typeface="Helvetica"/>
               </a:rPr>
               <a:t>1.</a:t>
-            </a:r>
-            <a:r>
-              <a:rPr kumimoji="0" lang="zh-CN" altLang="en-US" sz="1800" b="1" i="0" u="none" strike="noStrike" cap="none" spc="0" normalizeH="0" baseline="0" dirty="0" smtClean="0">
-                <a:ln>
-                  <a:noFill/>
-                </a:ln>
-                <a:solidFill>
-                  <a:srgbClr val="000000"/>
-                </a:solidFill>
-                <a:effectLst/>
-                <a:uFillTx/>
-                <a:latin typeface="+mn-lt"/>
-                <a:ea typeface="+mn-ea"/>
-                <a:cs typeface="+mn-cs"/>
-                <a:sym typeface="Helvetica"/>
-              </a:rPr>
-              <a:t>分离</a:t>
             </a:r>
             <a:r>
               <a:rPr kumimoji="0" lang="zh-CN" altLang="en-US" sz="1800" b="1" i="0" u="none" strike="noStrike" cap="none" spc="0" normalizeH="0" baseline="0" dirty="0">
@@ -15910,7 +15206,7 @@
                 <a:cs typeface="+mn-cs"/>
                 <a:sym typeface="Helvetica"/>
               </a:rPr>
-              <a:t>关注点</a:t>
+              <a:t>分离关注点</a:t>
             </a:r>
           </a:p>
         </p:txBody>
@@ -15975,7 +15271,7 @@
               <a:buNone/>
             </a:pPr>
             <a:r>
-              <a:rPr kumimoji="0" lang="en-US" altLang="zh-CN" sz="1800" b="1" i="0" u="none" strike="noStrike" cap="none" spc="0" normalizeH="0" baseline="0" dirty="0" smtClean="0">
+              <a:rPr kumimoji="0" lang="en-US" altLang="zh-CN" sz="1800" b="1" i="0" u="none" strike="noStrike" cap="none" spc="0" normalizeH="0" baseline="0" dirty="0">
                 <a:ln>
                   <a:noFill/>
                 </a:ln>
@@ -15990,23 +15286,6 @@
                 <a:sym typeface="Helvetica"/>
               </a:rPr>
               <a:t>2.</a:t>
-            </a:r>
-            <a:r>
-              <a:rPr kumimoji="0" lang="zh-CN" altLang="en-US" sz="1800" b="1" i="0" u="none" strike="noStrike" cap="none" spc="0" normalizeH="0" baseline="0" dirty="0" smtClean="0">
-                <a:ln>
-                  <a:noFill/>
-                </a:ln>
-                <a:solidFill>
-                  <a:srgbClr val="000000"/>
-                </a:solidFill>
-                <a:effectLst/>
-                <a:uFillTx/>
-                <a:latin typeface="+mn-lt"/>
-                <a:ea typeface="+mn-ea"/>
-                <a:cs typeface="+mn-cs"/>
-                <a:sym typeface="Helvetica"/>
-              </a:rPr>
-              <a:t>模型</a:t>
             </a:r>
             <a:r>
               <a:rPr kumimoji="0" lang="zh-CN" altLang="en-US" sz="1800" b="1" i="0" u="none" strike="noStrike" cap="none" spc="0" normalizeH="0" baseline="0" dirty="0">
@@ -16023,7 +15302,7 @@
                 <a:cs typeface="+mn-cs"/>
                 <a:sym typeface="Helvetica"/>
               </a:rPr>
-              <a:t>驱动界面</a:t>
+              <a:t>模型驱动界面</a:t>
             </a:r>
           </a:p>
         </p:txBody>
@@ -17256,7 +16535,7 @@
               <a:buNone/>
             </a:pPr>
             <a:r>
-              <a:rPr kumimoji="0" lang="en-US" altLang="zh-CN" sz="1800" b="0" i="0" u="none" strike="noStrike" cap="none" spc="0" normalizeH="0" baseline="0" dirty="0" smtClean="0">
+              <a:rPr kumimoji="0" lang="en-US" altLang="zh-CN" sz="1800" b="0" i="0" u="none" strike="noStrike" cap="none" spc="0" normalizeH="0" baseline="0" dirty="0">
                 <a:ln>
                   <a:noFill/>
                 </a:ln>
@@ -17273,7 +16552,7 @@
               <a:t>Activity</a:t>
             </a:r>
             <a:r>
-              <a:rPr kumimoji="0" lang="zh-CN" altLang="en-US" sz="1800" b="0" i="0" u="none" strike="noStrike" cap="none" spc="0" normalizeH="0" baseline="0" dirty="0" smtClean="0">
+              <a:rPr kumimoji="0" lang="zh-CN" altLang="en-US" sz="1800" b="0" i="0" u="none" strike="noStrike" cap="none" spc="0" normalizeH="0" baseline="0" dirty="0">
                 <a:ln>
                   <a:noFill/>
                 </a:ln>
@@ -17290,7 +16569,7 @@
               <a:t>即是</a:t>
             </a:r>
             <a:r>
-              <a:rPr kumimoji="0" lang="zh-CN" altLang="en-US" sz="1800" b="1" i="0" u="none" strike="noStrike" cap="none" spc="0" normalizeH="0" baseline="0" dirty="0" smtClean="0">
+              <a:rPr kumimoji="0" lang="zh-CN" altLang="en-US" sz="1800" b="1" i="0" u="none" strike="noStrike" cap="none" spc="0" normalizeH="0" baseline="0" dirty="0">
                 <a:ln>
                   <a:noFill/>
                 </a:ln>
@@ -17307,7 +16586,7 @@
               <a:t>视图</a:t>
             </a:r>
             <a:r>
-              <a:rPr kumimoji="0" lang="zh-CN" altLang="en-US" sz="1800" b="0" i="0" u="none" strike="noStrike" cap="none" spc="0" normalizeH="0" baseline="0" dirty="0" smtClean="0">
+              <a:rPr kumimoji="0" lang="zh-CN" altLang="en-US" sz="1800" b="0" i="0" u="none" strike="noStrike" cap="none" spc="0" normalizeH="0" baseline="0" dirty="0">
                 <a:ln>
                   <a:noFill/>
                 </a:ln>
@@ -17324,7 +16603,7 @@
               <a:t>又是</a:t>
             </a:r>
             <a:r>
-              <a:rPr kumimoji="0" lang="zh-CN" altLang="en-US" sz="1800" b="1" i="0" u="none" strike="noStrike" cap="none" spc="0" normalizeH="0" baseline="0" dirty="0" smtClean="0">
+              <a:rPr kumimoji="0" lang="zh-CN" altLang="en-US" sz="1800" b="1" i="0" u="none" strike="noStrike" cap="none" spc="0" normalizeH="0" baseline="0" dirty="0">
                 <a:ln>
                   <a:noFill/>
                 </a:ln>
@@ -17341,7 +16620,7 @@
               <a:t>控制器</a:t>
             </a:r>
             <a:r>
-              <a:rPr kumimoji="0" lang="zh-CN" altLang="en-US" sz="1800" i="0" u="none" strike="noStrike" cap="none" spc="0" normalizeH="0" baseline="0" dirty="0" smtClean="0">
+              <a:rPr kumimoji="0" lang="zh-CN" altLang="en-US" sz="1800" i="0" u="none" strike="noStrike" cap="none" spc="0" normalizeH="0" baseline="0" dirty="0">
                 <a:ln>
                   <a:noFill/>
                 </a:ln>
@@ -17358,7 +16637,7 @@
               <a:t>，</a:t>
             </a:r>
             <a:r>
-              <a:rPr kumimoji="0" lang="en-US" altLang="zh-CN" sz="1800" i="0" u="none" strike="noStrike" cap="none" spc="0" normalizeH="0" baseline="0" dirty="0" smtClean="0">
+              <a:rPr kumimoji="0" lang="en-US" altLang="zh-CN" sz="1800" i="0" u="none" strike="noStrike" cap="none" spc="0" normalizeH="0" baseline="0" dirty="0">
                 <a:ln>
                   <a:noFill/>
                 </a:ln>
@@ -17375,7 +16654,7 @@
               <a:t>Activity</a:t>
             </a:r>
             <a:r>
-              <a:rPr kumimoji="0" lang="zh-CN" altLang="en-US" sz="1800" i="0" u="none" strike="noStrike" cap="none" spc="0" normalizeH="0" baseline="0" dirty="0" smtClean="0">
+              <a:rPr kumimoji="0" lang="zh-CN" altLang="en-US" sz="1800" i="0" u="none" strike="noStrike" cap="none" spc="0" normalizeH="0" baseline="0" dirty="0">
                 <a:ln>
                   <a:noFill/>
                 </a:ln>
@@ -17391,20 +16670,6 @@
               </a:rPr>
               <a:t>代码臃肿，层次之间耦合严重，后期难以扩展与维护</a:t>
             </a:r>
-            <a:endParaRPr kumimoji="0" lang="zh-CN" altLang="en-US" sz="1800" i="0" u="none" strike="noStrike" cap="none" spc="0" normalizeH="0" baseline="0" dirty="0">
-              <a:ln>
-                <a:noFill/>
-              </a:ln>
-              <a:solidFill>
-                <a:srgbClr val="000000"/>
-              </a:solidFill>
-              <a:effectLst/>
-              <a:uFillTx/>
-              <a:latin typeface="+mn-lt"/>
-              <a:ea typeface="+mn-ea"/>
-              <a:cs typeface="+mn-cs"/>
-              <a:sym typeface="Helvetica"/>
-            </a:endParaRPr>
           </a:p>
         </p:txBody>
       </p:sp>
@@ -19007,7 +18272,7 @@
               <a:buNone/>
             </a:pPr>
             <a:r>
-              <a:rPr kumimoji="0" lang="en-US" altLang="zh-CN" sz="2400" b="0" i="0" u="none" strike="noStrike" cap="none" spc="0" normalizeH="0" baseline="0" dirty="0" err="1" smtClean="0">
+              <a:rPr kumimoji="0" lang="en-US" altLang="zh-CN" sz="2400" b="0" i="0" u="none" strike="noStrike" cap="none" spc="0" normalizeH="0" baseline="0" dirty="0" err="1">
                 <a:ln>
                   <a:noFill/>
                 </a:ln>
@@ -19021,7 +18286,7 @@
               <a:t>ViewModel</a:t>
             </a:r>
             <a:r>
-              <a:rPr lang="zh-CN" altLang="en-US" sz="2400" dirty="0" smtClean="0"/>
+              <a:rPr lang="zh-CN" altLang="en-US" sz="2400" dirty="0"/>
               <a:t>生命周期</a:t>
             </a:r>
             <a:endParaRPr kumimoji="0" lang="zh-CN" altLang="en-US" sz="2400" b="0" i="0" u="none" strike="noStrike" cap="none" spc="0" normalizeH="0" baseline="0" dirty="0">
@@ -19086,11 +18351,7 @@
             </a:r>
             <a:r>
               <a:rPr lang="zh-CN" altLang="en-US" dirty="0"/>
-              <a:t>会</a:t>
-            </a:r>
-            <a:r>
-              <a:rPr lang="zh-CN" altLang="en-US" dirty="0" smtClean="0"/>
-              <a:t>被销毁重建，</a:t>
+              <a:t>会被销毁重建，</a:t>
             </a:r>
             <a:r>
               <a:rPr lang="en-US" altLang="zh-CN" dirty="0"/>
@@ -19106,13 +18367,8 @@
             </a:r>
             <a:r>
               <a:rPr lang="zh-CN" altLang="en-US" dirty="0"/>
-              <a:t>还是之前的对象，并没有被重新</a:t>
-            </a:r>
-            <a:r>
-              <a:rPr lang="zh-CN" altLang="en-US" dirty="0" smtClean="0"/>
-              <a:t>创建。</a:t>
-            </a:r>
-            <a:endParaRPr lang="zh-CN" altLang="en-US" dirty="0"/>
+              <a:t>还是之前的对象，并没有被重新创建。</a:t>
+            </a:r>
           </a:p>
         </p:txBody>
       </p:sp>
@@ -19159,16 +18415,12 @@
               <a:t>当</a:t>
             </a:r>
             <a:r>
-              <a:rPr lang="en-US" altLang="zh-CN" dirty="0" smtClean="0"/>
+              <a:rPr lang="en-US" altLang="zh-CN" dirty="0"/>
               <a:t>Activity</a:t>
             </a:r>
             <a:r>
-              <a:rPr lang="zh-CN" altLang="en-US" dirty="0" smtClean="0"/>
-              <a:t>正常结束时</a:t>
-            </a:r>
-            <a:r>
               <a:rPr lang="zh-CN" altLang="en-US" dirty="0"/>
-              <a:t>，</a:t>
+              <a:t>正常结束时，</a:t>
             </a:r>
             <a:r>
               <a:rPr lang="en-US" altLang="zh-CN" dirty="0" err="1"/>
@@ -19180,23 +18432,15 @@
             </a:r>
             <a:r>
               <a:rPr lang="zh-CN" altLang="en-US" dirty="0"/>
-              <a:t>方法会被调用</a:t>
-            </a:r>
-            <a:r>
-              <a:rPr lang="zh-CN" altLang="en-US" dirty="0" smtClean="0"/>
-              <a:t>，</a:t>
-            </a:r>
-            <a:r>
-              <a:rPr lang="en-US" altLang="zh-CN" dirty="0" err="1" smtClean="0"/>
+              <a:t>方法会被调用，</a:t>
+            </a:r>
+            <a:r>
+              <a:rPr lang="en-US" altLang="zh-CN" dirty="0" err="1"/>
               <a:t>ViewModel</a:t>
             </a:r>
             <a:r>
-              <a:rPr lang="zh-CN" altLang="en-US" dirty="0" smtClean="0"/>
-              <a:t>对象</a:t>
-            </a:r>
-            <a:r>
               <a:rPr lang="zh-CN" altLang="en-US" dirty="0"/>
-              <a:t>才会被销毁。</a:t>
+              <a:t>对象才会被销毁。</a:t>
             </a:r>
           </a:p>
         </p:txBody>
@@ -19255,7 +18499,7 @@
               <a:buNone/>
             </a:pPr>
             <a:r>
-              <a:rPr kumimoji="0" lang="en-US" altLang="zh-CN" sz="1800" b="0" i="0" u="none" strike="noStrike" cap="none" spc="0" normalizeH="0" baseline="0" dirty="0" err="1" smtClean="0">
+              <a:rPr kumimoji="0" lang="en-US" altLang="zh-CN" sz="1800" b="0" i="0" u="none" strike="noStrike" cap="none" spc="0" normalizeH="0" baseline="0" dirty="0" err="1">
                 <a:ln>
                   <a:noFill/>
                 </a:ln>
@@ -19272,7 +18516,7 @@
               <a:t>ViewModel</a:t>
             </a:r>
             <a:r>
-              <a:rPr kumimoji="0" lang="zh-CN" altLang="en-US" sz="1800" b="0" i="0" u="none" strike="noStrike" cap="none" spc="0" normalizeH="0" baseline="0" dirty="0" smtClean="0">
+              <a:rPr kumimoji="0" lang="zh-CN" altLang="en-US" sz="1800" b="0" i="0" u="none" strike="noStrike" cap="none" spc="0" normalizeH="0" baseline="0" dirty="0">
                 <a:ln>
                   <a:noFill/>
                 </a:ln>
@@ -19289,7 +18533,7 @@
               <a:t>的生命周期比</a:t>
             </a:r>
             <a:r>
-              <a:rPr kumimoji="0" lang="en-US" altLang="zh-CN" sz="1800" b="0" i="0" u="none" strike="noStrike" cap="none" spc="0" normalizeH="0" baseline="0" dirty="0" smtClean="0">
+              <a:rPr kumimoji="0" lang="en-US" altLang="zh-CN" sz="1800" b="0" i="0" u="none" strike="noStrike" cap="none" spc="0" normalizeH="0" baseline="0" dirty="0">
                 <a:ln>
                   <a:noFill/>
                 </a:ln>
@@ -19306,7 +18550,7 @@
               <a:t>Activity</a:t>
             </a:r>
             <a:r>
-              <a:rPr kumimoji="0" lang="zh-CN" altLang="en-US" sz="1800" b="0" i="0" u="none" strike="noStrike" cap="none" spc="0" normalizeH="0" baseline="0" dirty="0" smtClean="0">
+              <a:rPr kumimoji="0" lang="zh-CN" altLang="en-US" sz="1800" b="0" i="0" u="none" strike="noStrike" cap="none" spc="0" normalizeH="0" baseline="0" dirty="0">
                 <a:ln>
                   <a:noFill/>
                 </a:ln>
@@ -19323,7 +18567,7 @@
               <a:t>的生命周期长，原则上</a:t>
             </a:r>
             <a:r>
-              <a:rPr kumimoji="0" lang="en-US" altLang="zh-CN" sz="1800" b="0" i="0" u="none" strike="noStrike" cap="none" spc="0" normalizeH="0" baseline="0" dirty="0" err="1" smtClean="0">
+              <a:rPr kumimoji="0" lang="en-US" altLang="zh-CN" sz="1800" b="0" i="0" u="none" strike="noStrike" cap="none" spc="0" normalizeH="0" baseline="0" dirty="0" err="1">
                 <a:ln>
                   <a:noFill/>
                 </a:ln>
@@ -19340,7 +18584,7 @@
               <a:t>ViewModel</a:t>
             </a:r>
             <a:r>
-              <a:rPr kumimoji="0" lang="zh-CN" altLang="en-US" sz="1800" b="0" i="0" u="none" strike="noStrike" cap="none" spc="0" normalizeH="0" baseline="0" dirty="0" smtClean="0">
+              <a:rPr kumimoji="0" lang="zh-CN" altLang="en-US" sz="1800" b="0" i="0" u="none" strike="noStrike" cap="none" spc="0" normalizeH="0" baseline="0" dirty="0">
                 <a:ln>
                   <a:noFill/>
                 </a:ln>
@@ -19357,7 +18601,7 @@
               <a:t>不应该持有</a:t>
             </a:r>
             <a:r>
-              <a:rPr kumimoji="0" lang="en-US" altLang="zh-CN" sz="1800" b="0" i="0" u="none" strike="noStrike" cap="none" spc="0" normalizeH="0" baseline="0" dirty="0" smtClean="0">
+              <a:rPr kumimoji="0" lang="en-US" altLang="zh-CN" sz="1800" b="0" i="0" u="none" strike="noStrike" cap="none" spc="0" normalizeH="0" baseline="0" dirty="0">
                 <a:ln>
                   <a:noFill/>
                 </a:ln>
@@ -19374,7 +18618,7 @@
               <a:t>Activity</a:t>
             </a:r>
             <a:r>
-              <a:rPr kumimoji="0" lang="zh-CN" altLang="en-US" sz="1800" b="0" i="0" u="none" strike="noStrike" cap="none" spc="0" normalizeH="0" baseline="0" dirty="0" smtClean="0">
+              <a:rPr kumimoji="0" lang="zh-CN" altLang="en-US" sz="1800" b="0" i="0" u="none" strike="noStrike" cap="none" spc="0" normalizeH="0" baseline="0" dirty="0">
                 <a:ln>
                   <a:noFill/>
                 </a:ln>
@@ -19390,20 +18634,6 @@
               </a:rPr>
               <a:t>的引用。</a:t>
             </a:r>
-            <a:endParaRPr kumimoji="0" lang="zh-CN" altLang="en-US" sz="1800" b="0" i="0" u="none" strike="noStrike" cap="none" spc="0" normalizeH="0" baseline="0" dirty="0">
-              <a:ln>
-                <a:noFill/>
-              </a:ln>
-              <a:solidFill>
-                <a:srgbClr val="000000"/>
-              </a:solidFill>
-              <a:effectLst/>
-              <a:uFillTx/>
-              <a:latin typeface="+mn-lt"/>
-              <a:ea typeface="+mn-ea"/>
-              <a:cs typeface="+mn-cs"/>
-              <a:sym typeface="Helvetica"/>
-            </a:endParaRPr>
           </a:p>
         </p:txBody>
       </p:sp>

--- a/doc/APP模板与柔派适配说明.pptx
+++ b/doc/APP模板与柔派适配说明.pptx
@@ -1350,7 +1350,7 @@
             </a:r>
             <a:r>
               <a:rPr lang="zh-CN" altLang="en-US" baseline="0" dirty="0"/>
-              <a:t>元素由外层到内存逐个解析，加载到视图树中。</a:t>
+              <a:t>元素由外层到内层逐个解析，加载到视图树中。</a:t>
             </a:r>
             <a:endParaRPr lang="en-US" altLang="zh-CN" baseline="0" dirty="0"/>
           </a:p>
@@ -3133,7 +3133,7 @@
             </a:r>
             <a:r>
               <a:rPr lang="zh-CN" altLang="en-US" dirty="0"/>
-              <a:t>协议将计算机网络分为链路层、网络层、传输层、应用层，每一层关注</a:t>
+              <a:t>协议将计算机网络分为物理层、链路层、网络层、传输层、应用层，每一层关注</a:t>
             </a:r>
             <a:r>
               <a:rPr lang="en-US" altLang="zh-CN" dirty="0"/>
@@ -5398,7 +5398,7 @@
           <a:p>
             <a:fld id="{82F288E0-7875-42C4-84C8-98DBBD3BF4D2}" type="datetimeFigureOut">
               <a:rPr lang="zh-CN" altLang="en-US" smtClean="0"/>
-              <a:t>2020/7/6</a:t>
+              <a:t>2021/5/23</a:t>
             </a:fld>
             <a:endParaRPr lang="zh-CN" altLang="en-US"/>
           </a:p>
@@ -10492,7 +10492,7 @@
         </p:blipFill>
         <p:spPr>
           <a:xfrm>
-            <a:off x="6593303" y="2023081"/>
+            <a:off x="6580424" y="2023081"/>
             <a:ext cx="4996029" cy="3174560"/>
           </a:xfrm>
           <a:prstGeom prst="rect">
